--- a/slides/progress_presentation_1.pptx
+++ b/slides/progress_presentation_1.pptx
@@ -5,13 +5,23 @@
     <p:sldMasterId id="2147483648" r:id="rId1"/>
   </p:sldMasterIdLst>
   <p:notesMasterIdLst>
-    <p:notesMasterId r:id="rId6"/>
+    <p:notesMasterId r:id="rId16"/>
   </p:notesMasterIdLst>
   <p:sldIdLst>
     <p:sldId id="266" r:id="rId2"/>
     <p:sldId id="263" r:id="rId3"/>
     <p:sldId id="264" r:id="rId4"/>
-    <p:sldId id="265" r:id="rId5"/>
+    <p:sldId id="268" r:id="rId5"/>
+    <p:sldId id="270" r:id="rId6"/>
+    <p:sldId id="272" r:id="rId7"/>
+    <p:sldId id="274" r:id="rId8"/>
+    <p:sldId id="276" r:id="rId9"/>
+    <p:sldId id="267" r:id="rId10"/>
+    <p:sldId id="269" r:id="rId11"/>
+    <p:sldId id="271" r:id="rId12"/>
+    <p:sldId id="273" r:id="rId13"/>
+    <p:sldId id="275" r:id="rId14"/>
+    <p:sldId id="277" r:id="rId15"/>
   </p:sldIdLst>
   <p:sldSz cx="12192000" cy="6858000"/>
   <p:notesSz cx="6858000" cy="9144000"/>
@@ -200,7 +210,7 @@
           <a:p>
             <a:fld id="{819C28E3-FB02-4B34-86DE-F7C4BBAFA035}" type="datetimeFigureOut">
               <a:rPr lang="en-US" smtClean="0"/>
-              <a:t>3/26/2024</a:t>
+              <a:t>3/30/2024</a:t>
             </a:fld>
             <a:endParaRPr lang="en-US"/>
           </a:p>
@@ -614,7 +624,7 @@
           <a:p>
             <a:fld id="{A6E1B249-BBC1-499F-96FC-17ACFD62C0D2}" type="datetime1">
               <a:rPr lang="en-US" smtClean="0"/>
-              <a:t>3/26/2024</a:t>
+              <a:t>3/30/2024</a:t>
             </a:fld>
             <a:endParaRPr lang="en-US"/>
           </a:p>
@@ -815,7 +825,7 @@
           <a:p>
             <a:fld id="{3DE202E0-7A69-435E-9B5F-F8D61173FBBB}" type="datetime1">
               <a:rPr lang="en-US" smtClean="0"/>
-              <a:t>3/26/2024</a:t>
+              <a:t>3/30/2024</a:t>
             </a:fld>
             <a:endParaRPr lang="en-US"/>
           </a:p>
@@ -1026,7 +1036,7 @@
           <a:p>
             <a:fld id="{ED7B756E-1017-49D3-A14E-80AA959BE1C4}" type="datetime1">
               <a:rPr lang="en-US" smtClean="0"/>
-              <a:t>3/26/2024</a:t>
+              <a:t>3/30/2024</a:t>
             </a:fld>
             <a:endParaRPr lang="en-US"/>
           </a:p>
@@ -1227,7 +1237,7 @@
           <a:p>
             <a:fld id="{2EBCC48D-86CB-4627-BFCB-4746D9178311}" type="datetime1">
               <a:rPr lang="en-US" smtClean="0"/>
-              <a:t>3/26/2024</a:t>
+              <a:t>3/30/2024</a:t>
             </a:fld>
             <a:endParaRPr lang="en-US"/>
           </a:p>
@@ -1505,7 +1515,7 @@
           <a:p>
             <a:fld id="{9E5CE2EF-515F-498D-8BB9-B67E834CFD61}" type="datetime1">
               <a:rPr lang="en-US" smtClean="0"/>
-              <a:t>3/26/2024</a:t>
+              <a:t>3/30/2024</a:t>
             </a:fld>
             <a:endParaRPr lang="en-US"/>
           </a:p>
@@ -1773,7 +1783,7 @@
           <a:p>
             <a:fld id="{C71FF7C4-377B-486C-B418-F226256A186D}" type="datetime1">
               <a:rPr lang="en-US" smtClean="0"/>
-              <a:t>3/26/2024</a:t>
+              <a:t>3/30/2024</a:t>
             </a:fld>
             <a:endParaRPr lang="en-US"/>
           </a:p>
@@ -2188,7 +2198,7 @@
           <a:p>
             <a:fld id="{8D6FC7D1-9343-474B-834F-BAAC0FAB6A1E}" type="datetime1">
               <a:rPr lang="en-US" smtClean="0"/>
-              <a:t>3/26/2024</a:t>
+              <a:t>3/30/2024</a:t>
             </a:fld>
             <a:endParaRPr lang="en-US"/>
           </a:p>
@@ -2332,7 +2342,7 @@
           <a:p>
             <a:fld id="{271525A6-AB2C-4381-9F5E-305438172ED9}" type="datetime1">
               <a:rPr lang="en-US" smtClean="0"/>
-              <a:t>3/26/2024</a:t>
+              <a:t>3/30/2024</a:t>
             </a:fld>
             <a:endParaRPr lang="en-US"/>
           </a:p>
@@ -2448,7 +2458,7 @@
           <a:p>
             <a:fld id="{93488A89-FB29-4065-BFA1-D3292247443E}" type="datetime1">
               <a:rPr lang="en-US" smtClean="0"/>
-              <a:t>3/26/2024</a:t>
+              <a:t>3/30/2024</a:t>
             </a:fld>
             <a:endParaRPr lang="en-US"/>
           </a:p>
@@ -2762,7 +2772,7 @@
           <a:p>
             <a:fld id="{E360E7DD-4248-4F50-87C6-FE5804BF2EE3}" type="datetime1">
               <a:rPr lang="en-US" smtClean="0"/>
-              <a:t>3/26/2024</a:t>
+              <a:t>3/30/2024</a:t>
             </a:fld>
             <a:endParaRPr lang="en-US"/>
           </a:p>
@@ -3053,7 +3063,7 @@
           <a:p>
             <a:fld id="{1F8B7905-95D3-4295-AD81-BEC290EDA7F1}" type="datetime1">
               <a:rPr lang="en-US" smtClean="0"/>
-              <a:t>3/26/2024</a:t>
+              <a:t>3/30/2024</a:t>
             </a:fld>
             <a:endParaRPr lang="en-US"/>
           </a:p>
@@ -3297,7 +3307,7 @@
           <a:p>
             <a:fld id="{87ECD795-C0A7-4AC1-9893-D470461D3597}" type="datetime1">
               <a:rPr lang="en-US" smtClean="0"/>
-              <a:t>3/26/2024</a:t>
+              <a:t>3/30/2024</a:t>
             </a:fld>
             <a:endParaRPr lang="en-US"/>
           </a:p>
@@ -3821,7 +3831,15 @@
             </a:r>
             <a:r>
               <a:rPr lang="en-US" dirty="0"/>
-              <a:t>(interesting results)</a:t>
+              <a:t>up to </a:t>
+            </a:r>
+            <a:r>
+              <a:rPr lang="en-US" b="1" dirty="0"/>
+              <a:t>n</a:t>
+            </a:r>
+            <a:r>
+              <a:rPr lang="en-US" dirty="0"/>
+              <a:t>=8</a:t>
             </a:r>
           </a:p>
         </p:txBody>
@@ -3849,7 +3867,7 @@
           <a:p>
             <a:fld id="{A6E1B249-BBC1-499F-96FC-17ACFD62C0D2}" type="datetime1">
               <a:rPr lang="en-US" smtClean="0"/>
-              <a:t>3/26/2024</a:t>
+              <a:t>3/30/2024</a:t>
             </a:fld>
             <a:endParaRPr lang="en-US"/>
           </a:p>
@@ -3916,6 +3934,886 @@
     <p:extLst>
       <p:ext uri="{BB962C8B-B14F-4D97-AF65-F5344CB8AC3E}">
         <p14:creationId xmlns:p14="http://schemas.microsoft.com/office/powerpoint/2010/main" val="2478417505"/>
+      </p:ext>
+    </p:extLst>
+  </p:cSld>
+  <p:clrMapOvr>
+    <a:masterClrMapping/>
+  </p:clrMapOvr>
+</p:sld>
+</file>
+
+<file path=ppt/slides/slide10.xml><?xml version="1.0" encoding="utf-8"?>
+<p:sld xmlns:a="http://schemas.openxmlformats.org/drawingml/2006/main" xmlns:r="http://schemas.openxmlformats.org/officeDocument/2006/relationships" xmlns:p="http://schemas.openxmlformats.org/presentationml/2006/main">
+  <p:cSld>
+    <p:spTree>
+      <p:nvGrpSpPr>
+        <p:cNvPr id="1" name=""/>
+        <p:cNvGrpSpPr/>
+        <p:nvPr/>
+      </p:nvGrpSpPr>
+      <p:grpSpPr>
+        <a:xfrm>
+          <a:off x="0" y="0"/>
+          <a:ext cx="0" cy="0"/>
+          <a:chOff x="0" y="0"/>
+          <a:chExt cx="0" cy="0"/>
+        </a:xfrm>
+      </p:grpSpPr>
+      <p:sp>
+        <p:nvSpPr>
+          <p:cNvPr id="3" name="Date Placeholder 2">
+            <a:extLst>
+              <a:ext uri="{FF2B5EF4-FFF2-40B4-BE49-F238E27FC236}">
+                <a16:creationId xmlns:a16="http://schemas.microsoft.com/office/drawing/2014/main" id="{AC8ADA9C-5F1B-2E1C-9DA6-F64D0AD3EDCF}"/>
+              </a:ext>
+            </a:extLst>
+          </p:cNvPr>
+          <p:cNvSpPr>
+            <a:spLocks noGrp="1"/>
+          </p:cNvSpPr>
+          <p:nvPr>
+            <p:ph type="dt" sz="half" idx="10"/>
+          </p:nvPr>
+        </p:nvSpPr>
+        <p:spPr/>
+        <p:txBody>
+          <a:bodyPr/>
+          <a:lstStyle/>
+          <a:p>
+            <a:fld id="{271525A6-AB2C-4381-9F5E-305438172ED9}" type="datetime1">
+              <a:rPr lang="en-US" smtClean="0"/>
+              <a:t>3/30/2024</a:t>
+            </a:fld>
+            <a:endParaRPr lang="en-US"/>
+          </a:p>
+        </p:txBody>
+      </p:sp>
+      <p:sp>
+        <p:nvSpPr>
+          <p:cNvPr id="4" name="Footer Placeholder 3">
+            <a:extLst>
+              <a:ext uri="{FF2B5EF4-FFF2-40B4-BE49-F238E27FC236}">
+                <a16:creationId xmlns:a16="http://schemas.microsoft.com/office/drawing/2014/main" id="{A46171BC-7A62-CBA7-7A2F-422D075AA963}"/>
+              </a:ext>
+            </a:extLst>
+          </p:cNvPr>
+          <p:cNvSpPr>
+            <a:spLocks noGrp="1"/>
+          </p:cNvSpPr>
+          <p:nvPr>
+            <p:ph type="ftr" sz="quarter" idx="11"/>
+          </p:nvPr>
+        </p:nvSpPr>
+        <p:spPr/>
+        <p:txBody>
+          <a:bodyPr/>
+          <a:lstStyle/>
+          <a:p>
+            <a:r>
+              <a:rPr lang="en-US"/>
+              <a:t>Quantum MCMC Semester Project</a:t>
+            </a:r>
+          </a:p>
+        </p:txBody>
+      </p:sp>
+      <p:sp>
+        <p:nvSpPr>
+          <p:cNvPr id="5" name="Slide Number Placeholder 4">
+            <a:extLst>
+              <a:ext uri="{FF2B5EF4-FFF2-40B4-BE49-F238E27FC236}">
+                <a16:creationId xmlns:a16="http://schemas.microsoft.com/office/drawing/2014/main" id="{291C8625-05B2-5F08-E2BB-E207077C84D5}"/>
+              </a:ext>
+            </a:extLst>
+          </p:cNvPr>
+          <p:cNvSpPr>
+            <a:spLocks noGrp="1"/>
+          </p:cNvSpPr>
+          <p:nvPr>
+            <p:ph type="sldNum" sz="quarter" idx="12"/>
+          </p:nvPr>
+        </p:nvSpPr>
+        <p:spPr/>
+        <p:txBody>
+          <a:bodyPr/>
+          <a:lstStyle/>
+          <a:p>
+            <a:fld id="{A7317B02-F301-4794-AD40-E8EE819BB4A2}" type="slidenum">
+              <a:rPr lang="en-US" smtClean="0"/>
+              <a:t>10</a:t>
+            </a:fld>
+            <a:endParaRPr lang="en-US"/>
+          </a:p>
+        </p:txBody>
+      </p:sp>
+      <p:pic>
+        <p:nvPicPr>
+          <p:cNvPr id="15" name="Picture 14">
+            <a:extLst>
+              <a:ext uri="{FF2B5EF4-FFF2-40B4-BE49-F238E27FC236}">
+                <a16:creationId xmlns:a16="http://schemas.microsoft.com/office/drawing/2014/main" id="{931FEFC7-B2D8-54DD-4067-00172AABBAD9}"/>
+              </a:ext>
+            </a:extLst>
+          </p:cNvPr>
+          <p:cNvPicPr>
+            <a:picLocks noChangeAspect="1"/>
+          </p:cNvPicPr>
+          <p:nvPr/>
+        </p:nvPicPr>
+        <p:blipFill>
+          <a:blip r:embed="rId2"/>
+          <a:stretch>
+            <a:fillRect/>
+          </a:stretch>
+        </p:blipFill>
+        <p:spPr>
+          <a:xfrm>
+            <a:off x="2760148" y="416368"/>
+            <a:ext cx="6213584" cy="3114657"/>
+          </a:xfrm>
+          <a:prstGeom prst="rect">
+            <a:avLst/>
+          </a:prstGeom>
+        </p:spPr>
+      </p:pic>
+      <p:pic>
+        <p:nvPicPr>
+          <p:cNvPr id="6" name="Picture 5">
+            <a:extLst>
+              <a:ext uri="{FF2B5EF4-FFF2-40B4-BE49-F238E27FC236}">
+                <a16:creationId xmlns:a16="http://schemas.microsoft.com/office/drawing/2014/main" id="{20D7A466-D38E-7BA7-B746-E6D41B1110B8}"/>
+              </a:ext>
+            </a:extLst>
+          </p:cNvPr>
+          <p:cNvPicPr>
+            <a:picLocks noChangeAspect="1"/>
+          </p:cNvPicPr>
+          <p:nvPr/>
+        </p:nvPicPr>
+        <p:blipFill>
+          <a:blip r:embed="rId3"/>
+          <a:stretch>
+            <a:fillRect/>
+          </a:stretch>
+        </p:blipFill>
+        <p:spPr>
+          <a:xfrm>
+            <a:off x="2700673" y="3479056"/>
+            <a:ext cx="6731179" cy="2719946"/>
+          </a:xfrm>
+          <a:prstGeom prst="rect">
+            <a:avLst/>
+          </a:prstGeom>
+        </p:spPr>
+      </p:pic>
+    </p:spTree>
+    <p:extLst>
+      <p:ext uri="{BB962C8B-B14F-4D97-AF65-F5344CB8AC3E}">
+        <p14:creationId xmlns:p14="http://schemas.microsoft.com/office/powerpoint/2010/main" val="989002449"/>
+      </p:ext>
+    </p:extLst>
+  </p:cSld>
+  <p:clrMapOvr>
+    <a:masterClrMapping/>
+  </p:clrMapOvr>
+</p:sld>
+</file>
+
+<file path=ppt/slides/slide11.xml><?xml version="1.0" encoding="utf-8"?>
+<p:sld xmlns:a="http://schemas.openxmlformats.org/drawingml/2006/main" xmlns:r="http://schemas.openxmlformats.org/officeDocument/2006/relationships" xmlns:p="http://schemas.openxmlformats.org/presentationml/2006/main">
+  <p:cSld>
+    <p:spTree>
+      <p:nvGrpSpPr>
+        <p:cNvPr id="1" name=""/>
+        <p:cNvGrpSpPr/>
+        <p:nvPr/>
+      </p:nvGrpSpPr>
+      <p:grpSpPr>
+        <a:xfrm>
+          <a:off x="0" y="0"/>
+          <a:ext cx="0" cy="0"/>
+          <a:chOff x="0" y="0"/>
+          <a:chExt cx="0" cy="0"/>
+        </a:xfrm>
+      </p:grpSpPr>
+      <p:sp>
+        <p:nvSpPr>
+          <p:cNvPr id="3" name="Date Placeholder 2">
+            <a:extLst>
+              <a:ext uri="{FF2B5EF4-FFF2-40B4-BE49-F238E27FC236}">
+                <a16:creationId xmlns:a16="http://schemas.microsoft.com/office/drawing/2014/main" id="{D114BF7D-3EEA-D344-BC37-CC88F4B0CA44}"/>
+              </a:ext>
+            </a:extLst>
+          </p:cNvPr>
+          <p:cNvSpPr>
+            <a:spLocks noGrp="1"/>
+          </p:cNvSpPr>
+          <p:nvPr>
+            <p:ph type="dt" sz="half" idx="10"/>
+          </p:nvPr>
+        </p:nvSpPr>
+        <p:spPr/>
+        <p:txBody>
+          <a:bodyPr/>
+          <a:lstStyle/>
+          <a:p>
+            <a:fld id="{271525A6-AB2C-4381-9F5E-305438172ED9}" type="datetime1">
+              <a:rPr lang="en-US" smtClean="0"/>
+              <a:t>3/30/2024</a:t>
+            </a:fld>
+            <a:endParaRPr lang="en-US"/>
+          </a:p>
+        </p:txBody>
+      </p:sp>
+      <p:sp>
+        <p:nvSpPr>
+          <p:cNvPr id="4" name="Footer Placeholder 3">
+            <a:extLst>
+              <a:ext uri="{FF2B5EF4-FFF2-40B4-BE49-F238E27FC236}">
+                <a16:creationId xmlns:a16="http://schemas.microsoft.com/office/drawing/2014/main" id="{D7BBFCA1-8985-7482-92E6-DE9E36B7337D}"/>
+              </a:ext>
+            </a:extLst>
+          </p:cNvPr>
+          <p:cNvSpPr>
+            <a:spLocks noGrp="1"/>
+          </p:cNvSpPr>
+          <p:nvPr>
+            <p:ph type="ftr" sz="quarter" idx="11"/>
+          </p:nvPr>
+        </p:nvSpPr>
+        <p:spPr/>
+        <p:txBody>
+          <a:bodyPr/>
+          <a:lstStyle/>
+          <a:p>
+            <a:r>
+              <a:rPr lang="en-US"/>
+              <a:t>Quantum MCMC Semester Project</a:t>
+            </a:r>
+          </a:p>
+        </p:txBody>
+      </p:sp>
+      <p:sp>
+        <p:nvSpPr>
+          <p:cNvPr id="5" name="Slide Number Placeholder 4">
+            <a:extLst>
+              <a:ext uri="{FF2B5EF4-FFF2-40B4-BE49-F238E27FC236}">
+                <a16:creationId xmlns:a16="http://schemas.microsoft.com/office/drawing/2014/main" id="{76F9C7CA-219C-C59A-70F4-44418B9C42EF}"/>
+              </a:ext>
+            </a:extLst>
+          </p:cNvPr>
+          <p:cNvSpPr>
+            <a:spLocks noGrp="1"/>
+          </p:cNvSpPr>
+          <p:nvPr>
+            <p:ph type="sldNum" sz="quarter" idx="12"/>
+          </p:nvPr>
+        </p:nvSpPr>
+        <p:spPr/>
+        <p:txBody>
+          <a:bodyPr/>
+          <a:lstStyle/>
+          <a:p>
+            <a:fld id="{A7317B02-F301-4794-AD40-E8EE819BB4A2}" type="slidenum">
+              <a:rPr lang="en-US" smtClean="0"/>
+              <a:t>11</a:t>
+            </a:fld>
+            <a:endParaRPr lang="en-US"/>
+          </a:p>
+        </p:txBody>
+      </p:sp>
+      <p:pic>
+        <p:nvPicPr>
+          <p:cNvPr id="6" name="Picture 5">
+            <a:extLst>
+              <a:ext uri="{FF2B5EF4-FFF2-40B4-BE49-F238E27FC236}">
+                <a16:creationId xmlns:a16="http://schemas.microsoft.com/office/drawing/2014/main" id="{BC056C87-E188-64C1-C82D-30E210E9325B}"/>
+              </a:ext>
+            </a:extLst>
+          </p:cNvPr>
+          <p:cNvPicPr>
+            <a:picLocks noChangeAspect="1"/>
+          </p:cNvPicPr>
+          <p:nvPr/>
+        </p:nvPicPr>
+        <p:blipFill>
+          <a:blip r:embed="rId2"/>
+          <a:stretch>
+            <a:fillRect/>
+          </a:stretch>
+        </p:blipFill>
+        <p:spPr>
+          <a:xfrm>
+            <a:off x="2789053" y="161834"/>
+            <a:ext cx="5980173" cy="2997656"/>
+          </a:xfrm>
+          <a:prstGeom prst="rect">
+            <a:avLst/>
+          </a:prstGeom>
+        </p:spPr>
+      </p:pic>
+      <p:pic>
+        <p:nvPicPr>
+          <p:cNvPr id="8" name="Picture 7">
+            <a:extLst>
+              <a:ext uri="{FF2B5EF4-FFF2-40B4-BE49-F238E27FC236}">
+                <a16:creationId xmlns:a16="http://schemas.microsoft.com/office/drawing/2014/main" id="{E8E37DB2-8D76-D0A4-AE3D-C2F7EF41CACA}"/>
+              </a:ext>
+            </a:extLst>
+          </p:cNvPr>
+          <p:cNvPicPr>
+            <a:picLocks noChangeAspect="1"/>
+          </p:cNvPicPr>
+          <p:nvPr/>
+        </p:nvPicPr>
+        <p:blipFill>
+          <a:blip r:embed="rId3"/>
+          <a:stretch>
+            <a:fillRect/>
+          </a:stretch>
+        </p:blipFill>
+        <p:spPr>
+          <a:xfrm>
+            <a:off x="2210749" y="3159490"/>
+            <a:ext cx="7418443" cy="2997657"/>
+          </a:xfrm>
+          <a:prstGeom prst="rect">
+            <a:avLst/>
+          </a:prstGeom>
+        </p:spPr>
+      </p:pic>
+    </p:spTree>
+    <p:extLst>
+      <p:ext uri="{BB962C8B-B14F-4D97-AF65-F5344CB8AC3E}">
+        <p14:creationId xmlns:p14="http://schemas.microsoft.com/office/powerpoint/2010/main" val="2779585225"/>
+      </p:ext>
+    </p:extLst>
+  </p:cSld>
+  <p:clrMapOvr>
+    <a:masterClrMapping/>
+  </p:clrMapOvr>
+</p:sld>
+</file>
+
+<file path=ppt/slides/slide12.xml><?xml version="1.0" encoding="utf-8"?>
+<p:sld xmlns:a="http://schemas.openxmlformats.org/drawingml/2006/main" xmlns:r="http://schemas.openxmlformats.org/officeDocument/2006/relationships" xmlns:p="http://schemas.openxmlformats.org/presentationml/2006/main">
+  <p:cSld>
+    <p:spTree>
+      <p:nvGrpSpPr>
+        <p:cNvPr id="1" name=""/>
+        <p:cNvGrpSpPr/>
+        <p:nvPr/>
+      </p:nvGrpSpPr>
+      <p:grpSpPr>
+        <a:xfrm>
+          <a:off x="0" y="0"/>
+          <a:ext cx="0" cy="0"/>
+          <a:chOff x="0" y="0"/>
+          <a:chExt cx="0" cy="0"/>
+        </a:xfrm>
+      </p:grpSpPr>
+      <p:sp>
+        <p:nvSpPr>
+          <p:cNvPr id="2" name="Date Placeholder 1">
+            <a:extLst>
+              <a:ext uri="{FF2B5EF4-FFF2-40B4-BE49-F238E27FC236}">
+                <a16:creationId xmlns:a16="http://schemas.microsoft.com/office/drawing/2014/main" id="{9625F44E-476C-A5AC-1F61-3DABF4997050}"/>
+              </a:ext>
+            </a:extLst>
+          </p:cNvPr>
+          <p:cNvSpPr>
+            <a:spLocks noGrp="1"/>
+          </p:cNvSpPr>
+          <p:nvPr>
+            <p:ph type="dt" sz="half" idx="10"/>
+          </p:nvPr>
+        </p:nvSpPr>
+        <p:spPr/>
+        <p:txBody>
+          <a:bodyPr/>
+          <a:lstStyle/>
+          <a:p>
+            <a:fld id="{93488A89-FB29-4065-BFA1-D3292247443E}" type="datetime1">
+              <a:rPr lang="en-US" smtClean="0"/>
+              <a:t>3/30/2024</a:t>
+            </a:fld>
+            <a:endParaRPr lang="en-US"/>
+          </a:p>
+        </p:txBody>
+      </p:sp>
+      <p:sp>
+        <p:nvSpPr>
+          <p:cNvPr id="3" name="Footer Placeholder 2">
+            <a:extLst>
+              <a:ext uri="{FF2B5EF4-FFF2-40B4-BE49-F238E27FC236}">
+                <a16:creationId xmlns:a16="http://schemas.microsoft.com/office/drawing/2014/main" id="{9E17BB99-5504-DCCD-B8FA-DEF5E47B03F4}"/>
+              </a:ext>
+            </a:extLst>
+          </p:cNvPr>
+          <p:cNvSpPr>
+            <a:spLocks noGrp="1"/>
+          </p:cNvSpPr>
+          <p:nvPr>
+            <p:ph type="ftr" sz="quarter" idx="11"/>
+          </p:nvPr>
+        </p:nvSpPr>
+        <p:spPr/>
+        <p:txBody>
+          <a:bodyPr/>
+          <a:lstStyle/>
+          <a:p>
+            <a:r>
+              <a:rPr lang="en-US"/>
+              <a:t>Quantum MCMC Semester Project</a:t>
+            </a:r>
+          </a:p>
+        </p:txBody>
+      </p:sp>
+      <p:sp>
+        <p:nvSpPr>
+          <p:cNvPr id="4" name="Slide Number Placeholder 3">
+            <a:extLst>
+              <a:ext uri="{FF2B5EF4-FFF2-40B4-BE49-F238E27FC236}">
+                <a16:creationId xmlns:a16="http://schemas.microsoft.com/office/drawing/2014/main" id="{C6F1EC1F-CCF5-40D1-BB55-844AC2F9B726}"/>
+              </a:ext>
+            </a:extLst>
+          </p:cNvPr>
+          <p:cNvSpPr>
+            <a:spLocks noGrp="1"/>
+          </p:cNvSpPr>
+          <p:nvPr>
+            <p:ph type="sldNum" sz="quarter" idx="12"/>
+          </p:nvPr>
+        </p:nvSpPr>
+        <p:spPr/>
+        <p:txBody>
+          <a:bodyPr/>
+          <a:lstStyle/>
+          <a:p>
+            <a:fld id="{A7317B02-F301-4794-AD40-E8EE819BB4A2}" type="slidenum">
+              <a:rPr lang="en-US" smtClean="0"/>
+              <a:t>12</a:t>
+            </a:fld>
+            <a:endParaRPr lang="en-US"/>
+          </a:p>
+        </p:txBody>
+      </p:sp>
+      <p:pic>
+        <p:nvPicPr>
+          <p:cNvPr id="6" name="Picture 5">
+            <a:extLst>
+              <a:ext uri="{FF2B5EF4-FFF2-40B4-BE49-F238E27FC236}">
+                <a16:creationId xmlns:a16="http://schemas.microsoft.com/office/drawing/2014/main" id="{9F55C5E9-B39C-7D01-5238-02EFC1A889BF}"/>
+              </a:ext>
+            </a:extLst>
+          </p:cNvPr>
+          <p:cNvPicPr>
+            <a:picLocks noChangeAspect="1"/>
+          </p:cNvPicPr>
+          <p:nvPr/>
+        </p:nvPicPr>
+        <p:blipFill>
+          <a:blip r:embed="rId2"/>
+          <a:stretch>
+            <a:fillRect/>
+          </a:stretch>
+        </p:blipFill>
+        <p:spPr>
+          <a:xfrm>
+            <a:off x="3290570" y="300663"/>
+            <a:ext cx="5883638" cy="2949267"/>
+          </a:xfrm>
+          <a:prstGeom prst="rect">
+            <a:avLst/>
+          </a:prstGeom>
+        </p:spPr>
+      </p:pic>
+      <p:pic>
+        <p:nvPicPr>
+          <p:cNvPr id="8" name="Picture 7">
+            <a:extLst>
+              <a:ext uri="{FF2B5EF4-FFF2-40B4-BE49-F238E27FC236}">
+                <a16:creationId xmlns:a16="http://schemas.microsoft.com/office/drawing/2014/main" id="{342859AB-5A94-6BD7-E2FF-BE94222EC4B6}"/>
+              </a:ext>
+            </a:extLst>
+          </p:cNvPr>
+          <p:cNvPicPr>
+            <a:picLocks noChangeAspect="1"/>
+          </p:cNvPicPr>
+          <p:nvPr/>
+        </p:nvPicPr>
+        <p:blipFill>
+          <a:blip r:embed="rId3"/>
+          <a:stretch>
+            <a:fillRect/>
+          </a:stretch>
+        </p:blipFill>
+        <p:spPr>
+          <a:xfrm>
+            <a:off x="2446655" y="3249930"/>
+            <a:ext cx="7298690" cy="2949267"/>
+          </a:xfrm>
+          <a:prstGeom prst="rect">
+            <a:avLst/>
+          </a:prstGeom>
+        </p:spPr>
+      </p:pic>
+    </p:spTree>
+    <p:extLst>
+      <p:ext uri="{BB962C8B-B14F-4D97-AF65-F5344CB8AC3E}">
+        <p14:creationId xmlns:p14="http://schemas.microsoft.com/office/powerpoint/2010/main" val="1811047224"/>
+      </p:ext>
+    </p:extLst>
+  </p:cSld>
+  <p:clrMapOvr>
+    <a:masterClrMapping/>
+  </p:clrMapOvr>
+</p:sld>
+</file>
+
+<file path=ppt/slides/slide13.xml><?xml version="1.0" encoding="utf-8"?>
+<p:sld xmlns:a="http://schemas.openxmlformats.org/drawingml/2006/main" xmlns:r="http://schemas.openxmlformats.org/officeDocument/2006/relationships" xmlns:p="http://schemas.openxmlformats.org/presentationml/2006/main">
+  <p:cSld>
+    <p:spTree>
+      <p:nvGrpSpPr>
+        <p:cNvPr id="1" name=""/>
+        <p:cNvGrpSpPr/>
+        <p:nvPr/>
+      </p:nvGrpSpPr>
+      <p:grpSpPr>
+        <a:xfrm>
+          <a:off x="0" y="0"/>
+          <a:ext cx="0" cy="0"/>
+          <a:chOff x="0" y="0"/>
+          <a:chExt cx="0" cy="0"/>
+        </a:xfrm>
+      </p:grpSpPr>
+      <p:sp>
+        <p:nvSpPr>
+          <p:cNvPr id="2" name="Date Placeholder 1">
+            <a:extLst>
+              <a:ext uri="{FF2B5EF4-FFF2-40B4-BE49-F238E27FC236}">
+                <a16:creationId xmlns:a16="http://schemas.microsoft.com/office/drawing/2014/main" id="{46383EBC-2806-E58C-4F34-951D18467282}"/>
+              </a:ext>
+            </a:extLst>
+          </p:cNvPr>
+          <p:cNvSpPr>
+            <a:spLocks noGrp="1"/>
+          </p:cNvSpPr>
+          <p:nvPr>
+            <p:ph type="dt" sz="half" idx="10"/>
+          </p:nvPr>
+        </p:nvSpPr>
+        <p:spPr/>
+        <p:txBody>
+          <a:bodyPr/>
+          <a:lstStyle/>
+          <a:p>
+            <a:fld id="{93488A89-FB29-4065-BFA1-D3292247443E}" type="datetime1">
+              <a:rPr lang="en-US" smtClean="0"/>
+              <a:t>3/30/2024</a:t>
+            </a:fld>
+            <a:endParaRPr lang="en-US"/>
+          </a:p>
+        </p:txBody>
+      </p:sp>
+      <p:sp>
+        <p:nvSpPr>
+          <p:cNvPr id="3" name="Footer Placeholder 2">
+            <a:extLst>
+              <a:ext uri="{FF2B5EF4-FFF2-40B4-BE49-F238E27FC236}">
+                <a16:creationId xmlns:a16="http://schemas.microsoft.com/office/drawing/2014/main" id="{8614E7A4-AB38-2FCF-DE1E-9B74D8016EAD}"/>
+              </a:ext>
+            </a:extLst>
+          </p:cNvPr>
+          <p:cNvSpPr>
+            <a:spLocks noGrp="1"/>
+          </p:cNvSpPr>
+          <p:nvPr>
+            <p:ph type="ftr" sz="quarter" idx="11"/>
+          </p:nvPr>
+        </p:nvSpPr>
+        <p:spPr/>
+        <p:txBody>
+          <a:bodyPr/>
+          <a:lstStyle/>
+          <a:p>
+            <a:r>
+              <a:rPr lang="en-US"/>
+              <a:t>Quantum MCMC Semester Project</a:t>
+            </a:r>
+          </a:p>
+        </p:txBody>
+      </p:sp>
+      <p:sp>
+        <p:nvSpPr>
+          <p:cNvPr id="4" name="Slide Number Placeholder 3">
+            <a:extLst>
+              <a:ext uri="{FF2B5EF4-FFF2-40B4-BE49-F238E27FC236}">
+                <a16:creationId xmlns:a16="http://schemas.microsoft.com/office/drawing/2014/main" id="{272DDEA6-43E2-AD2D-420E-DD4906C0DA5F}"/>
+              </a:ext>
+            </a:extLst>
+          </p:cNvPr>
+          <p:cNvSpPr>
+            <a:spLocks noGrp="1"/>
+          </p:cNvSpPr>
+          <p:nvPr>
+            <p:ph type="sldNum" sz="quarter" idx="12"/>
+          </p:nvPr>
+        </p:nvSpPr>
+        <p:spPr/>
+        <p:txBody>
+          <a:bodyPr/>
+          <a:lstStyle/>
+          <a:p>
+            <a:fld id="{A7317B02-F301-4794-AD40-E8EE819BB4A2}" type="slidenum">
+              <a:rPr lang="en-US" smtClean="0"/>
+              <a:t>13</a:t>
+            </a:fld>
+            <a:endParaRPr lang="en-US"/>
+          </a:p>
+        </p:txBody>
+      </p:sp>
+      <p:pic>
+        <p:nvPicPr>
+          <p:cNvPr id="6" name="Picture 5">
+            <a:extLst>
+              <a:ext uri="{FF2B5EF4-FFF2-40B4-BE49-F238E27FC236}">
+                <a16:creationId xmlns:a16="http://schemas.microsoft.com/office/drawing/2014/main" id="{7A889A8E-BCB0-8EA9-5569-83C56D1E2162}"/>
+              </a:ext>
+            </a:extLst>
+          </p:cNvPr>
+          <p:cNvPicPr>
+            <a:picLocks noChangeAspect="1"/>
+          </p:cNvPicPr>
+          <p:nvPr/>
+        </p:nvPicPr>
+        <p:blipFill>
+          <a:blip r:embed="rId2"/>
+          <a:stretch>
+            <a:fillRect/>
+          </a:stretch>
+        </p:blipFill>
+        <p:spPr>
+          <a:xfrm>
+            <a:off x="2800985" y="300172"/>
+            <a:ext cx="5945424" cy="2980238"/>
+          </a:xfrm>
+          <a:prstGeom prst="rect">
+            <a:avLst/>
+          </a:prstGeom>
+        </p:spPr>
+      </p:pic>
+      <p:pic>
+        <p:nvPicPr>
+          <p:cNvPr id="8" name="Picture 7">
+            <a:extLst>
+              <a:ext uri="{FF2B5EF4-FFF2-40B4-BE49-F238E27FC236}">
+                <a16:creationId xmlns:a16="http://schemas.microsoft.com/office/drawing/2014/main" id="{7E788072-8DAF-D692-C3D7-4F82C22722B0}"/>
+              </a:ext>
+            </a:extLst>
+          </p:cNvPr>
+          <p:cNvPicPr>
+            <a:picLocks noChangeAspect="1"/>
+          </p:cNvPicPr>
+          <p:nvPr/>
+        </p:nvPicPr>
+        <p:blipFill>
+          <a:blip r:embed="rId3"/>
+          <a:stretch>
+            <a:fillRect/>
+          </a:stretch>
+        </p:blipFill>
+        <p:spPr>
+          <a:xfrm>
+            <a:off x="2301875" y="3280410"/>
+            <a:ext cx="7360285" cy="2980238"/>
+          </a:xfrm>
+          <a:prstGeom prst="rect">
+            <a:avLst/>
+          </a:prstGeom>
+        </p:spPr>
+      </p:pic>
+    </p:spTree>
+    <p:extLst>
+      <p:ext uri="{BB962C8B-B14F-4D97-AF65-F5344CB8AC3E}">
+        <p14:creationId xmlns:p14="http://schemas.microsoft.com/office/powerpoint/2010/main" val="270814330"/>
+      </p:ext>
+    </p:extLst>
+  </p:cSld>
+  <p:clrMapOvr>
+    <a:masterClrMapping/>
+  </p:clrMapOvr>
+</p:sld>
+</file>
+
+<file path=ppt/slides/slide14.xml><?xml version="1.0" encoding="utf-8"?>
+<p:sld xmlns:a="http://schemas.openxmlformats.org/drawingml/2006/main" xmlns:r="http://schemas.openxmlformats.org/officeDocument/2006/relationships" xmlns:p="http://schemas.openxmlformats.org/presentationml/2006/main">
+  <p:cSld>
+    <p:spTree>
+      <p:nvGrpSpPr>
+        <p:cNvPr id="1" name=""/>
+        <p:cNvGrpSpPr/>
+        <p:nvPr/>
+      </p:nvGrpSpPr>
+      <p:grpSpPr>
+        <a:xfrm>
+          <a:off x="0" y="0"/>
+          <a:ext cx="0" cy="0"/>
+          <a:chOff x="0" y="0"/>
+          <a:chExt cx="0" cy="0"/>
+        </a:xfrm>
+      </p:grpSpPr>
+      <p:sp>
+        <p:nvSpPr>
+          <p:cNvPr id="2" name="Date Placeholder 1">
+            <a:extLst>
+              <a:ext uri="{FF2B5EF4-FFF2-40B4-BE49-F238E27FC236}">
+                <a16:creationId xmlns:a16="http://schemas.microsoft.com/office/drawing/2014/main" id="{0601A9CF-EDC3-D9BA-EFA6-397271BB5796}"/>
+              </a:ext>
+            </a:extLst>
+          </p:cNvPr>
+          <p:cNvSpPr>
+            <a:spLocks noGrp="1"/>
+          </p:cNvSpPr>
+          <p:nvPr>
+            <p:ph type="dt" sz="half" idx="10"/>
+          </p:nvPr>
+        </p:nvSpPr>
+        <p:spPr/>
+        <p:txBody>
+          <a:bodyPr/>
+          <a:lstStyle/>
+          <a:p>
+            <a:fld id="{93488A89-FB29-4065-BFA1-D3292247443E}" type="datetime1">
+              <a:rPr lang="en-US" smtClean="0"/>
+              <a:t>3/31/2024</a:t>
+            </a:fld>
+            <a:endParaRPr lang="en-US"/>
+          </a:p>
+        </p:txBody>
+      </p:sp>
+      <p:sp>
+        <p:nvSpPr>
+          <p:cNvPr id="3" name="Footer Placeholder 2">
+            <a:extLst>
+              <a:ext uri="{FF2B5EF4-FFF2-40B4-BE49-F238E27FC236}">
+                <a16:creationId xmlns:a16="http://schemas.microsoft.com/office/drawing/2014/main" id="{C71CC113-5CA3-EAD5-C759-8092171C55A7}"/>
+              </a:ext>
+            </a:extLst>
+          </p:cNvPr>
+          <p:cNvSpPr>
+            <a:spLocks noGrp="1"/>
+          </p:cNvSpPr>
+          <p:nvPr>
+            <p:ph type="ftr" sz="quarter" idx="11"/>
+          </p:nvPr>
+        </p:nvSpPr>
+        <p:spPr/>
+        <p:txBody>
+          <a:bodyPr/>
+          <a:lstStyle/>
+          <a:p>
+            <a:r>
+              <a:rPr lang="en-US"/>
+              <a:t>Quantum MCMC Semester Project</a:t>
+            </a:r>
+          </a:p>
+        </p:txBody>
+      </p:sp>
+      <p:sp>
+        <p:nvSpPr>
+          <p:cNvPr id="4" name="Slide Number Placeholder 3">
+            <a:extLst>
+              <a:ext uri="{FF2B5EF4-FFF2-40B4-BE49-F238E27FC236}">
+                <a16:creationId xmlns:a16="http://schemas.microsoft.com/office/drawing/2014/main" id="{75168839-C06F-E047-9135-F026DAD87AAF}"/>
+              </a:ext>
+            </a:extLst>
+          </p:cNvPr>
+          <p:cNvSpPr>
+            <a:spLocks noGrp="1"/>
+          </p:cNvSpPr>
+          <p:nvPr>
+            <p:ph type="sldNum" sz="quarter" idx="12"/>
+          </p:nvPr>
+        </p:nvSpPr>
+        <p:spPr/>
+        <p:txBody>
+          <a:bodyPr/>
+          <a:lstStyle/>
+          <a:p>
+            <a:fld id="{A7317B02-F301-4794-AD40-E8EE819BB4A2}" type="slidenum">
+              <a:rPr lang="en-US" smtClean="0"/>
+              <a:t>14</a:t>
+            </a:fld>
+            <a:endParaRPr lang="en-US"/>
+          </a:p>
+        </p:txBody>
+      </p:sp>
+      <p:pic>
+        <p:nvPicPr>
+          <p:cNvPr id="6" name="Picture 5">
+            <a:extLst>
+              <a:ext uri="{FF2B5EF4-FFF2-40B4-BE49-F238E27FC236}">
+                <a16:creationId xmlns:a16="http://schemas.microsoft.com/office/drawing/2014/main" id="{B4FA173C-96ED-6F82-9F6D-B1723D58DE92}"/>
+              </a:ext>
+            </a:extLst>
+          </p:cNvPr>
+          <p:cNvPicPr>
+            <a:picLocks noChangeAspect="1"/>
+          </p:cNvPicPr>
+          <p:nvPr/>
+        </p:nvPicPr>
+        <p:blipFill>
+          <a:blip r:embed="rId2"/>
+          <a:stretch>
+            <a:fillRect/>
+          </a:stretch>
+        </p:blipFill>
+        <p:spPr>
+          <a:xfrm>
+            <a:off x="3319229" y="327660"/>
+            <a:ext cx="5553542" cy="2783801"/>
+          </a:xfrm>
+          <a:prstGeom prst="rect">
+            <a:avLst/>
+          </a:prstGeom>
+        </p:spPr>
+      </p:pic>
+      <p:pic>
+        <p:nvPicPr>
+          <p:cNvPr id="8" name="Picture 7">
+            <a:extLst>
+              <a:ext uri="{FF2B5EF4-FFF2-40B4-BE49-F238E27FC236}">
+                <a16:creationId xmlns:a16="http://schemas.microsoft.com/office/drawing/2014/main" id="{A6F92053-87CA-9959-BBE9-B195FED78058}"/>
+              </a:ext>
+            </a:extLst>
+          </p:cNvPr>
+          <p:cNvPicPr>
+            <a:picLocks noChangeAspect="1"/>
+          </p:cNvPicPr>
+          <p:nvPr/>
+        </p:nvPicPr>
+        <p:blipFill>
+          <a:blip r:embed="rId3"/>
+          <a:stretch>
+            <a:fillRect/>
+          </a:stretch>
+        </p:blipFill>
+        <p:spPr>
+          <a:xfrm>
+            <a:off x="2825115" y="3429000"/>
+            <a:ext cx="6875145" cy="2783801"/>
+          </a:xfrm>
+          <a:prstGeom prst="rect">
+            <a:avLst/>
+          </a:prstGeom>
+        </p:spPr>
+      </p:pic>
+    </p:spTree>
+    <p:extLst>
+      <p:ext uri="{BB962C8B-B14F-4D97-AF65-F5344CB8AC3E}">
+        <p14:creationId xmlns:p14="http://schemas.microsoft.com/office/powerpoint/2010/main" val="797249985"/>
       </p:ext>
     </p:extLst>
   </p:cSld>
@@ -3993,7 +4891,7 @@
           <a:p>
             <a:fld id="{271525A6-AB2C-4381-9F5E-305438172ED9}" type="datetime1">
               <a:rPr lang="en-US" smtClean="0"/>
-              <a:t>3/26/2024</a:t>
+              <a:t>3/30/2024</a:t>
             </a:fld>
             <a:endParaRPr lang="en-US"/>
           </a:p>
@@ -4235,7 +5133,7 @@
         </p:blipFill>
         <p:spPr>
           <a:xfrm>
-            <a:off x="7463014" y="1690688"/>
+            <a:off x="7461777" y="1705427"/>
             <a:ext cx="2801337" cy="2165740"/>
           </a:xfrm>
           <a:prstGeom prst="rect">
@@ -4267,6 +5165,36 @@
           <a:xfrm>
             <a:off x="4440338" y="1690688"/>
             <a:ext cx="2801337" cy="2165740"/>
+          </a:xfrm>
+          <a:prstGeom prst="rect">
+            <a:avLst/>
+          </a:prstGeom>
+        </p:spPr>
+      </p:pic>
+      <p:pic>
+        <p:nvPicPr>
+          <p:cNvPr id="9" name="Picture 8">
+            <a:extLst>
+              <a:ext uri="{FF2B5EF4-FFF2-40B4-BE49-F238E27FC236}">
+                <a16:creationId xmlns:a16="http://schemas.microsoft.com/office/drawing/2014/main" id="{E443945A-8B0F-3E38-2740-B31430DD5B9A}"/>
+              </a:ext>
+            </a:extLst>
+          </p:cNvPr>
+          <p:cNvPicPr>
+            <a:picLocks noChangeAspect="1"/>
+          </p:cNvPicPr>
+          <p:nvPr/>
+        </p:nvPicPr>
+        <p:blipFill>
+          <a:blip r:embed="rId7"/>
+          <a:stretch>
+            <a:fillRect/>
+          </a:stretch>
+        </p:blipFill>
+        <p:spPr>
+          <a:xfrm>
+            <a:off x="1418898" y="1705427"/>
+            <a:ext cx="2801338" cy="2165740"/>
           </a:xfrm>
           <a:prstGeom prst="rect">
             <a:avLst/>
@@ -4303,6 +5231,65 @@
           <a:chExt cx="0" cy="0"/>
         </a:xfrm>
       </p:grpSpPr>
+      <p:pic>
+        <p:nvPicPr>
+          <p:cNvPr id="7" name="Picture 6">
+            <a:extLst>
+              <a:ext uri="{FF2B5EF4-FFF2-40B4-BE49-F238E27FC236}">
+                <a16:creationId xmlns:a16="http://schemas.microsoft.com/office/drawing/2014/main" id="{5732DA1B-BB6E-92F9-E47A-2BA6FECB7618}"/>
+              </a:ext>
+            </a:extLst>
+          </p:cNvPr>
+          <p:cNvPicPr>
+            <a:picLocks noChangeAspect="1"/>
+          </p:cNvPicPr>
+          <p:nvPr/>
+        </p:nvPicPr>
+        <p:blipFill rotWithShape="1">
+          <a:blip r:embed="rId2"/>
+          <a:srcRect t="11412" r="46428"/>
+          <a:stretch/>
+        </p:blipFill>
+        <p:spPr>
+          <a:xfrm>
+            <a:off x="1036804" y="3293815"/>
+            <a:ext cx="3244407" cy="2689304"/>
+          </a:xfrm>
+          <a:prstGeom prst="rect">
+            <a:avLst/>
+          </a:prstGeom>
+        </p:spPr>
+      </p:pic>
+      <p:pic>
+        <p:nvPicPr>
+          <p:cNvPr id="9" name="Picture 8">
+            <a:extLst>
+              <a:ext uri="{FF2B5EF4-FFF2-40B4-BE49-F238E27FC236}">
+                <a16:creationId xmlns:a16="http://schemas.microsoft.com/office/drawing/2014/main" id="{81B0E82B-8E7D-00FC-545D-6FE28069C2E5}"/>
+              </a:ext>
+            </a:extLst>
+          </p:cNvPr>
+          <p:cNvPicPr>
+            <a:picLocks noChangeAspect="1"/>
+          </p:cNvPicPr>
+          <p:nvPr/>
+        </p:nvPicPr>
+        <p:blipFill>
+          <a:blip r:embed="rId3"/>
+          <a:stretch>
+            <a:fillRect/>
+          </a:stretch>
+        </p:blipFill>
+        <p:spPr>
+          <a:xfrm>
+            <a:off x="4449335" y="1595028"/>
+            <a:ext cx="6769408" cy="3397574"/>
+          </a:xfrm>
+          <a:prstGeom prst="rect">
+            <a:avLst/>
+          </a:prstGeom>
+        </p:spPr>
+      </p:pic>
       <p:sp>
         <p:nvSpPr>
           <p:cNvPr id="2" name="Title 1">
@@ -4375,7 +5362,7 @@
           <a:p>
             <a:fld id="{271525A6-AB2C-4381-9F5E-305438172ED9}" type="datetime1">
               <a:rPr lang="en-US" smtClean="0"/>
-              <a:t>3/26/2024</a:t>
+              <a:t>3/30/2024</a:t>
             </a:fld>
             <a:endParaRPr lang="en-US"/>
           </a:p>
@@ -4438,36 +5425,138 @@
           </a:p>
         </p:txBody>
       </p:sp>
-      <p:pic>
-        <p:nvPicPr>
-          <p:cNvPr id="11" name="Picture 10">
-            <a:extLst>
-              <a:ext uri="{FF2B5EF4-FFF2-40B4-BE49-F238E27FC236}">
-                <a16:creationId xmlns:a16="http://schemas.microsoft.com/office/drawing/2014/main" id="{290C8EDE-C795-558F-8F18-7ACC22C8CE0A}"/>
-              </a:ext>
-            </a:extLst>
-          </p:cNvPr>
-          <p:cNvPicPr>
-            <a:picLocks noChangeAspect="1"/>
-          </p:cNvPicPr>
+      <p:sp>
+        <p:nvSpPr>
+          <p:cNvPr id="10" name="Rectangle 9">
+            <a:extLst>
+              <a:ext uri="{FF2B5EF4-FFF2-40B4-BE49-F238E27FC236}">
+                <a16:creationId xmlns:a16="http://schemas.microsoft.com/office/drawing/2014/main" id="{CF2DD359-07D8-1FB9-1FB1-28E40C9383E8}"/>
+              </a:ext>
+            </a:extLst>
+          </p:cNvPr>
+          <p:cNvSpPr/>
           <p:nvPr/>
-        </p:nvPicPr>
-        <p:blipFill>
-          <a:blip r:embed="rId2"/>
-          <a:stretch>
-            <a:fillRect/>
-          </a:stretch>
-        </p:blipFill>
+        </p:nvSpPr>
         <p:spPr>
           <a:xfrm>
-            <a:off x="1702298" y="1690688"/>
-            <a:ext cx="8561375" cy="4296964"/>
+            <a:off x="5029200" y="4054891"/>
+            <a:ext cx="633774" cy="477615"/>
           </a:xfrm>
           <a:prstGeom prst="rect">
             <a:avLst/>
           </a:prstGeom>
-        </p:spPr>
-      </p:pic>
+          <a:noFill/>
+          <a:ln w="19050" cap="flat" cmpd="sng" algn="ctr">
+            <a:solidFill>
+              <a:schemeClr val="dk1"/>
+            </a:solidFill>
+            <a:prstDash val="solid"/>
+            <a:round/>
+            <a:headEnd type="none" w="med" len="med"/>
+            <a:tailEnd type="none" w="med" len="med"/>
+          </a:ln>
+        </p:spPr>
+        <p:style>
+          <a:lnRef idx="0">
+            <a:scrgbClr r="0" g="0" b="0"/>
+          </a:lnRef>
+          <a:fillRef idx="0">
+            <a:scrgbClr r="0" g="0" b="0"/>
+          </a:fillRef>
+          <a:effectRef idx="0">
+            <a:scrgbClr r="0" g="0" b="0"/>
+          </a:effectRef>
+          <a:fontRef idx="minor">
+            <a:schemeClr val="dk1"/>
+          </a:fontRef>
+        </p:style>
+        <p:txBody>
+          <a:bodyPr rtlCol="0" anchor="ctr"/>
+          <a:lstStyle/>
+          <a:p>
+            <a:pPr algn="ctr"/>
+            <a:endParaRPr lang="en-US"/>
+          </a:p>
+        </p:txBody>
+      </p:sp>
+      <p:cxnSp>
+        <p:nvCxnSpPr>
+          <p:cNvPr id="12" name="Straight Connector 11">
+            <a:extLst>
+              <a:ext uri="{FF2B5EF4-FFF2-40B4-BE49-F238E27FC236}">
+                <a16:creationId xmlns:a16="http://schemas.microsoft.com/office/drawing/2014/main" id="{DE3A7CDD-CF14-B7C2-E312-88C16C47A0A5}"/>
+              </a:ext>
+            </a:extLst>
+          </p:cNvPr>
+          <p:cNvCxnSpPr>
+            <a:cxnSpLocks/>
+          </p:cNvCxnSpPr>
+          <p:nvPr/>
+        </p:nvCxnSpPr>
+        <p:spPr>
+          <a:xfrm flipH="1" flipV="1">
+            <a:off x="3581400" y="3461693"/>
+            <a:ext cx="1447800" cy="593198"/>
+          </a:xfrm>
+          <a:prstGeom prst="line">
+            <a:avLst/>
+          </a:prstGeom>
+          <a:ln w="19050"/>
+        </p:spPr>
+        <p:style>
+          <a:lnRef idx="1">
+            <a:schemeClr val="dk1"/>
+          </a:lnRef>
+          <a:fillRef idx="0">
+            <a:schemeClr val="dk1"/>
+          </a:fillRef>
+          <a:effectRef idx="0">
+            <a:schemeClr val="dk1"/>
+          </a:effectRef>
+          <a:fontRef idx="minor">
+            <a:schemeClr val="tx1"/>
+          </a:fontRef>
+        </p:style>
+      </p:cxnSp>
+      <p:cxnSp>
+        <p:nvCxnSpPr>
+          <p:cNvPr id="15" name="Straight Connector 14">
+            <a:extLst>
+              <a:ext uri="{FF2B5EF4-FFF2-40B4-BE49-F238E27FC236}">
+                <a16:creationId xmlns:a16="http://schemas.microsoft.com/office/drawing/2014/main" id="{FC91BD75-7C0A-47BF-9F64-CE32B4C0920A}"/>
+              </a:ext>
+            </a:extLst>
+          </p:cNvPr>
+          <p:cNvCxnSpPr>
+            <a:cxnSpLocks/>
+          </p:cNvCxnSpPr>
+          <p:nvPr/>
+        </p:nvCxnSpPr>
+        <p:spPr>
+          <a:xfrm flipV="1">
+            <a:off x="3581400" y="4532506"/>
+            <a:ext cx="1447800" cy="1053294"/>
+          </a:xfrm>
+          <a:prstGeom prst="line">
+            <a:avLst/>
+          </a:prstGeom>
+          <a:ln w="19050"/>
+        </p:spPr>
+        <p:style>
+          <a:lnRef idx="1">
+            <a:schemeClr val="dk1"/>
+          </a:lnRef>
+          <a:fillRef idx="0">
+            <a:schemeClr val="dk1"/>
+          </a:fillRef>
+          <a:effectRef idx="0">
+            <a:schemeClr val="dk1"/>
+          </a:effectRef>
+          <a:fontRef idx="minor">
+            <a:schemeClr val="tx1"/>
+          </a:fontRef>
+        </p:style>
+      </p:cxnSp>
     </p:spTree>
     <p:extLst>
       <p:ext uri="{BB962C8B-B14F-4D97-AF65-F5344CB8AC3E}">
@@ -4498,62 +5587,71 @@
           <a:chExt cx="0" cy="0"/>
         </a:xfrm>
       </p:grpSpPr>
-      <p:sp>
-        <p:nvSpPr>
-          <p:cNvPr id="2" name="Title 1">
-            <a:extLst>
-              <a:ext uri="{FF2B5EF4-FFF2-40B4-BE49-F238E27FC236}">
-                <a16:creationId xmlns:a16="http://schemas.microsoft.com/office/drawing/2014/main" id="{C85E5D97-09B6-F2C2-9073-9D0E79089BB4}"/>
-              </a:ext>
-            </a:extLst>
-          </p:cNvPr>
-          <p:cNvSpPr>
-            <a:spLocks noGrp="1"/>
-          </p:cNvSpPr>
-          <p:nvPr>
-            <p:ph type="title"/>
-          </p:nvPr>
-        </p:nvSpPr>
-        <p:spPr/>
-        <p:txBody>
-          <a:bodyPr/>
-          <a:lstStyle/>
-          <a:p>
-            <a:r>
-              <a:rPr lang="en-US" dirty="0"/>
-              <a:t>Grid search over </a:t>
-            </a:r>
-            <a:r>
-              <a:rPr lang="el-GR" i="1" dirty="0">
-                <a:solidFill>
-                  <a:srgbClr val="1F1F1F"/>
-                </a:solidFill>
-                <a:effectLst/>
-                <a:highlight>
-                  <a:srgbClr val="FFFFFF"/>
-                </a:highlight>
-                <a:latin typeface="Google Sans"/>
-              </a:rPr>
-              <a:t>γ</a:t>
-            </a:r>
-            <a:r>
-              <a:rPr lang="en-US" dirty="0"/>
-              <a:t> and </a:t>
-            </a:r>
-            <a:r>
-              <a:rPr lang="en-US" b="1" i="1" dirty="0"/>
-              <a:t>t</a:t>
-            </a:r>
-            <a:endParaRPr lang="en-US" dirty="0"/>
-          </a:p>
-        </p:txBody>
-      </p:sp>
+      <p:pic>
+        <p:nvPicPr>
+          <p:cNvPr id="11" name="Picture 10">
+            <a:extLst>
+              <a:ext uri="{FF2B5EF4-FFF2-40B4-BE49-F238E27FC236}">
+                <a16:creationId xmlns:a16="http://schemas.microsoft.com/office/drawing/2014/main" id="{3D7CADBC-BCC1-E198-B68D-2A5C31BAA436}"/>
+              </a:ext>
+            </a:extLst>
+          </p:cNvPr>
+          <p:cNvPicPr>
+            <a:picLocks noChangeAspect="1"/>
+          </p:cNvPicPr>
+          <p:nvPr/>
+        </p:nvPicPr>
+        <p:blipFill rotWithShape="1">
+          <a:blip r:embed="rId2"/>
+          <a:srcRect t="9304" r="46257"/>
+          <a:stretch/>
+        </p:blipFill>
+        <p:spPr>
+          <a:xfrm>
+            <a:off x="692614" y="3134185"/>
+            <a:ext cx="3198069" cy="2705362"/>
+          </a:xfrm>
+          <a:prstGeom prst="rect">
+            <a:avLst/>
+          </a:prstGeom>
+        </p:spPr>
+      </p:pic>
+      <p:pic>
+        <p:nvPicPr>
+          <p:cNvPr id="8" name="Picture 7">
+            <a:extLst>
+              <a:ext uri="{FF2B5EF4-FFF2-40B4-BE49-F238E27FC236}">
+                <a16:creationId xmlns:a16="http://schemas.microsoft.com/office/drawing/2014/main" id="{EEB1B010-B084-FCB6-46E1-F920BB981B78}"/>
+              </a:ext>
+            </a:extLst>
+          </p:cNvPr>
+          <p:cNvPicPr>
+            <a:picLocks noChangeAspect="1"/>
+          </p:cNvPicPr>
+          <p:nvPr/>
+        </p:nvPicPr>
+        <p:blipFill>
+          <a:blip r:embed="rId3"/>
+          <a:stretch>
+            <a:fillRect/>
+          </a:stretch>
+        </p:blipFill>
+        <p:spPr>
+          <a:xfrm>
+            <a:off x="3929151" y="1139117"/>
+            <a:ext cx="7515225" cy="3771900"/>
+          </a:xfrm>
+          <a:prstGeom prst="rect">
+            <a:avLst/>
+          </a:prstGeom>
+        </p:spPr>
+      </p:pic>
       <p:sp>
         <p:nvSpPr>
           <p:cNvPr id="3" name="Date Placeholder 2">
             <a:extLst>
               <a:ext uri="{FF2B5EF4-FFF2-40B4-BE49-F238E27FC236}">
-                <a16:creationId xmlns:a16="http://schemas.microsoft.com/office/drawing/2014/main" id="{F0AFA69D-2D38-6314-5716-04719E3B947A}"/>
+                <a16:creationId xmlns:a16="http://schemas.microsoft.com/office/drawing/2014/main" id="{7D62BF3F-A509-8160-5896-493F5E7146FF}"/>
               </a:ext>
             </a:extLst>
           </p:cNvPr>
@@ -4571,7 +5669,7 @@
           <a:p>
             <a:fld id="{271525A6-AB2C-4381-9F5E-305438172ED9}" type="datetime1">
               <a:rPr lang="en-US" smtClean="0"/>
-              <a:t>3/26/2024</a:t>
+              <a:t>3/30/2024</a:t>
             </a:fld>
             <a:endParaRPr lang="en-US"/>
           </a:p>
@@ -4582,7 +5680,7 @@
           <p:cNvPr id="4" name="Footer Placeholder 3">
             <a:extLst>
               <a:ext uri="{FF2B5EF4-FFF2-40B4-BE49-F238E27FC236}">
-                <a16:creationId xmlns:a16="http://schemas.microsoft.com/office/drawing/2014/main" id="{6B5764D5-16E8-9A32-C303-62FBF50CEB7F}"/>
+                <a16:creationId xmlns:a16="http://schemas.microsoft.com/office/drawing/2014/main" id="{93D3BC78-C961-4999-90F6-69D0D8954B0C}"/>
               </a:ext>
             </a:extLst>
           </p:cNvPr>
@@ -4610,7 +5708,7 @@
           <p:cNvPr id="5" name="Slide Number Placeholder 4">
             <a:extLst>
               <a:ext uri="{FF2B5EF4-FFF2-40B4-BE49-F238E27FC236}">
-                <a16:creationId xmlns:a16="http://schemas.microsoft.com/office/drawing/2014/main" id="{2ED3EB8B-7291-BAC9-AD3B-D5590655FCF9}"/>
+                <a16:creationId xmlns:a16="http://schemas.microsoft.com/office/drawing/2014/main" id="{57F315B8-5D4F-44F9-E0C6-502E72970C1E}"/>
               </a:ext>
             </a:extLst>
           </p:cNvPr>
@@ -4634,12 +5732,1488 @@
           </a:p>
         </p:txBody>
       </p:sp>
+      <p:sp>
+        <p:nvSpPr>
+          <p:cNvPr id="10" name="Rectangle 9">
+            <a:extLst>
+              <a:ext uri="{FF2B5EF4-FFF2-40B4-BE49-F238E27FC236}">
+                <a16:creationId xmlns:a16="http://schemas.microsoft.com/office/drawing/2014/main" id="{CF2DD359-07D8-1FB9-1FB1-28E40C9383E8}"/>
+              </a:ext>
+            </a:extLst>
+          </p:cNvPr>
+          <p:cNvSpPr/>
+          <p:nvPr/>
+        </p:nvSpPr>
+        <p:spPr>
+          <a:xfrm>
+            <a:off x="4572000" y="3890930"/>
+            <a:ext cx="731520" cy="489069"/>
+          </a:xfrm>
+          <a:prstGeom prst="rect">
+            <a:avLst/>
+          </a:prstGeom>
+          <a:noFill/>
+          <a:ln w="19050" cap="flat" cmpd="sng" algn="ctr">
+            <a:solidFill>
+              <a:schemeClr val="dk1"/>
+            </a:solidFill>
+            <a:prstDash val="solid"/>
+            <a:round/>
+            <a:headEnd type="none" w="med" len="med"/>
+            <a:tailEnd type="none" w="med" len="med"/>
+          </a:ln>
+        </p:spPr>
+        <p:style>
+          <a:lnRef idx="0">
+            <a:scrgbClr r="0" g="0" b="0"/>
+          </a:lnRef>
+          <a:fillRef idx="0">
+            <a:scrgbClr r="0" g="0" b="0"/>
+          </a:fillRef>
+          <a:effectRef idx="0">
+            <a:scrgbClr r="0" g="0" b="0"/>
+          </a:effectRef>
+          <a:fontRef idx="minor">
+            <a:schemeClr val="dk1"/>
+          </a:fontRef>
+        </p:style>
+        <p:txBody>
+          <a:bodyPr rtlCol="0" anchor="ctr"/>
+          <a:lstStyle/>
+          <a:p>
+            <a:pPr algn="ctr"/>
+            <a:endParaRPr lang="en-US"/>
+          </a:p>
+        </p:txBody>
+      </p:sp>
+      <p:cxnSp>
+        <p:nvCxnSpPr>
+          <p:cNvPr id="12" name="Straight Connector 11">
+            <a:extLst>
+              <a:ext uri="{FF2B5EF4-FFF2-40B4-BE49-F238E27FC236}">
+                <a16:creationId xmlns:a16="http://schemas.microsoft.com/office/drawing/2014/main" id="{DE3A7CDD-CF14-B7C2-E312-88C16C47A0A5}"/>
+              </a:ext>
+            </a:extLst>
+          </p:cNvPr>
+          <p:cNvCxnSpPr>
+            <a:cxnSpLocks/>
+          </p:cNvCxnSpPr>
+          <p:nvPr/>
+        </p:nvCxnSpPr>
+        <p:spPr>
+          <a:xfrm flipH="1" flipV="1">
+            <a:off x="3209366" y="3379505"/>
+            <a:ext cx="1362634" cy="511425"/>
+          </a:xfrm>
+          <a:prstGeom prst="line">
+            <a:avLst/>
+          </a:prstGeom>
+          <a:ln w="19050"/>
+        </p:spPr>
+        <p:style>
+          <a:lnRef idx="1">
+            <a:schemeClr val="dk1"/>
+          </a:lnRef>
+          <a:fillRef idx="0">
+            <a:schemeClr val="dk1"/>
+          </a:fillRef>
+          <a:effectRef idx="0">
+            <a:schemeClr val="dk1"/>
+          </a:effectRef>
+          <a:fontRef idx="minor">
+            <a:schemeClr val="tx1"/>
+          </a:fontRef>
+        </p:style>
+      </p:cxnSp>
+      <p:cxnSp>
+        <p:nvCxnSpPr>
+          <p:cNvPr id="15" name="Straight Connector 14">
+            <a:extLst>
+              <a:ext uri="{FF2B5EF4-FFF2-40B4-BE49-F238E27FC236}">
+                <a16:creationId xmlns:a16="http://schemas.microsoft.com/office/drawing/2014/main" id="{FC91BD75-7C0A-47BF-9F64-CE32B4C0920A}"/>
+              </a:ext>
+            </a:extLst>
+          </p:cNvPr>
+          <p:cNvCxnSpPr>
+            <a:cxnSpLocks/>
+          </p:cNvCxnSpPr>
+          <p:nvPr/>
+        </p:nvCxnSpPr>
+        <p:spPr>
+          <a:xfrm flipV="1">
+            <a:off x="3209366" y="4379999"/>
+            <a:ext cx="1362634" cy="1062036"/>
+          </a:xfrm>
+          <a:prstGeom prst="line">
+            <a:avLst/>
+          </a:prstGeom>
+          <a:ln w="19050"/>
+        </p:spPr>
+        <p:style>
+          <a:lnRef idx="1">
+            <a:schemeClr val="dk1"/>
+          </a:lnRef>
+          <a:fillRef idx="0">
+            <a:schemeClr val="dk1"/>
+          </a:fillRef>
+          <a:effectRef idx="0">
+            <a:schemeClr val="dk1"/>
+          </a:effectRef>
+          <a:fontRef idx="minor">
+            <a:schemeClr val="tx1"/>
+          </a:fontRef>
+        </p:style>
+      </p:cxnSp>
+    </p:spTree>
+    <p:extLst>
+      <p:ext uri="{BB962C8B-B14F-4D97-AF65-F5344CB8AC3E}">
+        <p14:creationId xmlns:p14="http://schemas.microsoft.com/office/powerpoint/2010/main" val="1024542139"/>
+      </p:ext>
+    </p:extLst>
+  </p:cSld>
+  <p:clrMapOvr>
+    <a:masterClrMapping/>
+  </p:clrMapOvr>
+</p:sld>
+</file>
+
+<file path=ppt/slides/slide5.xml><?xml version="1.0" encoding="utf-8"?>
+<p:sld xmlns:a="http://schemas.openxmlformats.org/drawingml/2006/main" xmlns:r="http://schemas.openxmlformats.org/officeDocument/2006/relationships" xmlns:p="http://schemas.openxmlformats.org/presentationml/2006/main">
+  <p:cSld>
+    <p:spTree>
+      <p:nvGrpSpPr>
+        <p:cNvPr id="1" name=""/>
+        <p:cNvGrpSpPr/>
+        <p:nvPr/>
+      </p:nvGrpSpPr>
+      <p:grpSpPr>
+        <a:xfrm>
+          <a:off x="0" y="0"/>
+          <a:ext cx="0" cy="0"/>
+          <a:chOff x="0" y="0"/>
+          <a:chExt cx="0" cy="0"/>
+        </a:xfrm>
+      </p:grpSpPr>
       <p:pic>
         <p:nvPicPr>
-          <p:cNvPr id="7" name="Picture 6">
-            <a:extLst>
-              <a:ext uri="{FF2B5EF4-FFF2-40B4-BE49-F238E27FC236}">
-                <a16:creationId xmlns:a16="http://schemas.microsoft.com/office/drawing/2014/main" id="{267B3C0E-CFA5-0137-A6BC-F65C721E6006}"/>
+          <p:cNvPr id="11" name="Picture 10">
+            <a:extLst>
+              <a:ext uri="{FF2B5EF4-FFF2-40B4-BE49-F238E27FC236}">
+                <a16:creationId xmlns:a16="http://schemas.microsoft.com/office/drawing/2014/main" id="{40168742-CD0E-5641-061F-678918E3D77E}"/>
+              </a:ext>
+            </a:extLst>
+          </p:cNvPr>
+          <p:cNvPicPr>
+            <a:picLocks noChangeAspect="1"/>
+          </p:cNvPicPr>
+          <p:nvPr/>
+        </p:nvPicPr>
+        <p:blipFill rotWithShape="1">
+          <a:blip r:embed="rId2"/>
+          <a:srcRect t="9724" r="46411"/>
+          <a:stretch/>
+        </p:blipFill>
+        <p:spPr>
+          <a:xfrm>
+            <a:off x="534376" y="3078559"/>
+            <a:ext cx="3350848" cy="2829560"/>
+          </a:xfrm>
+          <a:prstGeom prst="rect">
+            <a:avLst/>
+          </a:prstGeom>
+        </p:spPr>
+      </p:pic>
+      <p:sp>
+        <p:nvSpPr>
+          <p:cNvPr id="2" name="Date Placeholder 1">
+            <a:extLst>
+              <a:ext uri="{FF2B5EF4-FFF2-40B4-BE49-F238E27FC236}">
+                <a16:creationId xmlns:a16="http://schemas.microsoft.com/office/drawing/2014/main" id="{07F4FD08-A73A-8D3A-59C4-121B7E259728}"/>
+              </a:ext>
+            </a:extLst>
+          </p:cNvPr>
+          <p:cNvSpPr>
+            <a:spLocks noGrp="1"/>
+          </p:cNvSpPr>
+          <p:nvPr>
+            <p:ph type="dt" sz="half" idx="10"/>
+          </p:nvPr>
+        </p:nvSpPr>
+        <p:spPr/>
+        <p:txBody>
+          <a:bodyPr/>
+          <a:lstStyle/>
+          <a:p>
+            <a:fld id="{93488A89-FB29-4065-BFA1-D3292247443E}" type="datetime1">
+              <a:rPr lang="en-US" smtClean="0"/>
+              <a:t>3/30/2024</a:t>
+            </a:fld>
+            <a:endParaRPr lang="en-US"/>
+          </a:p>
+        </p:txBody>
+      </p:sp>
+      <p:sp>
+        <p:nvSpPr>
+          <p:cNvPr id="3" name="Footer Placeholder 2">
+            <a:extLst>
+              <a:ext uri="{FF2B5EF4-FFF2-40B4-BE49-F238E27FC236}">
+                <a16:creationId xmlns:a16="http://schemas.microsoft.com/office/drawing/2014/main" id="{BFF633B5-8E72-406F-AD8F-CD30F8DEDAD2}"/>
+              </a:ext>
+            </a:extLst>
+          </p:cNvPr>
+          <p:cNvSpPr>
+            <a:spLocks noGrp="1"/>
+          </p:cNvSpPr>
+          <p:nvPr>
+            <p:ph type="ftr" sz="quarter" idx="11"/>
+          </p:nvPr>
+        </p:nvSpPr>
+        <p:spPr/>
+        <p:txBody>
+          <a:bodyPr/>
+          <a:lstStyle/>
+          <a:p>
+            <a:r>
+              <a:rPr lang="en-US"/>
+              <a:t>Quantum MCMC Semester Project</a:t>
+            </a:r>
+          </a:p>
+        </p:txBody>
+      </p:sp>
+      <p:sp>
+        <p:nvSpPr>
+          <p:cNvPr id="4" name="Slide Number Placeholder 3">
+            <a:extLst>
+              <a:ext uri="{FF2B5EF4-FFF2-40B4-BE49-F238E27FC236}">
+                <a16:creationId xmlns:a16="http://schemas.microsoft.com/office/drawing/2014/main" id="{9961D782-ADCD-DA60-C9CB-D6D6AD2FBF8E}"/>
+              </a:ext>
+            </a:extLst>
+          </p:cNvPr>
+          <p:cNvSpPr>
+            <a:spLocks noGrp="1"/>
+          </p:cNvSpPr>
+          <p:nvPr>
+            <p:ph type="sldNum" sz="quarter" idx="12"/>
+          </p:nvPr>
+        </p:nvSpPr>
+        <p:spPr/>
+        <p:txBody>
+          <a:bodyPr/>
+          <a:lstStyle/>
+          <a:p>
+            <a:fld id="{A7317B02-F301-4794-AD40-E8EE819BB4A2}" type="slidenum">
+              <a:rPr lang="en-US" smtClean="0"/>
+              <a:t>5</a:t>
+            </a:fld>
+            <a:endParaRPr lang="en-US"/>
+          </a:p>
+        </p:txBody>
+      </p:sp>
+      <p:pic>
+        <p:nvPicPr>
+          <p:cNvPr id="6" name="Picture 5">
+            <a:extLst>
+              <a:ext uri="{FF2B5EF4-FFF2-40B4-BE49-F238E27FC236}">
+                <a16:creationId xmlns:a16="http://schemas.microsoft.com/office/drawing/2014/main" id="{79180F55-D2BF-88B8-32D6-DD3E7DA024AA}"/>
+              </a:ext>
+            </a:extLst>
+          </p:cNvPr>
+          <p:cNvPicPr>
+            <a:picLocks noChangeAspect="1"/>
+          </p:cNvPicPr>
+          <p:nvPr/>
+        </p:nvPicPr>
+        <p:blipFill>
+          <a:blip r:embed="rId3"/>
+          <a:stretch>
+            <a:fillRect/>
+          </a:stretch>
+        </p:blipFill>
+        <p:spPr>
+          <a:xfrm>
+            <a:off x="3919855" y="1156970"/>
+            <a:ext cx="7515225" cy="3771900"/>
+          </a:xfrm>
+          <a:prstGeom prst="rect">
+            <a:avLst/>
+          </a:prstGeom>
+        </p:spPr>
+      </p:pic>
+      <p:sp>
+        <p:nvSpPr>
+          <p:cNvPr id="7" name="Rectangle 6">
+            <a:extLst>
+              <a:ext uri="{FF2B5EF4-FFF2-40B4-BE49-F238E27FC236}">
+                <a16:creationId xmlns:a16="http://schemas.microsoft.com/office/drawing/2014/main" id="{FBF6D418-7A40-3264-0B5B-1DB4907F7194}"/>
+              </a:ext>
+            </a:extLst>
+          </p:cNvPr>
+          <p:cNvSpPr/>
+          <p:nvPr/>
+        </p:nvSpPr>
+        <p:spPr>
+          <a:xfrm>
+            <a:off x="4549140" y="3881120"/>
+            <a:ext cx="721322" cy="516732"/>
+          </a:xfrm>
+          <a:prstGeom prst="rect">
+            <a:avLst/>
+          </a:prstGeom>
+          <a:noFill/>
+          <a:ln w="19050" cap="flat" cmpd="sng" algn="ctr">
+            <a:solidFill>
+              <a:schemeClr val="dk1"/>
+            </a:solidFill>
+            <a:prstDash val="solid"/>
+            <a:round/>
+            <a:headEnd type="none" w="med" len="med"/>
+            <a:tailEnd type="none" w="med" len="med"/>
+          </a:ln>
+        </p:spPr>
+        <p:style>
+          <a:lnRef idx="0">
+            <a:scrgbClr r="0" g="0" b="0"/>
+          </a:lnRef>
+          <a:fillRef idx="0">
+            <a:scrgbClr r="0" g="0" b="0"/>
+          </a:fillRef>
+          <a:effectRef idx="0">
+            <a:scrgbClr r="0" g="0" b="0"/>
+          </a:effectRef>
+          <a:fontRef idx="minor">
+            <a:schemeClr val="dk1"/>
+          </a:fontRef>
+        </p:style>
+        <p:txBody>
+          <a:bodyPr rtlCol="0" anchor="ctr"/>
+          <a:lstStyle/>
+          <a:p>
+            <a:pPr algn="ctr"/>
+            <a:endParaRPr lang="en-US"/>
+          </a:p>
+        </p:txBody>
+      </p:sp>
+      <p:cxnSp>
+        <p:nvCxnSpPr>
+          <p:cNvPr id="8" name="Straight Connector 7">
+            <a:extLst>
+              <a:ext uri="{FF2B5EF4-FFF2-40B4-BE49-F238E27FC236}">
+                <a16:creationId xmlns:a16="http://schemas.microsoft.com/office/drawing/2014/main" id="{483C41BF-1FB3-563C-7051-40401DE41CB8}"/>
+              </a:ext>
+            </a:extLst>
+          </p:cNvPr>
+          <p:cNvCxnSpPr>
+            <a:cxnSpLocks/>
+          </p:cNvCxnSpPr>
+          <p:nvPr/>
+        </p:nvCxnSpPr>
+        <p:spPr>
+          <a:xfrm flipH="1" flipV="1">
+            <a:off x="3176308" y="3397358"/>
+            <a:ext cx="1372832" cy="483762"/>
+          </a:xfrm>
+          <a:prstGeom prst="line">
+            <a:avLst/>
+          </a:prstGeom>
+          <a:ln w="19050"/>
+        </p:spPr>
+        <p:style>
+          <a:lnRef idx="1">
+            <a:schemeClr val="dk1"/>
+          </a:lnRef>
+          <a:fillRef idx="0">
+            <a:schemeClr val="dk1"/>
+          </a:fillRef>
+          <a:effectRef idx="0">
+            <a:schemeClr val="dk1"/>
+          </a:effectRef>
+          <a:fontRef idx="minor">
+            <a:schemeClr val="tx1"/>
+          </a:fontRef>
+        </p:style>
+      </p:cxnSp>
+      <p:cxnSp>
+        <p:nvCxnSpPr>
+          <p:cNvPr id="9" name="Straight Connector 8">
+            <a:extLst>
+              <a:ext uri="{FF2B5EF4-FFF2-40B4-BE49-F238E27FC236}">
+                <a16:creationId xmlns:a16="http://schemas.microsoft.com/office/drawing/2014/main" id="{FD2E214F-70C6-1A76-9942-11BF45B05791}"/>
+              </a:ext>
+            </a:extLst>
+          </p:cNvPr>
+          <p:cNvCxnSpPr>
+            <a:cxnSpLocks/>
+          </p:cNvCxnSpPr>
+          <p:nvPr/>
+        </p:nvCxnSpPr>
+        <p:spPr>
+          <a:xfrm flipV="1">
+            <a:off x="3176308" y="4397852"/>
+            <a:ext cx="1372832" cy="1062036"/>
+          </a:xfrm>
+          <a:prstGeom prst="line">
+            <a:avLst/>
+          </a:prstGeom>
+          <a:ln w="19050"/>
+        </p:spPr>
+        <p:style>
+          <a:lnRef idx="1">
+            <a:schemeClr val="dk1"/>
+          </a:lnRef>
+          <a:fillRef idx="0">
+            <a:schemeClr val="dk1"/>
+          </a:fillRef>
+          <a:effectRef idx="0">
+            <a:schemeClr val="dk1"/>
+          </a:effectRef>
+          <a:fontRef idx="minor">
+            <a:schemeClr val="tx1"/>
+          </a:fontRef>
+        </p:style>
+      </p:cxnSp>
+    </p:spTree>
+    <p:extLst>
+      <p:ext uri="{BB962C8B-B14F-4D97-AF65-F5344CB8AC3E}">
+        <p14:creationId xmlns:p14="http://schemas.microsoft.com/office/powerpoint/2010/main" val="1385955453"/>
+      </p:ext>
+    </p:extLst>
+  </p:cSld>
+  <p:clrMapOvr>
+    <a:masterClrMapping/>
+  </p:clrMapOvr>
+</p:sld>
+</file>
+
+<file path=ppt/slides/slide6.xml><?xml version="1.0" encoding="utf-8"?>
+<p:sld xmlns:a="http://schemas.openxmlformats.org/drawingml/2006/main" xmlns:r="http://schemas.openxmlformats.org/officeDocument/2006/relationships" xmlns:p="http://schemas.openxmlformats.org/presentationml/2006/main">
+  <p:cSld>
+    <p:spTree>
+      <p:nvGrpSpPr>
+        <p:cNvPr id="1" name=""/>
+        <p:cNvGrpSpPr/>
+        <p:nvPr/>
+      </p:nvGrpSpPr>
+      <p:grpSpPr>
+        <a:xfrm>
+          <a:off x="0" y="0"/>
+          <a:ext cx="0" cy="0"/>
+          <a:chOff x="0" y="0"/>
+          <a:chExt cx="0" cy="0"/>
+        </a:xfrm>
+      </p:grpSpPr>
+      <p:pic>
+        <p:nvPicPr>
+          <p:cNvPr id="11" name="Picture 10">
+            <a:extLst>
+              <a:ext uri="{FF2B5EF4-FFF2-40B4-BE49-F238E27FC236}">
+                <a16:creationId xmlns:a16="http://schemas.microsoft.com/office/drawing/2014/main" id="{DE6B6658-13F6-F98B-AA19-688B4E50A94A}"/>
+              </a:ext>
+            </a:extLst>
+          </p:cNvPr>
+          <p:cNvPicPr>
+            <a:picLocks noChangeAspect="1"/>
+          </p:cNvPicPr>
+          <p:nvPr/>
+        </p:nvPicPr>
+        <p:blipFill rotWithShape="1">
+          <a:blip r:embed="rId2"/>
+          <a:srcRect t="11078" r="46354"/>
+          <a:stretch/>
+        </p:blipFill>
+        <p:spPr>
+          <a:xfrm>
+            <a:off x="647358" y="3118706"/>
+            <a:ext cx="3340617" cy="2775702"/>
+          </a:xfrm>
+          <a:prstGeom prst="rect">
+            <a:avLst/>
+          </a:prstGeom>
+        </p:spPr>
+      </p:pic>
+      <p:sp>
+        <p:nvSpPr>
+          <p:cNvPr id="2" name="Date Placeholder 1">
+            <a:extLst>
+              <a:ext uri="{FF2B5EF4-FFF2-40B4-BE49-F238E27FC236}">
+                <a16:creationId xmlns:a16="http://schemas.microsoft.com/office/drawing/2014/main" id="{04983750-A8D9-24FD-4591-9EFA11A770A7}"/>
+              </a:ext>
+            </a:extLst>
+          </p:cNvPr>
+          <p:cNvSpPr>
+            <a:spLocks noGrp="1"/>
+          </p:cNvSpPr>
+          <p:nvPr>
+            <p:ph type="dt" sz="half" idx="10"/>
+          </p:nvPr>
+        </p:nvSpPr>
+        <p:spPr/>
+        <p:txBody>
+          <a:bodyPr/>
+          <a:lstStyle/>
+          <a:p>
+            <a:fld id="{93488A89-FB29-4065-BFA1-D3292247443E}" type="datetime1">
+              <a:rPr lang="en-US" smtClean="0"/>
+              <a:t>3/30/2024</a:t>
+            </a:fld>
+            <a:endParaRPr lang="en-US"/>
+          </a:p>
+        </p:txBody>
+      </p:sp>
+      <p:sp>
+        <p:nvSpPr>
+          <p:cNvPr id="3" name="Footer Placeholder 2">
+            <a:extLst>
+              <a:ext uri="{FF2B5EF4-FFF2-40B4-BE49-F238E27FC236}">
+                <a16:creationId xmlns:a16="http://schemas.microsoft.com/office/drawing/2014/main" id="{54858F7F-B53F-C26A-D0F6-E013ABCE0852}"/>
+              </a:ext>
+            </a:extLst>
+          </p:cNvPr>
+          <p:cNvSpPr>
+            <a:spLocks noGrp="1"/>
+          </p:cNvSpPr>
+          <p:nvPr>
+            <p:ph type="ftr" sz="quarter" idx="11"/>
+          </p:nvPr>
+        </p:nvSpPr>
+        <p:spPr/>
+        <p:txBody>
+          <a:bodyPr/>
+          <a:lstStyle/>
+          <a:p>
+            <a:r>
+              <a:rPr lang="en-US"/>
+              <a:t>Quantum MCMC Semester Project</a:t>
+            </a:r>
+          </a:p>
+        </p:txBody>
+      </p:sp>
+      <p:sp>
+        <p:nvSpPr>
+          <p:cNvPr id="4" name="Slide Number Placeholder 3">
+            <a:extLst>
+              <a:ext uri="{FF2B5EF4-FFF2-40B4-BE49-F238E27FC236}">
+                <a16:creationId xmlns:a16="http://schemas.microsoft.com/office/drawing/2014/main" id="{E8A9D5D0-9F40-8467-5D82-9DFE33B023B4}"/>
+              </a:ext>
+            </a:extLst>
+          </p:cNvPr>
+          <p:cNvSpPr>
+            <a:spLocks noGrp="1"/>
+          </p:cNvSpPr>
+          <p:nvPr>
+            <p:ph type="sldNum" sz="quarter" idx="12"/>
+          </p:nvPr>
+        </p:nvSpPr>
+        <p:spPr/>
+        <p:txBody>
+          <a:bodyPr/>
+          <a:lstStyle/>
+          <a:p>
+            <a:fld id="{A7317B02-F301-4794-AD40-E8EE819BB4A2}" type="slidenum">
+              <a:rPr lang="en-US" smtClean="0"/>
+              <a:t>6</a:t>
+            </a:fld>
+            <a:endParaRPr lang="en-US"/>
+          </a:p>
+        </p:txBody>
+      </p:sp>
+      <p:pic>
+        <p:nvPicPr>
+          <p:cNvPr id="6" name="Picture 5">
+            <a:extLst>
+              <a:ext uri="{FF2B5EF4-FFF2-40B4-BE49-F238E27FC236}">
+                <a16:creationId xmlns:a16="http://schemas.microsoft.com/office/drawing/2014/main" id="{3E312566-FA9E-1AC3-8F04-06CCE576A69B}"/>
+              </a:ext>
+            </a:extLst>
+          </p:cNvPr>
+          <p:cNvPicPr>
+            <a:picLocks noChangeAspect="1"/>
+          </p:cNvPicPr>
+          <p:nvPr/>
+        </p:nvPicPr>
+        <p:blipFill>
+          <a:blip r:embed="rId3"/>
+          <a:stretch>
+            <a:fillRect/>
+          </a:stretch>
+        </p:blipFill>
+        <p:spPr>
+          <a:xfrm>
+            <a:off x="4038600" y="1129548"/>
+            <a:ext cx="7515225" cy="3771900"/>
+          </a:xfrm>
+          <a:prstGeom prst="rect">
+            <a:avLst/>
+          </a:prstGeom>
+        </p:spPr>
+      </p:pic>
+      <p:sp>
+        <p:nvSpPr>
+          <p:cNvPr id="7" name="Rectangle 6">
+            <a:extLst>
+              <a:ext uri="{FF2B5EF4-FFF2-40B4-BE49-F238E27FC236}">
+                <a16:creationId xmlns:a16="http://schemas.microsoft.com/office/drawing/2014/main" id="{EEC24F5A-2009-A3A7-F354-9CF8C9EA48E9}"/>
+              </a:ext>
+            </a:extLst>
+          </p:cNvPr>
+          <p:cNvSpPr/>
+          <p:nvPr/>
+        </p:nvSpPr>
+        <p:spPr>
+          <a:xfrm>
+            <a:off x="4674391" y="3853698"/>
+            <a:ext cx="721322" cy="516732"/>
+          </a:xfrm>
+          <a:prstGeom prst="rect">
+            <a:avLst/>
+          </a:prstGeom>
+          <a:noFill/>
+          <a:ln w="19050" cap="flat" cmpd="sng" algn="ctr">
+            <a:solidFill>
+              <a:schemeClr val="dk1"/>
+            </a:solidFill>
+            <a:prstDash val="solid"/>
+            <a:round/>
+            <a:headEnd type="none" w="med" len="med"/>
+            <a:tailEnd type="none" w="med" len="med"/>
+          </a:ln>
+        </p:spPr>
+        <p:style>
+          <a:lnRef idx="0">
+            <a:scrgbClr r="0" g="0" b="0"/>
+          </a:lnRef>
+          <a:fillRef idx="0">
+            <a:scrgbClr r="0" g="0" b="0"/>
+          </a:fillRef>
+          <a:effectRef idx="0">
+            <a:scrgbClr r="0" g="0" b="0"/>
+          </a:effectRef>
+          <a:fontRef idx="minor">
+            <a:schemeClr val="dk1"/>
+          </a:fontRef>
+        </p:style>
+        <p:txBody>
+          <a:bodyPr rtlCol="0" anchor="ctr"/>
+          <a:lstStyle/>
+          <a:p>
+            <a:pPr algn="ctr"/>
+            <a:endParaRPr lang="en-US"/>
+          </a:p>
+        </p:txBody>
+      </p:sp>
+      <p:cxnSp>
+        <p:nvCxnSpPr>
+          <p:cNvPr id="8" name="Straight Connector 7">
+            <a:extLst>
+              <a:ext uri="{FF2B5EF4-FFF2-40B4-BE49-F238E27FC236}">
+                <a16:creationId xmlns:a16="http://schemas.microsoft.com/office/drawing/2014/main" id="{01C2B246-DCEB-1CCF-C1B1-28CA85D1008A}"/>
+              </a:ext>
+            </a:extLst>
+          </p:cNvPr>
+          <p:cNvCxnSpPr>
+            <a:cxnSpLocks/>
+          </p:cNvCxnSpPr>
+          <p:nvPr/>
+        </p:nvCxnSpPr>
+        <p:spPr>
+          <a:xfrm flipH="1" flipV="1">
+            <a:off x="3301559" y="3369936"/>
+            <a:ext cx="1372832" cy="483762"/>
+          </a:xfrm>
+          <a:prstGeom prst="line">
+            <a:avLst/>
+          </a:prstGeom>
+          <a:ln w="19050"/>
+        </p:spPr>
+        <p:style>
+          <a:lnRef idx="1">
+            <a:schemeClr val="dk1"/>
+          </a:lnRef>
+          <a:fillRef idx="0">
+            <a:schemeClr val="dk1"/>
+          </a:fillRef>
+          <a:effectRef idx="0">
+            <a:schemeClr val="dk1"/>
+          </a:effectRef>
+          <a:fontRef idx="minor">
+            <a:schemeClr val="tx1"/>
+          </a:fontRef>
+        </p:style>
+      </p:cxnSp>
+      <p:cxnSp>
+        <p:nvCxnSpPr>
+          <p:cNvPr id="9" name="Straight Connector 8">
+            <a:extLst>
+              <a:ext uri="{FF2B5EF4-FFF2-40B4-BE49-F238E27FC236}">
+                <a16:creationId xmlns:a16="http://schemas.microsoft.com/office/drawing/2014/main" id="{B556D693-360D-3A69-F47C-6571395C54D1}"/>
+              </a:ext>
+            </a:extLst>
+          </p:cNvPr>
+          <p:cNvCxnSpPr>
+            <a:cxnSpLocks/>
+          </p:cNvCxnSpPr>
+          <p:nvPr/>
+        </p:nvCxnSpPr>
+        <p:spPr>
+          <a:xfrm flipV="1">
+            <a:off x="3301559" y="4370430"/>
+            <a:ext cx="1372832" cy="1062036"/>
+          </a:xfrm>
+          <a:prstGeom prst="line">
+            <a:avLst/>
+          </a:prstGeom>
+          <a:ln w="19050"/>
+        </p:spPr>
+        <p:style>
+          <a:lnRef idx="1">
+            <a:schemeClr val="dk1"/>
+          </a:lnRef>
+          <a:fillRef idx="0">
+            <a:schemeClr val="dk1"/>
+          </a:fillRef>
+          <a:effectRef idx="0">
+            <a:schemeClr val="dk1"/>
+          </a:effectRef>
+          <a:fontRef idx="minor">
+            <a:schemeClr val="tx1"/>
+          </a:fontRef>
+        </p:style>
+      </p:cxnSp>
+    </p:spTree>
+    <p:extLst>
+      <p:ext uri="{BB962C8B-B14F-4D97-AF65-F5344CB8AC3E}">
+        <p14:creationId xmlns:p14="http://schemas.microsoft.com/office/powerpoint/2010/main" val="2585838474"/>
+      </p:ext>
+    </p:extLst>
+  </p:cSld>
+  <p:clrMapOvr>
+    <a:masterClrMapping/>
+  </p:clrMapOvr>
+</p:sld>
+</file>
+
+<file path=ppt/slides/slide7.xml><?xml version="1.0" encoding="utf-8"?>
+<p:sld xmlns:a="http://schemas.openxmlformats.org/drawingml/2006/main" xmlns:r="http://schemas.openxmlformats.org/officeDocument/2006/relationships" xmlns:p="http://schemas.openxmlformats.org/presentationml/2006/main">
+  <p:cSld>
+    <p:spTree>
+      <p:nvGrpSpPr>
+        <p:cNvPr id="1" name=""/>
+        <p:cNvGrpSpPr/>
+        <p:nvPr/>
+      </p:nvGrpSpPr>
+      <p:grpSpPr>
+        <a:xfrm>
+          <a:off x="0" y="0"/>
+          <a:ext cx="0" cy="0"/>
+          <a:chOff x="0" y="0"/>
+          <a:chExt cx="0" cy="0"/>
+        </a:xfrm>
+      </p:grpSpPr>
+      <p:pic>
+        <p:nvPicPr>
+          <p:cNvPr id="12" name="Picture 11">
+            <a:extLst>
+              <a:ext uri="{FF2B5EF4-FFF2-40B4-BE49-F238E27FC236}">
+                <a16:creationId xmlns:a16="http://schemas.microsoft.com/office/drawing/2014/main" id="{DC4408D6-911A-1CDD-5FB9-54CB8F7E65A3}"/>
+              </a:ext>
+            </a:extLst>
+          </p:cNvPr>
+          <p:cNvPicPr>
+            <a:picLocks noChangeAspect="1"/>
+          </p:cNvPicPr>
+          <p:nvPr/>
+        </p:nvPicPr>
+        <p:blipFill rotWithShape="1">
+          <a:blip r:embed="rId2"/>
+          <a:srcRect t="9802" r="47313"/>
+          <a:stretch/>
+        </p:blipFill>
+        <p:spPr>
+          <a:xfrm>
+            <a:off x="681109" y="3141603"/>
+            <a:ext cx="3109762" cy="2668647"/>
+          </a:xfrm>
+          <a:prstGeom prst="rect">
+            <a:avLst/>
+          </a:prstGeom>
+        </p:spPr>
+      </p:pic>
+      <p:sp>
+        <p:nvSpPr>
+          <p:cNvPr id="2" name="Date Placeholder 1">
+            <a:extLst>
+              <a:ext uri="{FF2B5EF4-FFF2-40B4-BE49-F238E27FC236}">
+                <a16:creationId xmlns:a16="http://schemas.microsoft.com/office/drawing/2014/main" id="{CF2FBB24-6B22-4137-7D13-F4B6E5BD9A99}"/>
+              </a:ext>
+            </a:extLst>
+          </p:cNvPr>
+          <p:cNvSpPr>
+            <a:spLocks noGrp="1"/>
+          </p:cNvSpPr>
+          <p:nvPr>
+            <p:ph type="dt" sz="half" idx="10"/>
+          </p:nvPr>
+        </p:nvSpPr>
+        <p:spPr/>
+        <p:txBody>
+          <a:bodyPr/>
+          <a:lstStyle/>
+          <a:p>
+            <a:fld id="{93488A89-FB29-4065-BFA1-D3292247443E}" type="datetime1">
+              <a:rPr lang="en-US" smtClean="0"/>
+              <a:t>3/30/2024</a:t>
+            </a:fld>
+            <a:endParaRPr lang="en-US"/>
+          </a:p>
+        </p:txBody>
+      </p:sp>
+      <p:sp>
+        <p:nvSpPr>
+          <p:cNvPr id="3" name="Footer Placeholder 2">
+            <a:extLst>
+              <a:ext uri="{FF2B5EF4-FFF2-40B4-BE49-F238E27FC236}">
+                <a16:creationId xmlns:a16="http://schemas.microsoft.com/office/drawing/2014/main" id="{4519EB8E-983A-96C9-7070-272509C07B84}"/>
+              </a:ext>
+            </a:extLst>
+          </p:cNvPr>
+          <p:cNvSpPr>
+            <a:spLocks noGrp="1"/>
+          </p:cNvSpPr>
+          <p:nvPr>
+            <p:ph type="ftr" sz="quarter" idx="11"/>
+          </p:nvPr>
+        </p:nvSpPr>
+        <p:spPr/>
+        <p:txBody>
+          <a:bodyPr/>
+          <a:lstStyle/>
+          <a:p>
+            <a:r>
+              <a:rPr lang="en-US"/>
+              <a:t>Quantum MCMC Semester Project</a:t>
+            </a:r>
+          </a:p>
+        </p:txBody>
+      </p:sp>
+      <p:sp>
+        <p:nvSpPr>
+          <p:cNvPr id="4" name="Slide Number Placeholder 3">
+            <a:extLst>
+              <a:ext uri="{FF2B5EF4-FFF2-40B4-BE49-F238E27FC236}">
+                <a16:creationId xmlns:a16="http://schemas.microsoft.com/office/drawing/2014/main" id="{51AC6EF7-2C01-6E1D-2B28-A59534A1FA87}"/>
+              </a:ext>
+            </a:extLst>
+          </p:cNvPr>
+          <p:cNvSpPr>
+            <a:spLocks noGrp="1"/>
+          </p:cNvSpPr>
+          <p:nvPr>
+            <p:ph type="sldNum" sz="quarter" idx="12"/>
+          </p:nvPr>
+        </p:nvSpPr>
+        <p:spPr/>
+        <p:txBody>
+          <a:bodyPr/>
+          <a:lstStyle/>
+          <a:p>
+            <a:fld id="{A7317B02-F301-4794-AD40-E8EE819BB4A2}" type="slidenum">
+              <a:rPr lang="en-US" smtClean="0"/>
+              <a:t>7</a:t>
+            </a:fld>
+            <a:endParaRPr lang="en-US"/>
+          </a:p>
+        </p:txBody>
+      </p:sp>
+      <p:pic>
+        <p:nvPicPr>
+          <p:cNvPr id="6" name="Picture 5">
+            <a:extLst>
+              <a:ext uri="{FF2B5EF4-FFF2-40B4-BE49-F238E27FC236}">
+                <a16:creationId xmlns:a16="http://schemas.microsoft.com/office/drawing/2014/main" id="{C189D480-2321-54AC-9F21-06F680A46729}"/>
+              </a:ext>
+            </a:extLst>
+          </p:cNvPr>
+          <p:cNvPicPr>
+            <a:picLocks noChangeAspect="1"/>
+          </p:cNvPicPr>
+          <p:nvPr/>
+        </p:nvPicPr>
+        <p:blipFill>
+          <a:blip r:embed="rId3"/>
+          <a:stretch>
+            <a:fillRect/>
+          </a:stretch>
+        </p:blipFill>
+        <p:spPr>
+          <a:xfrm>
+            <a:off x="3838575" y="1116330"/>
+            <a:ext cx="7515225" cy="3771900"/>
+          </a:xfrm>
+          <a:prstGeom prst="rect">
+            <a:avLst/>
+          </a:prstGeom>
+        </p:spPr>
+      </p:pic>
+      <p:sp>
+        <p:nvSpPr>
+          <p:cNvPr id="7" name="Rectangle 6">
+            <a:extLst>
+              <a:ext uri="{FF2B5EF4-FFF2-40B4-BE49-F238E27FC236}">
+                <a16:creationId xmlns:a16="http://schemas.microsoft.com/office/drawing/2014/main" id="{224F0858-1CDF-AB58-3A9C-18F0473A2394}"/>
+              </a:ext>
+            </a:extLst>
+          </p:cNvPr>
+          <p:cNvSpPr/>
+          <p:nvPr/>
+        </p:nvSpPr>
+        <p:spPr>
+          <a:xfrm>
+            <a:off x="4477287" y="3561080"/>
+            <a:ext cx="721322" cy="796132"/>
+          </a:xfrm>
+          <a:prstGeom prst="rect">
+            <a:avLst/>
+          </a:prstGeom>
+          <a:noFill/>
+          <a:ln w="19050" cap="flat" cmpd="sng" algn="ctr">
+            <a:solidFill>
+              <a:schemeClr val="dk1"/>
+            </a:solidFill>
+            <a:prstDash val="solid"/>
+            <a:round/>
+            <a:headEnd type="none" w="med" len="med"/>
+            <a:tailEnd type="none" w="med" len="med"/>
+          </a:ln>
+        </p:spPr>
+        <p:style>
+          <a:lnRef idx="0">
+            <a:scrgbClr r="0" g="0" b="0"/>
+          </a:lnRef>
+          <a:fillRef idx="0">
+            <a:scrgbClr r="0" g="0" b="0"/>
+          </a:fillRef>
+          <a:effectRef idx="0">
+            <a:scrgbClr r="0" g="0" b="0"/>
+          </a:effectRef>
+          <a:fontRef idx="minor">
+            <a:schemeClr val="dk1"/>
+          </a:fontRef>
+        </p:style>
+        <p:txBody>
+          <a:bodyPr rtlCol="0" anchor="ctr"/>
+          <a:lstStyle/>
+          <a:p>
+            <a:pPr algn="ctr"/>
+            <a:endParaRPr lang="en-US"/>
+          </a:p>
+        </p:txBody>
+      </p:sp>
+      <p:cxnSp>
+        <p:nvCxnSpPr>
+          <p:cNvPr id="8" name="Straight Connector 7">
+            <a:extLst>
+              <a:ext uri="{FF2B5EF4-FFF2-40B4-BE49-F238E27FC236}">
+                <a16:creationId xmlns:a16="http://schemas.microsoft.com/office/drawing/2014/main" id="{4CECA3F1-CD5E-9F6D-B2A3-C1BCFE054872}"/>
+              </a:ext>
+            </a:extLst>
+          </p:cNvPr>
+          <p:cNvCxnSpPr>
+            <a:cxnSpLocks/>
+          </p:cNvCxnSpPr>
+          <p:nvPr/>
+        </p:nvCxnSpPr>
+        <p:spPr>
+          <a:xfrm flipH="1" flipV="1">
+            <a:off x="3104455" y="3356718"/>
+            <a:ext cx="1372832" cy="204362"/>
+          </a:xfrm>
+          <a:prstGeom prst="line">
+            <a:avLst/>
+          </a:prstGeom>
+          <a:ln w="19050"/>
+        </p:spPr>
+        <p:style>
+          <a:lnRef idx="1">
+            <a:schemeClr val="dk1"/>
+          </a:lnRef>
+          <a:fillRef idx="0">
+            <a:schemeClr val="dk1"/>
+          </a:fillRef>
+          <a:effectRef idx="0">
+            <a:schemeClr val="dk1"/>
+          </a:effectRef>
+          <a:fontRef idx="minor">
+            <a:schemeClr val="tx1"/>
+          </a:fontRef>
+        </p:style>
+      </p:cxnSp>
+      <p:cxnSp>
+        <p:nvCxnSpPr>
+          <p:cNvPr id="9" name="Straight Connector 8">
+            <a:extLst>
+              <a:ext uri="{FF2B5EF4-FFF2-40B4-BE49-F238E27FC236}">
+                <a16:creationId xmlns:a16="http://schemas.microsoft.com/office/drawing/2014/main" id="{D08787D6-A9AA-4593-19DC-CE77A27D466E}"/>
+              </a:ext>
+            </a:extLst>
+          </p:cNvPr>
+          <p:cNvCxnSpPr>
+            <a:cxnSpLocks/>
+          </p:cNvCxnSpPr>
+          <p:nvPr/>
+        </p:nvCxnSpPr>
+        <p:spPr>
+          <a:xfrm flipV="1">
+            <a:off x="3104455" y="4357212"/>
+            <a:ext cx="1372832" cy="1062036"/>
+          </a:xfrm>
+          <a:prstGeom prst="line">
+            <a:avLst/>
+          </a:prstGeom>
+          <a:ln w="19050"/>
+        </p:spPr>
+        <p:style>
+          <a:lnRef idx="1">
+            <a:schemeClr val="dk1"/>
+          </a:lnRef>
+          <a:fillRef idx="0">
+            <a:schemeClr val="dk1"/>
+          </a:fillRef>
+          <a:effectRef idx="0">
+            <a:schemeClr val="dk1"/>
+          </a:effectRef>
+          <a:fontRef idx="minor">
+            <a:schemeClr val="tx1"/>
+          </a:fontRef>
+        </p:style>
+      </p:cxnSp>
+    </p:spTree>
+    <p:extLst>
+      <p:ext uri="{BB962C8B-B14F-4D97-AF65-F5344CB8AC3E}">
+        <p14:creationId xmlns:p14="http://schemas.microsoft.com/office/powerpoint/2010/main" val="2302320189"/>
+      </p:ext>
+    </p:extLst>
+  </p:cSld>
+  <p:clrMapOvr>
+    <a:masterClrMapping/>
+  </p:clrMapOvr>
+</p:sld>
+</file>
+
+<file path=ppt/slides/slide8.xml><?xml version="1.0" encoding="utf-8"?>
+<p:sld xmlns:a="http://schemas.openxmlformats.org/drawingml/2006/main" xmlns:r="http://schemas.openxmlformats.org/officeDocument/2006/relationships" xmlns:p="http://schemas.openxmlformats.org/presentationml/2006/main">
+  <p:cSld>
+    <p:spTree>
+      <p:nvGrpSpPr>
+        <p:cNvPr id="1" name=""/>
+        <p:cNvGrpSpPr/>
+        <p:nvPr/>
+      </p:nvGrpSpPr>
+      <p:grpSpPr>
+        <a:xfrm>
+          <a:off x="0" y="0"/>
+          <a:ext cx="0" cy="0"/>
+          <a:chOff x="0" y="0"/>
+          <a:chExt cx="0" cy="0"/>
+        </a:xfrm>
+      </p:grpSpPr>
+      <p:pic>
+        <p:nvPicPr>
+          <p:cNvPr id="13" name="Picture 12">
+            <a:extLst>
+              <a:ext uri="{FF2B5EF4-FFF2-40B4-BE49-F238E27FC236}">
+                <a16:creationId xmlns:a16="http://schemas.microsoft.com/office/drawing/2014/main" id="{99ADFCDA-834B-B8C0-D76C-DF43D6A16693}"/>
+              </a:ext>
+            </a:extLst>
+          </p:cNvPr>
+          <p:cNvPicPr>
+            <a:picLocks noChangeAspect="1"/>
+          </p:cNvPicPr>
+          <p:nvPr/>
+        </p:nvPicPr>
+        <p:blipFill rotWithShape="1">
+          <a:blip r:embed="rId2"/>
+          <a:srcRect t="11010" r="48076"/>
+          <a:stretch/>
+        </p:blipFill>
+        <p:spPr>
+          <a:xfrm>
+            <a:off x="775028" y="3145076"/>
+            <a:ext cx="3106746" cy="2668984"/>
+          </a:xfrm>
+          <a:prstGeom prst="rect">
+            <a:avLst/>
+          </a:prstGeom>
+        </p:spPr>
+      </p:pic>
+      <p:sp>
+        <p:nvSpPr>
+          <p:cNvPr id="2" name="Date Placeholder 1">
+            <a:extLst>
+              <a:ext uri="{FF2B5EF4-FFF2-40B4-BE49-F238E27FC236}">
+                <a16:creationId xmlns:a16="http://schemas.microsoft.com/office/drawing/2014/main" id="{F5D34EA1-6933-65D2-66D0-41FCE9EBE559}"/>
+              </a:ext>
+            </a:extLst>
+          </p:cNvPr>
+          <p:cNvSpPr>
+            <a:spLocks noGrp="1"/>
+          </p:cNvSpPr>
+          <p:nvPr>
+            <p:ph type="dt" sz="half" idx="10"/>
+          </p:nvPr>
+        </p:nvSpPr>
+        <p:spPr/>
+        <p:txBody>
+          <a:bodyPr/>
+          <a:lstStyle/>
+          <a:p>
+            <a:fld id="{93488A89-FB29-4065-BFA1-D3292247443E}" type="datetime1">
+              <a:rPr lang="en-US" smtClean="0"/>
+              <a:t>3/31/2024</a:t>
+            </a:fld>
+            <a:endParaRPr lang="en-US"/>
+          </a:p>
+        </p:txBody>
+      </p:sp>
+      <p:sp>
+        <p:nvSpPr>
+          <p:cNvPr id="3" name="Footer Placeholder 2">
+            <a:extLst>
+              <a:ext uri="{FF2B5EF4-FFF2-40B4-BE49-F238E27FC236}">
+                <a16:creationId xmlns:a16="http://schemas.microsoft.com/office/drawing/2014/main" id="{A2C7FFF7-418A-8AB1-FD04-6170494925C8}"/>
+              </a:ext>
+            </a:extLst>
+          </p:cNvPr>
+          <p:cNvSpPr>
+            <a:spLocks noGrp="1"/>
+          </p:cNvSpPr>
+          <p:nvPr>
+            <p:ph type="ftr" sz="quarter" idx="11"/>
+          </p:nvPr>
+        </p:nvSpPr>
+        <p:spPr/>
+        <p:txBody>
+          <a:bodyPr/>
+          <a:lstStyle/>
+          <a:p>
+            <a:r>
+              <a:rPr lang="en-US"/>
+              <a:t>Quantum MCMC Semester Project</a:t>
+            </a:r>
+          </a:p>
+        </p:txBody>
+      </p:sp>
+      <p:sp>
+        <p:nvSpPr>
+          <p:cNvPr id="4" name="Slide Number Placeholder 3">
+            <a:extLst>
+              <a:ext uri="{FF2B5EF4-FFF2-40B4-BE49-F238E27FC236}">
+                <a16:creationId xmlns:a16="http://schemas.microsoft.com/office/drawing/2014/main" id="{466DCE20-69A0-40B4-C208-2BED55C5FDCF}"/>
+              </a:ext>
+            </a:extLst>
+          </p:cNvPr>
+          <p:cNvSpPr>
+            <a:spLocks noGrp="1"/>
+          </p:cNvSpPr>
+          <p:nvPr>
+            <p:ph type="sldNum" sz="quarter" idx="12"/>
+          </p:nvPr>
+        </p:nvSpPr>
+        <p:spPr/>
+        <p:txBody>
+          <a:bodyPr/>
+          <a:lstStyle/>
+          <a:p>
+            <a:fld id="{A7317B02-F301-4794-AD40-E8EE819BB4A2}" type="slidenum">
+              <a:rPr lang="en-US" smtClean="0"/>
+              <a:t>8</a:t>
+            </a:fld>
+            <a:endParaRPr lang="en-US"/>
+          </a:p>
+        </p:txBody>
+      </p:sp>
+      <p:pic>
+        <p:nvPicPr>
+          <p:cNvPr id="8" name="Picture 7">
+            <a:extLst>
+              <a:ext uri="{FF2B5EF4-FFF2-40B4-BE49-F238E27FC236}">
+                <a16:creationId xmlns:a16="http://schemas.microsoft.com/office/drawing/2014/main" id="{31EEDDE7-EE5D-E5B5-F93F-4F0DC84B4414}"/>
+              </a:ext>
+            </a:extLst>
+          </p:cNvPr>
+          <p:cNvPicPr>
+            <a:picLocks noChangeAspect="1"/>
+          </p:cNvPicPr>
+          <p:nvPr/>
+        </p:nvPicPr>
+        <p:blipFill>
+          <a:blip r:embed="rId3"/>
+          <a:stretch>
+            <a:fillRect/>
+          </a:stretch>
+        </p:blipFill>
+        <p:spPr>
+          <a:xfrm>
+            <a:off x="3957320" y="1106170"/>
+            <a:ext cx="7515225" cy="3771900"/>
+          </a:xfrm>
+          <a:prstGeom prst="rect">
+            <a:avLst/>
+          </a:prstGeom>
+        </p:spPr>
+      </p:pic>
+      <p:sp>
+        <p:nvSpPr>
+          <p:cNvPr id="9" name="Rectangle 8">
+            <a:extLst>
+              <a:ext uri="{FF2B5EF4-FFF2-40B4-BE49-F238E27FC236}">
+                <a16:creationId xmlns:a16="http://schemas.microsoft.com/office/drawing/2014/main" id="{2DE25B1D-10FE-CBD2-D365-35CAC6EB5713}"/>
+              </a:ext>
+            </a:extLst>
+          </p:cNvPr>
+          <p:cNvSpPr/>
+          <p:nvPr/>
+        </p:nvSpPr>
+        <p:spPr>
+          <a:xfrm>
+            <a:off x="4603096" y="3550920"/>
+            <a:ext cx="721322" cy="796132"/>
+          </a:xfrm>
+          <a:prstGeom prst="rect">
+            <a:avLst/>
+          </a:prstGeom>
+          <a:noFill/>
+          <a:ln w="19050" cap="flat" cmpd="sng" algn="ctr">
+            <a:solidFill>
+              <a:schemeClr val="dk1"/>
+            </a:solidFill>
+            <a:prstDash val="solid"/>
+            <a:round/>
+            <a:headEnd type="none" w="med" len="med"/>
+            <a:tailEnd type="none" w="med" len="med"/>
+          </a:ln>
+        </p:spPr>
+        <p:style>
+          <a:lnRef idx="0">
+            <a:scrgbClr r="0" g="0" b="0"/>
+          </a:lnRef>
+          <a:fillRef idx="0">
+            <a:scrgbClr r="0" g="0" b="0"/>
+          </a:fillRef>
+          <a:effectRef idx="0">
+            <a:scrgbClr r="0" g="0" b="0"/>
+          </a:effectRef>
+          <a:fontRef idx="minor">
+            <a:schemeClr val="dk1"/>
+          </a:fontRef>
+        </p:style>
+        <p:txBody>
+          <a:bodyPr rtlCol="0" anchor="ctr"/>
+          <a:lstStyle/>
+          <a:p>
+            <a:pPr algn="ctr"/>
+            <a:endParaRPr lang="en-US"/>
+          </a:p>
+        </p:txBody>
+      </p:sp>
+      <p:cxnSp>
+        <p:nvCxnSpPr>
+          <p:cNvPr id="10" name="Straight Connector 9">
+            <a:extLst>
+              <a:ext uri="{FF2B5EF4-FFF2-40B4-BE49-F238E27FC236}">
+                <a16:creationId xmlns:a16="http://schemas.microsoft.com/office/drawing/2014/main" id="{8E904AE6-1E19-2BA3-CF09-CD812B0D2E4A}"/>
+              </a:ext>
+            </a:extLst>
+          </p:cNvPr>
+          <p:cNvCxnSpPr>
+            <a:cxnSpLocks/>
+          </p:cNvCxnSpPr>
+          <p:nvPr/>
+        </p:nvCxnSpPr>
+        <p:spPr>
+          <a:xfrm flipH="1" flipV="1">
+            <a:off x="3230264" y="3346558"/>
+            <a:ext cx="1372832" cy="204362"/>
+          </a:xfrm>
+          <a:prstGeom prst="line">
+            <a:avLst/>
+          </a:prstGeom>
+          <a:ln w="19050"/>
+        </p:spPr>
+        <p:style>
+          <a:lnRef idx="1">
+            <a:schemeClr val="dk1"/>
+          </a:lnRef>
+          <a:fillRef idx="0">
+            <a:schemeClr val="dk1"/>
+          </a:fillRef>
+          <a:effectRef idx="0">
+            <a:schemeClr val="dk1"/>
+          </a:effectRef>
+          <a:fontRef idx="minor">
+            <a:schemeClr val="tx1"/>
+          </a:fontRef>
+        </p:style>
+      </p:cxnSp>
+      <p:cxnSp>
+        <p:nvCxnSpPr>
+          <p:cNvPr id="11" name="Straight Connector 10">
+            <a:extLst>
+              <a:ext uri="{FF2B5EF4-FFF2-40B4-BE49-F238E27FC236}">
+                <a16:creationId xmlns:a16="http://schemas.microsoft.com/office/drawing/2014/main" id="{57E1A13B-6432-DA4D-A2E9-A0C89906EC55}"/>
+              </a:ext>
+            </a:extLst>
+          </p:cNvPr>
+          <p:cNvCxnSpPr>
+            <a:cxnSpLocks/>
+          </p:cNvCxnSpPr>
+          <p:nvPr/>
+        </p:nvCxnSpPr>
+        <p:spPr>
+          <a:xfrm flipV="1">
+            <a:off x="3230264" y="4347052"/>
+            <a:ext cx="1372832" cy="1062036"/>
+          </a:xfrm>
+          <a:prstGeom prst="line">
+            <a:avLst/>
+          </a:prstGeom>
+          <a:ln w="19050"/>
+        </p:spPr>
+        <p:style>
+          <a:lnRef idx="1">
+            <a:schemeClr val="dk1"/>
+          </a:lnRef>
+          <a:fillRef idx="0">
+            <a:schemeClr val="dk1"/>
+          </a:fillRef>
+          <a:effectRef idx="0">
+            <a:schemeClr val="dk1"/>
+          </a:effectRef>
+          <a:fontRef idx="minor">
+            <a:schemeClr val="tx1"/>
+          </a:fontRef>
+        </p:style>
+      </p:cxnSp>
+    </p:spTree>
+    <p:extLst>
+      <p:ext uri="{BB962C8B-B14F-4D97-AF65-F5344CB8AC3E}">
+        <p14:creationId xmlns:p14="http://schemas.microsoft.com/office/powerpoint/2010/main" val="199442513"/>
+      </p:ext>
+    </p:extLst>
+  </p:cSld>
+  <p:clrMapOvr>
+    <a:masterClrMapping/>
+  </p:clrMapOvr>
+</p:sld>
+</file>
+
+<file path=ppt/slides/slide9.xml><?xml version="1.0" encoding="utf-8"?>
+<p:sld xmlns:a="http://schemas.openxmlformats.org/drawingml/2006/main" xmlns:r="http://schemas.openxmlformats.org/officeDocument/2006/relationships" xmlns:p="http://schemas.openxmlformats.org/presentationml/2006/main">
+  <p:cSld>
+    <p:spTree>
+      <p:nvGrpSpPr>
+        <p:cNvPr id="1" name=""/>
+        <p:cNvGrpSpPr/>
+        <p:nvPr/>
+      </p:nvGrpSpPr>
+      <p:grpSpPr>
+        <a:xfrm>
+          <a:off x="0" y="0"/>
+          <a:ext cx="0" cy="0"/>
+          <a:chOff x="0" y="0"/>
+          <a:chExt cx="0" cy="0"/>
+        </a:xfrm>
+      </p:grpSpPr>
+      <p:sp>
+        <p:nvSpPr>
+          <p:cNvPr id="3" name="Date Placeholder 2">
+            <a:extLst>
+              <a:ext uri="{FF2B5EF4-FFF2-40B4-BE49-F238E27FC236}">
+                <a16:creationId xmlns:a16="http://schemas.microsoft.com/office/drawing/2014/main" id="{A910AB5C-B433-3086-191E-3B0BE15CD789}"/>
+              </a:ext>
+            </a:extLst>
+          </p:cNvPr>
+          <p:cNvSpPr>
+            <a:spLocks noGrp="1"/>
+          </p:cNvSpPr>
+          <p:nvPr>
+            <p:ph type="dt" sz="half" idx="10"/>
+          </p:nvPr>
+        </p:nvSpPr>
+        <p:spPr/>
+        <p:txBody>
+          <a:bodyPr/>
+          <a:lstStyle/>
+          <a:p>
+            <a:fld id="{271525A6-AB2C-4381-9F5E-305438172ED9}" type="datetime1">
+              <a:rPr lang="en-US" smtClean="0"/>
+              <a:t>3/30/2024</a:t>
+            </a:fld>
+            <a:endParaRPr lang="en-US"/>
+          </a:p>
+        </p:txBody>
+      </p:sp>
+      <p:sp>
+        <p:nvSpPr>
+          <p:cNvPr id="4" name="Footer Placeholder 3">
+            <a:extLst>
+              <a:ext uri="{FF2B5EF4-FFF2-40B4-BE49-F238E27FC236}">
+                <a16:creationId xmlns:a16="http://schemas.microsoft.com/office/drawing/2014/main" id="{9B00D6ED-5784-C43E-3B7A-15D17D08EBD5}"/>
+              </a:ext>
+            </a:extLst>
+          </p:cNvPr>
+          <p:cNvSpPr>
+            <a:spLocks noGrp="1"/>
+          </p:cNvSpPr>
+          <p:nvPr>
+            <p:ph type="ftr" sz="quarter" idx="11"/>
+          </p:nvPr>
+        </p:nvSpPr>
+        <p:spPr/>
+        <p:txBody>
+          <a:bodyPr/>
+          <a:lstStyle/>
+          <a:p>
+            <a:r>
+              <a:rPr lang="en-US"/>
+              <a:t>Quantum MCMC Semester Project</a:t>
+            </a:r>
+          </a:p>
+        </p:txBody>
+      </p:sp>
+      <p:sp>
+        <p:nvSpPr>
+          <p:cNvPr id="5" name="Slide Number Placeholder 4">
+            <a:extLst>
+              <a:ext uri="{FF2B5EF4-FFF2-40B4-BE49-F238E27FC236}">
+                <a16:creationId xmlns:a16="http://schemas.microsoft.com/office/drawing/2014/main" id="{D86E7164-146F-C9F4-8A20-80B2CA7E61EA}"/>
+              </a:ext>
+            </a:extLst>
+          </p:cNvPr>
+          <p:cNvSpPr>
+            <a:spLocks noGrp="1"/>
+          </p:cNvSpPr>
+          <p:nvPr>
+            <p:ph type="sldNum" sz="quarter" idx="12"/>
+          </p:nvPr>
+        </p:nvSpPr>
+        <p:spPr/>
+        <p:txBody>
+          <a:bodyPr/>
+          <a:lstStyle/>
+          <a:p>
+            <a:fld id="{A7317B02-F301-4794-AD40-E8EE819BB4A2}" type="slidenum">
+              <a:rPr lang="en-US" smtClean="0"/>
+              <a:t>9</a:t>
+            </a:fld>
+            <a:endParaRPr lang="en-US"/>
+          </a:p>
+        </p:txBody>
+      </p:sp>
+      <p:pic>
+        <p:nvPicPr>
+          <p:cNvPr id="11" name="Picture 10">
+            <a:extLst>
+              <a:ext uri="{FF2B5EF4-FFF2-40B4-BE49-F238E27FC236}">
+                <a16:creationId xmlns:a16="http://schemas.microsoft.com/office/drawing/2014/main" id="{60F658C7-88CA-A14F-AB8A-ABA8FBAB204E}"/>
               </a:ext>
             </a:extLst>
           </p:cNvPr>
@@ -4656,8 +7230,38 @@
         </p:blipFill>
         <p:spPr>
           <a:xfrm>
-            <a:off x="2030817" y="1832880"/>
-            <a:ext cx="8130365" cy="4029025"/>
+            <a:off x="3121565" y="136525"/>
+            <a:ext cx="5795412" cy="2905042"/>
+          </a:xfrm>
+          <a:prstGeom prst="rect">
+            <a:avLst/>
+          </a:prstGeom>
+        </p:spPr>
+      </p:pic>
+      <p:pic>
+        <p:nvPicPr>
+          <p:cNvPr id="13" name="Picture 12">
+            <a:extLst>
+              <a:ext uri="{FF2B5EF4-FFF2-40B4-BE49-F238E27FC236}">
+                <a16:creationId xmlns:a16="http://schemas.microsoft.com/office/drawing/2014/main" id="{5CBF9424-31E2-6163-3959-85329719C4DE}"/>
+              </a:ext>
+            </a:extLst>
+          </p:cNvPr>
+          <p:cNvPicPr>
+            <a:picLocks noChangeAspect="1"/>
+          </p:cNvPicPr>
+          <p:nvPr/>
+        </p:nvPicPr>
+        <p:blipFill>
+          <a:blip r:embed="rId3"/>
+          <a:stretch>
+            <a:fillRect/>
+          </a:stretch>
+        </p:blipFill>
+        <p:spPr>
+          <a:xfrm>
+            <a:off x="2526030" y="2987171"/>
+            <a:ext cx="7412552" cy="2995276"/>
           </a:xfrm>
           <a:prstGeom prst="rect">
             <a:avLst/>
@@ -4667,7 +7271,7 @@
     </p:spTree>
     <p:extLst>
       <p:ext uri="{BB962C8B-B14F-4D97-AF65-F5344CB8AC3E}">
-        <p14:creationId xmlns:p14="http://schemas.microsoft.com/office/powerpoint/2010/main" val="3387115288"/>
+        <p14:creationId xmlns:p14="http://schemas.microsoft.com/office/powerpoint/2010/main" val="739344708"/>
       </p:ext>
     </p:extLst>
   </p:cSld>

--- a/slides/progress_presentation_1.pptx
+++ b/slides/progress_presentation_1.pptx
@@ -5,23 +5,30 @@
     <p:sldMasterId id="2147483648" r:id="rId1"/>
   </p:sldMasterIdLst>
   <p:notesMasterIdLst>
-    <p:notesMasterId r:id="rId16"/>
+    <p:notesMasterId r:id="rId23"/>
   </p:notesMasterIdLst>
   <p:sldIdLst>
     <p:sldId id="266" r:id="rId2"/>
-    <p:sldId id="263" r:id="rId3"/>
-    <p:sldId id="264" r:id="rId4"/>
-    <p:sldId id="268" r:id="rId5"/>
-    <p:sldId id="270" r:id="rId6"/>
-    <p:sldId id="272" r:id="rId7"/>
-    <p:sldId id="274" r:id="rId8"/>
-    <p:sldId id="276" r:id="rId9"/>
-    <p:sldId id="267" r:id="rId10"/>
-    <p:sldId id="269" r:id="rId11"/>
-    <p:sldId id="271" r:id="rId12"/>
-    <p:sldId id="273" r:id="rId13"/>
-    <p:sldId id="275" r:id="rId14"/>
-    <p:sldId id="277" r:id="rId15"/>
+    <p:sldId id="282" r:id="rId3"/>
+    <p:sldId id="263" r:id="rId4"/>
+    <p:sldId id="279" r:id="rId5"/>
+    <p:sldId id="281" r:id="rId6"/>
+    <p:sldId id="283" r:id="rId7"/>
+    <p:sldId id="264" r:id="rId8"/>
+    <p:sldId id="268" r:id="rId9"/>
+    <p:sldId id="270" r:id="rId10"/>
+    <p:sldId id="272" r:id="rId11"/>
+    <p:sldId id="274" r:id="rId12"/>
+    <p:sldId id="276" r:id="rId13"/>
+    <p:sldId id="284" r:id="rId14"/>
+    <p:sldId id="285" r:id="rId15"/>
+    <p:sldId id="280" r:id="rId16"/>
+    <p:sldId id="267" r:id="rId17"/>
+    <p:sldId id="269" r:id="rId18"/>
+    <p:sldId id="271" r:id="rId19"/>
+    <p:sldId id="273" r:id="rId20"/>
+    <p:sldId id="275" r:id="rId21"/>
+    <p:sldId id="277" r:id="rId22"/>
   </p:sldIdLst>
   <p:sldSz cx="12192000" cy="6858000"/>
   <p:notesSz cx="6858000" cy="9144000"/>
@@ -210,7 +217,7 @@
           <a:p>
             <a:fld id="{819C28E3-FB02-4B34-86DE-F7C4BBAFA035}" type="datetimeFigureOut">
               <a:rPr lang="en-US" smtClean="0"/>
-              <a:t>3/30/2024</a:t>
+              <a:t>4/10/2024</a:t>
             </a:fld>
             <a:endParaRPr lang="en-US"/>
           </a:p>
@@ -624,7 +631,7 @@
           <a:p>
             <a:fld id="{A6E1B249-BBC1-499F-96FC-17ACFD62C0D2}" type="datetime1">
               <a:rPr lang="en-US" smtClean="0"/>
-              <a:t>3/30/2024</a:t>
+              <a:t>4/10/2024</a:t>
             </a:fld>
             <a:endParaRPr lang="en-US"/>
           </a:p>
@@ -825,7 +832,7 @@
           <a:p>
             <a:fld id="{3DE202E0-7A69-435E-9B5F-F8D61173FBBB}" type="datetime1">
               <a:rPr lang="en-US" smtClean="0"/>
-              <a:t>3/30/2024</a:t>
+              <a:t>4/10/2024</a:t>
             </a:fld>
             <a:endParaRPr lang="en-US"/>
           </a:p>
@@ -1036,7 +1043,7 @@
           <a:p>
             <a:fld id="{ED7B756E-1017-49D3-A14E-80AA959BE1C4}" type="datetime1">
               <a:rPr lang="en-US" smtClean="0"/>
-              <a:t>3/30/2024</a:t>
+              <a:t>4/10/2024</a:t>
             </a:fld>
             <a:endParaRPr lang="en-US"/>
           </a:p>
@@ -1237,7 +1244,7 @@
           <a:p>
             <a:fld id="{2EBCC48D-86CB-4627-BFCB-4746D9178311}" type="datetime1">
               <a:rPr lang="en-US" smtClean="0"/>
-              <a:t>3/30/2024</a:t>
+              <a:t>4/10/2024</a:t>
             </a:fld>
             <a:endParaRPr lang="en-US"/>
           </a:p>
@@ -1515,7 +1522,7 @@
           <a:p>
             <a:fld id="{9E5CE2EF-515F-498D-8BB9-B67E834CFD61}" type="datetime1">
               <a:rPr lang="en-US" smtClean="0"/>
-              <a:t>3/30/2024</a:t>
+              <a:t>4/10/2024</a:t>
             </a:fld>
             <a:endParaRPr lang="en-US"/>
           </a:p>
@@ -1783,7 +1790,7 @@
           <a:p>
             <a:fld id="{C71FF7C4-377B-486C-B418-F226256A186D}" type="datetime1">
               <a:rPr lang="en-US" smtClean="0"/>
-              <a:t>3/30/2024</a:t>
+              <a:t>4/10/2024</a:t>
             </a:fld>
             <a:endParaRPr lang="en-US"/>
           </a:p>
@@ -2198,7 +2205,7 @@
           <a:p>
             <a:fld id="{8D6FC7D1-9343-474B-834F-BAAC0FAB6A1E}" type="datetime1">
               <a:rPr lang="en-US" smtClean="0"/>
-              <a:t>3/30/2024</a:t>
+              <a:t>4/10/2024</a:t>
             </a:fld>
             <a:endParaRPr lang="en-US"/>
           </a:p>
@@ -2342,7 +2349,7 @@
           <a:p>
             <a:fld id="{271525A6-AB2C-4381-9F5E-305438172ED9}" type="datetime1">
               <a:rPr lang="en-US" smtClean="0"/>
-              <a:t>3/30/2024</a:t>
+              <a:t>4/10/2024</a:t>
             </a:fld>
             <a:endParaRPr lang="en-US"/>
           </a:p>
@@ -2458,7 +2465,7 @@
           <a:p>
             <a:fld id="{93488A89-FB29-4065-BFA1-D3292247443E}" type="datetime1">
               <a:rPr lang="en-US" smtClean="0"/>
-              <a:t>3/30/2024</a:t>
+              <a:t>4/10/2024</a:t>
             </a:fld>
             <a:endParaRPr lang="en-US"/>
           </a:p>
@@ -2772,7 +2779,7 @@
           <a:p>
             <a:fld id="{E360E7DD-4248-4F50-87C6-FE5804BF2EE3}" type="datetime1">
               <a:rPr lang="en-US" smtClean="0"/>
-              <a:t>3/30/2024</a:t>
+              <a:t>4/10/2024</a:t>
             </a:fld>
             <a:endParaRPr lang="en-US"/>
           </a:p>
@@ -3063,7 +3070,7 @@
           <a:p>
             <a:fld id="{1F8B7905-95D3-4295-AD81-BEC290EDA7F1}" type="datetime1">
               <a:rPr lang="en-US" smtClean="0"/>
-              <a:t>3/30/2024</a:t>
+              <a:t>4/10/2024</a:t>
             </a:fld>
             <a:endParaRPr lang="en-US"/>
           </a:p>
@@ -3307,7 +3314,7 @@
           <a:p>
             <a:fld id="{87ECD795-C0A7-4AC1-9893-D470461D3597}" type="datetime1">
               <a:rPr lang="en-US" smtClean="0"/>
-              <a:t>3/30/2024</a:t>
+              <a:t>4/10/2024</a:t>
             </a:fld>
             <a:endParaRPr lang="en-US"/>
           </a:p>
@@ -3744,14 +3751,19 @@
             <p:ph type="ctrTitle"/>
           </p:nvPr>
         </p:nvSpPr>
-        <p:spPr/>
+        <p:spPr>
+          <a:xfrm>
+            <a:off x="1744717" y="510661"/>
+            <a:ext cx="9144000" cy="2387600"/>
+          </a:xfrm>
+        </p:spPr>
         <p:txBody>
           <a:bodyPr/>
           <a:lstStyle/>
           <a:p>
             <a:r>
               <a:rPr lang="en-US" dirty="0"/>
-              <a:t>Progress presentation #1</a:t>
+              <a:t>Semester project meeting</a:t>
             </a:r>
           </a:p>
         </p:txBody>
@@ -3842,6 +3854,37 @@
               <a:t>=8</a:t>
             </a:r>
           </a:p>
+          <a:p>
+            <a:pPr marL="457200" indent="-457200" algn="l">
+              <a:buFont typeface="+mj-lt"/>
+              <a:buAutoNum type="arabicPeriod"/>
+            </a:pPr>
+            <a:r>
+              <a:rPr lang="en-US" dirty="0"/>
+              <a:t>Phase diagram of </a:t>
+            </a:r>
+            <a:r>
+              <a:rPr lang="en-US" i="1" dirty="0"/>
+              <a:t>H(</a:t>
+            </a:r>
+            <a:r>
+              <a:rPr lang="el-GR" b="1" i="1" dirty="0">
+                <a:solidFill>
+                  <a:srgbClr val="1F1F1F"/>
+                </a:solidFill>
+                <a:effectLst/>
+                <a:highlight>
+                  <a:srgbClr val="FFFFFF"/>
+                </a:highlight>
+                <a:latin typeface="Google Sans"/>
+              </a:rPr>
+              <a:t>γ</a:t>
+            </a:r>
+            <a:r>
+              <a:rPr lang="en-US" i="1" dirty="0"/>
+              <a:t>)</a:t>
+            </a:r>
+          </a:p>
         </p:txBody>
       </p:sp>
       <p:sp>
@@ -3867,7 +3910,7 @@
           <a:p>
             <a:fld id="{A6E1B249-BBC1-499F-96FC-17ACFD62C0D2}" type="datetime1">
               <a:rPr lang="en-US" smtClean="0"/>
-              <a:t>3/30/2024</a:t>
+              <a:t>4/10/2024</a:t>
             </a:fld>
             <a:endParaRPr lang="en-US"/>
           </a:p>
@@ -3960,12 +4003,41 @@
           <a:chExt cx="0" cy="0"/>
         </a:xfrm>
       </p:grpSpPr>
-      <p:sp>
-        <p:nvSpPr>
-          <p:cNvPr id="3" name="Date Placeholder 2">
-            <a:extLst>
-              <a:ext uri="{FF2B5EF4-FFF2-40B4-BE49-F238E27FC236}">
-                <a16:creationId xmlns:a16="http://schemas.microsoft.com/office/drawing/2014/main" id="{AC8ADA9C-5F1B-2E1C-9DA6-F64D0AD3EDCF}"/>
+      <p:pic>
+        <p:nvPicPr>
+          <p:cNvPr id="11" name="Picture 10">
+            <a:extLst>
+              <a:ext uri="{FF2B5EF4-FFF2-40B4-BE49-F238E27FC236}">
+                <a16:creationId xmlns:a16="http://schemas.microsoft.com/office/drawing/2014/main" id="{DE6B6658-13F6-F98B-AA19-688B4E50A94A}"/>
+              </a:ext>
+            </a:extLst>
+          </p:cNvPr>
+          <p:cNvPicPr>
+            <a:picLocks noChangeAspect="1"/>
+          </p:cNvPicPr>
+          <p:nvPr/>
+        </p:nvPicPr>
+        <p:blipFill rotWithShape="1">
+          <a:blip r:embed="rId2"/>
+          <a:srcRect t="11078" r="46354"/>
+          <a:stretch/>
+        </p:blipFill>
+        <p:spPr>
+          <a:xfrm>
+            <a:off x="647358" y="3118706"/>
+            <a:ext cx="3340617" cy="2775702"/>
+          </a:xfrm>
+          <a:prstGeom prst="rect">
+            <a:avLst/>
+          </a:prstGeom>
+        </p:spPr>
+      </p:pic>
+      <p:sp>
+        <p:nvSpPr>
+          <p:cNvPr id="2" name="Date Placeholder 1">
+            <a:extLst>
+              <a:ext uri="{FF2B5EF4-FFF2-40B4-BE49-F238E27FC236}">
+                <a16:creationId xmlns:a16="http://schemas.microsoft.com/office/drawing/2014/main" id="{04983750-A8D9-24FD-4591-9EFA11A770A7}"/>
               </a:ext>
             </a:extLst>
           </p:cNvPr>
@@ -3981,9 +4053,9 @@
           <a:bodyPr/>
           <a:lstStyle/>
           <a:p>
-            <a:fld id="{271525A6-AB2C-4381-9F5E-305438172ED9}" type="datetime1">
+            <a:fld id="{93488A89-FB29-4065-BFA1-D3292247443E}" type="datetime1">
               <a:rPr lang="en-US" smtClean="0"/>
-              <a:t>3/30/2024</a:t>
+              <a:t>4/10/2024</a:t>
             </a:fld>
             <a:endParaRPr lang="en-US"/>
           </a:p>
@@ -3991,10 +4063,10 @@
       </p:sp>
       <p:sp>
         <p:nvSpPr>
-          <p:cNvPr id="4" name="Footer Placeholder 3">
-            <a:extLst>
-              <a:ext uri="{FF2B5EF4-FFF2-40B4-BE49-F238E27FC236}">
-                <a16:creationId xmlns:a16="http://schemas.microsoft.com/office/drawing/2014/main" id="{A46171BC-7A62-CBA7-7A2F-422D075AA963}"/>
+          <p:cNvPr id="3" name="Footer Placeholder 2">
+            <a:extLst>
+              <a:ext uri="{FF2B5EF4-FFF2-40B4-BE49-F238E27FC236}">
+                <a16:creationId xmlns:a16="http://schemas.microsoft.com/office/drawing/2014/main" id="{54858F7F-B53F-C26A-D0F6-E013ABCE0852}"/>
               </a:ext>
             </a:extLst>
           </p:cNvPr>
@@ -4019,10 +4091,10 @@
       </p:sp>
       <p:sp>
         <p:nvSpPr>
-          <p:cNvPr id="5" name="Slide Number Placeholder 4">
-            <a:extLst>
-              <a:ext uri="{FF2B5EF4-FFF2-40B4-BE49-F238E27FC236}">
-                <a16:creationId xmlns:a16="http://schemas.microsoft.com/office/drawing/2014/main" id="{291C8625-05B2-5F08-E2BB-E207077C84D5}"/>
+          <p:cNvPr id="4" name="Slide Number Placeholder 3">
+            <a:extLst>
+              <a:ext uri="{FF2B5EF4-FFF2-40B4-BE49-F238E27FC236}">
+                <a16:creationId xmlns:a16="http://schemas.microsoft.com/office/drawing/2014/main" id="{E8A9D5D0-9F40-8467-5D82-9DFE33B023B4}"/>
               </a:ext>
             </a:extLst>
           </p:cNvPr>
@@ -4041,6 +4113,1731 @@
             <a:fld id="{A7317B02-F301-4794-AD40-E8EE819BB4A2}" type="slidenum">
               <a:rPr lang="en-US" smtClean="0"/>
               <a:t>10</a:t>
+            </a:fld>
+            <a:endParaRPr lang="en-US"/>
+          </a:p>
+        </p:txBody>
+      </p:sp>
+      <p:pic>
+        <p:nvPicPr>
+          <p:cNvPr id="6" name="Picture 5">
+            <a:extLst>
+              <a:ext uri="{FF2B5EF4-FFF2-40B4-BE49-F238E27FC236}">
+                <a16:creationId xmlns:a16="http://schemas.microsoft.com/office/drawing/2014/main" id="{3E312566-FA9E-1AC3-8F04-06CCE576A69B}"/>
+              </a:ext>
+            </a:extLst>
+          </p:cNvPr>
+          <p:cNvPicPr>
+            <a:picLocks noChangeAspect="1"/>
+          </p:cNvPicPr>
+          <p:nvPr/>
+        </p:nvPicPr>
+        <p:blipFill>
+          <a:blip r:embed="rId3"/>
+          <a:stretch>
+            <a:fillRect/>
+          </a:stretch>
+        </p:blipFill>
+        <p:spPr>
+          <a:xfrm>
+            <a:off x="4038600" y="1129548"/>
+            <a:ext cx="7515225" cy="3771900"/>
+          </a:xfrm>
+          <a:prstGeom prst="rect">
+            <a:avLst/>
+          </a:prstGeom>
+        </p:spPr>
+      </p:pic>
+      <p:sp>
+        <p:nvSpPr>
+          <p:cNvPr id="7" name="Rectangle 6">
+            <a:extLst>
+              <a:ext uri="{FF2B5EF4-FFF2-40B4-BE49-F238E27FC236}">
+                <a16:creationId xmlns:a16="http://schemas.microsoft.com/office/drawing/2014/main" id="{EEC24F5A-2009-A3A7-F354-9CF8C9EA48E9}"/>
+              </a:ext>
+            </a:extLst>
+          </p:cNvPr>
+          <p:cNvSpPr/>
+          <p:nvPr/>
+        </p:nvSpPr>
+        <p:spPr>
+          <a:xfrm>
+            <a:off x="4674391" y="3853698"/>
+            <a:ext cx="721322" cy="516732"/>
+          </a:xfrm>
+          <a:prstGeom prst="rect">
+            <a:avLst/>
+          </a:prstGeom>
+          <a:noFill/>
+          <a:ln w="19050" cap="flat" cmpd="sng" algn="ctr">
+            <a:solidFill>
+              <a:schemeClr val="dk1"/>
+            </a:solidFill>
+            <a:prstDash val="solid"/>
+            <a:round/>
+            <a:headEnd type="none" w="med" len="med"/>
+            <a:tailEnd type="none" w="med" len="med"/>
+          </a:ln>
+        </p:spPr>
+        <p:style>
+          <a:lnRef idx="0">
+            <a:scrgbClr r="0" g="0" b="0"/>
+          </a:lnRef>
+          <a:fillRef idx="0">
+            <a:scrgbClr r="0" g="0" b="0"/>
+          </a:fillRef>
+          <a:effectRef idx="0">
+            <a:scrgbClr r="0" g="0" b="0"/>
+          </a:effectRef>
+          <a:fontRef idx="minor">
+            <a:schemeClr val="dk1"/>
+          </a:fontRef>
+        </p:style>
+        <p:txBody>
+          <a:bodyPr rtlCol="0" anchor="ctr"/>
+          <a:lstStyle/>
+          <a:p>
+            <a:pPr algn="ctr"/>
+            <a:endParaRPr lang="en-US"/>
+          </a:p>
+        </p:txBody>
+      </p:sp>
+      <p:cxnSp>
+        <p:nvCxnSpPr>
+          <p:cNvPr id="8" name="Straight Connector 7">
+            <a:extLst>
+              <a:ext uri="{FF2B5EF4-FFF2-40B4-BE49-F238E27FC236}">
+                <a16:creationId xmlns:a16="http://schemas.microsoft.com/office/drawing/2014/main" id="{01C2B246-DCEB-1CCF-C1B1-28CA85D1008A}"/>
+              </a:ext>
+            </a:extLst>
+          </p:cNvPr>
+          <p:cNvCxnSpPr>
+            <a:cxnSpLocks/>
+          </p:cNvCxnSpPr>
+          <p:nvPr/>
+        </p:nvCxnSpPr>
+        <p:spPr>
+          <a:xfrm flipH="1" flipV="1">
+            <a:off x="3301559" y="3369936"/>
+            <a:ext cx="1372832" cy="483762"/>
+          </a:xfrm>
+          <a:prstGeom prst="line">
+            <a:avLst/>
+          </a:prstGeom>
+          <a:ln w="19050"/>
+        </p:spPr>
+        <p:style>
+          <a:lnRef idx="1">
+            <a:schemeClr val="dk1"/>
+          </a:lnRef>
+          <a:fillRef idx="0">
+            <a:schemeClr val="dk1"/>
+          </a:fillRef>
+          <a:effectRef idx="0">
+            <a:schemeClr val="dk1"/>
+          </a:effectRef>
+          <a:fontRef idx="minor">
+            <a:schemeClr val="tx1"/>
+          </a:fontRef>
+        </p:style>
+      </p:cxnSp>
+      <p:cxnSp>
+        <p:nvCxnSpPr>
+          <p:cNvPr id="9" name="Straight Connector 8">
+            <a:extLst>
+              <a:ext uri="{FF2B5EF4-FFF2-40B4-BE49-F238E27FC236}">
+                <a16:creationId xmlns:a16="http://schemas.microsoft.com/office/drawing/2014/main" id="{B556D693-360D-3A69-F47C-6571395C54D1}"/>
+              </a:ext>
+            </a:extLst>
+          </p:cNvPr>
+          <p:cNvCxnSpPr>
+            <a:cxnSpLocks/>
+          </p:cNvCxnSpPr>
+          <p:nvPr/>
+        </p:nvCxnSpPr>
+        <p:spPr>
+          <a:xfrm flipV="1">
+            <a:off x="3301559" y="4370430"/>
+            <a:ext cx="1372832" cy="1062036"/>
+          </a:xfrm>
+          <a:prstGeom prst="line">
+            <a:avLst/>
+          </a:prstGeom>
+          <a:ln w="19050"/>
+        </p:spPr>
+        <p:style>
+          <a:lnRef idx="1">
+            <a:schemeClr val="dk1"/>
+          </a:lnRef>
+          <a:fillRef idx="0">
+            <a:schemeClr val="dk1"/>
+          </a:fillRef>
+          <a:effectRef idx="0">
+            <a:schemeClr val="dk1"/>
+          </a:effectRef>
+          <a:fontRef idx="minor">
+            <a:schemeClr val="tx1"/>
+          </a:fontRef>
+        </p:style>
+      </p:cxnSp>
+      <p:sp>
+        <p:nvSpPr>
+          <p:cNvPr id="5" name="TextBox 4">
+            <a:extLst>
+              <a:ext uri="{FF2B5EF4-FFF2-40B4-BE49-F238E27FC236}">
+                <a16:creationId xmlns:a16="http://schemas.microsoft.com/office/drawing/2014/main" id="{E604B740-6E5D-6B6D-6BA6-04E50EE55717}"/>
+              </a:ext>
+            </a:extLst>
+          </p:cNvPr>
+          <p:cNvSpPr txBox="1"/>
+          <p:nvPr/>
+        </p:nvSpPr>
+        <p:spPr>
+          <a:xfrm>
+            <a:off x="838200" y="501850"/>
+            <a:ext cx="6121220" cy="369332"/>
+          </a:xfrm>
+          <a:prstGeom prst="rect">
+            <a:avLst/>
+          </a:prstGeom>
+          <a:noFill/>
+        </p:spPr>
+        <p:txBody>
+          <a:bodyPr wrap="square" rtlCol="0">
+            <a:spAutoFit/>
+          </a:bodyPr>
+          <a:lstStyle/>
+          <a:p>
+            <a:r>
+              <a:rPr lang="en-US" dirty="0"/>
+              <a:t>Average over 10 random </a:t>
+            </a:r>
+            <a:r>
+              <a:rPr lang="en-US" dirty="0" err="1"/>
+              <a:t>Ising</a:t>
+            </a:r>
+            <a:r>
+              <a:rPr lang="en-US" dirty="0"/>
+              <a:t> instances: h</a:t>
+            </a:r>
+            <a:r>
+              <a:rPr lang="en-US" baseline="-25000" dirty="0"/>
+              <a:t>i</a:t>
+            </a:r>
+            <a:r>
+              <a:rPr lang="en-US" dirty="0"/>
+              <a:t>,</a:t>
+            </a:r>
+            <a:r>
+              <a:rPr lang="en-US" baseline="-25000" dirty="0"/>
+              <a:t> </a:t>
+            </a:r>
+            <a:r>
+              <a:rPr lang="en-US" dirty="0" err="1"/>
+              <a:t>J</a:t>
+            </a:r>
+            <a:r>
+              <a:rPr lang="en-US" baseline="-25000" dirty="0" err="1"/>
+              <a:t>ij</a:t>
+            </a:r>
+            <a:r>
+              <a:rPr lang="en-US" dirty="0"/>
+              <a:t> ~ N(0,1) </a:t>
+            </a:r>
+          </a:p>
+        </p:txBody>
+      </p:sp>
+    </p:spTree>
+    <p:extLst>
+      <p:ext uri="{BB962C8B-B14F-4D97-AF65-F5344CB8AC3E}">
+        <p14:creationId xmlns:p14="http://schemas.microsoft.com/office/powerpoint/2010/main" val="2585838474"/>
+      </p:ext>
+    </p:extLst>
+  </p:cSld>
+  <p:clrMapOvr>
+    <a:masterClrMapping/>
+  </p:clrMapOvr>
+</p:sld>
+</file>
+
+<file path=ppt/slides/slide11.xml><?xml version="1.0" encoding="utf-8"?>
+<p:sld xmlns:a="http://schemas.openxmlformats.org/drawingml/2006/main" xmlns:r="http://schemas.openxmlformats.org/officeDocument/2006/relationships" xmlns:p="http://schemas.openxmlformats.org/presentationml/2006/main">
+  <p:cSld>
+    <p:spTree>
+      <p:nvGrpSpPr>
+        <p:cNvPr id="1" name=""/>
+        <p:cNvGrpSpPr/>
+        <p:nvPr/>
+      </p:nvGrpSpPr>
+      <p:grpSpPr>
+        <a:xfrm>
+          <a:off x="0" y="0"/>
+          <a:ext cx="0" cy="0"/>
+          <a:chOff x="0" y="0"/>
+          <a:chExt cx="0" cy="0"/>
+        </a:xfrm>
+      </p:grpSpPr>
+      <p:pic>
+        <p:nvPicPr>
+          <p:cNvPr id="12" name="Picture 11">
+            <a:extLst>
+              <a:ext uri="{FF2B5EF4-FFF2-40B4-BE49-F238E27FC236}">
+                <a16:creationId xmlns:a16="http://schemas.microsoft.com/office/drawing/2014/main" id="{DC4408D6-911A-1CDD-5FB9-54CB8F7E65A3}"/>
+              </a:ext>
+            </a:extLst>
+          </p:cNvPr>
+          <p:cNvPicPr>
+            <a:picLocks noChangeAspect="1"/>
+          </p:cNvPicPr>
+          <p:nvPr/>
+        </p:nvPicPr>
+        <p:blipFill rotWithShape="1">
+          <a:blip r:embed="rId2"/>
+          <a:srcRect t="9802" r="47313"/>
+          <a:stretch/>
+        </p:blipFill>
+        <p:spPr>
+          <a:xfrm>
+            <a:off x="681109" y="3141603"/>
+            <a:ext cx="3109762" cy="2668647"/>
+          </a:xfrm>
+          <a:prstGeom prst="rect">
+            <a:avLst/>
+          </a:prstGeom>
+        </p:spPr>
+      </p:pic>
+      <p:sp>
+        <p:nvSpPr>
+          <p:cNvPr id="2" name="Date Placeholder 1">
+            <a:extLst>
+              <a:ext uri="{FF2B5EF4-FFF2-40B4-BE49-F238E27FC236}">
+                <a16:creationId xmlns:a16="http://schemas.microsoft.com/office/drawing/2014/main" id="{CF2FBB24-6B22-4137-7D13-F4B6E5BD9A99}"/>
+              </a:ext>
+            </a:extLst>
+          </p:cNvPr>
+          <p:cNvSpPr>
+            <a:spLocks noGrp="1"/>
+          </p:cNvSpPr>
+          <p:nvPr>
+            <p:ph type="dt" sz="half" idx="10"/>
+          </p:nvPr>
+        </p:nvSpPr>
+        <p:spPr/>
+        <p:txBody>
+          <a:bodyPr/>
+          <a:lstStyle/>
+          <a:p>
+            <a:fld id="{93488A89-FB29-4065-BFA1-D3292247443E}" type="datetime1">
+              <a:rPr lang="en-US" smtClean="0"/>
+              <a:t>4/10/2024</a:t>
+            </a:fld>
+            <a:endParaRPr lang="en-US"/>
+          </a:p>
+        </p:txBody>
+      </p:sp>
+      <p:sp>
+        <p:nvSpPr>
+          <p:cNvPr id="3" name="Footer Placeholder 2">
+            <a:extLst>
+              <a:ext uri="{FF2B5EF4-FFF2-40B4-BE49-F238E27FC236}">
+                <a16:creationId xmlns:a16="http://schemas.microsoft.com/office/drawing/2014/main" id="{4519EB8E-983A-96C9-7070-272509C07B84}"/>
+              </a:ext>
+            </a:extLst>
+          </p:cNvPr>
+          <p:cNvSpPr>
+            <a:spLocks noGrp="1"/>
+          </p:cNvSpPr>
+          <p:nvPr>
+            <p:ph type="ftr" sz="quarter" idx="11"/>
+          </p:nvPr>
+        </p:nvSpPr>
+        <p:spPr/>
+        <p:txBody>
+          <a:bodyPr/>
+          <a:lstStyle/>
+          <a:p>
+            <a:r>
+              <a:rPr lang="en-US"/>
+              <a:t>Quantum MCMC Semester Project</a:t>
+            </a:r>
+          </a:p>
+        </p:txBody>
+      </p:sp>
+      <p:sp>
+        <p:nvSpPr>
+          <p:cNvPr id="4" name="Slide Number Placeholder 3">
+            <a:extLst>
+              <a:ext uri="{FF2B5EF4-FFF2-40B4-BE49-F238E27FC236}">
+                <a16:creationId xmlns:a16="http://schemas.microsoft.com/office/drawing/2014/main" id="{51AC6EF7-2C01-6E1D-2B28-A59534A1FA87}"/>
+              </a:ext>
+            </a:extLst>
+          </p:cNvPr>
+          <p:cNvSpPr>
+            <a:spLocks noGrp="1"/>
+          </p:cNvSpPr>
+          <p:nvPr>
+            <p:ph type="sldNum" sz="quarter" idx="12"/>
+          </p:nvPr>
+        </p:nvSpPr>
+        <p:spPr/>
+        <p:txBody>
+          <a:bodyPr/>
+          <a:lstStyle/>
+          <a:p>
+            <a:fld id="{A7317B02-F301-4794-AD40-E8EE819BB4A2}" type="slidenum">
+              <a:rPr lang="en-US" smtClean="0"/>
+              <a:t>11</a:t>
+            </a:fld>
+            <a:endParaRPr lang="en-US"/>
+          </a:p>
+        </p:txBody>
+      </p:sp>
+      <p:pic>
+        <p:nvPicPr>
+          <p:cNvPr id="6" name="Picture 5">
+            <a:extLst>
+              <a:ext uri="{FF2B5EF4-FFF2-40B4-BE49-F238E27FC236}">
+                <a16:creationId xmlns:a16="http://schemas.microsoft.com/office/drawing/2014/main" id="{C189D480-2321-54AC-9F21-06F680A46729}"/>
+              </a:ext>
+            </a:extLst>
+          </p:cNvPr>
+          <p:cNvPicPr>
+            <a:picLocks noChangeAspect="1"/>
+          </p:cNvPicPr>
+          <p:nvPr/>
+        </p:nvPicPr>
+        <p:blipFill>
+          <a:blip r:embed="rId3"/>
+          <a:stretch>
+            <a:fillRect/>
+          </a:stretch>
+        </p:blipFill>
+        <p:spPr>
+          <a:xfrm>
+            <a:off x="3838575" y="1116330"/>
+            <a:ext cx="7515225" cy="3771900"/>
+          </a:xfrm>
+          <a:prstGeom prst="rect">
+            <a:avLst/>
+          </a:prstGeom>
+        </p:spPr>
+      </p:pic>
+      <p:sp>
+        <p:nvSpPr>
+          <p:cNvPr id="7" name="Rectangle 6">
+            <a:extLst>
+              <a:ext uri="{FF2B5EF4-FFF2-40B4-BE49-F238E27FC236}">
+                <a16:creationId xmlns:a16="http://schemas.microsoft.com/office/drawing/2014/main" id="{224F0858-1CDF-AB58-3A9C-18F0473A2394}"/>
+              </a:ext>
+            </a:extLst>
+          </p:cNvPr>
+          <p:cNvSpPr/>
+          <p:nvPr/>
+        </p:nvSpPr>
+        <p:spPr>
+          <a:xfrm>
+            <a:off x="4477287" y="3561080"/>
+            <a:ext cx="721322" cy="796132"/>
+          </a:xfrm>
+          <a:prstGeom prst="rect">
+            <a:avLst/>
+          </a:prstGeom>
+          <a:noFill/>
+          <a:ln w="19050" cap="flat" cmpd="sng" algn="ctr">
+            <a:solidFill>
+              <a:schemeClr val="dk1"/>
+            </a:solidFill>
+            <a:prstDash val="solid"/>
+            <a:round/>
+            <a:headEnd type="none" w="med" len="med"/>
+            <a:tailEnd type="none" w="med" len="med"/>
+          </a:ln>
+        </p:spPr>
+        <p:style>
+          <a:lnRef idx="0">
+            <a:scrgbClr r="0" g="0" b="0"/>
+          </a:lnRef>
+          <a:fillRef idx="0">
+            <a:scrgbClr r="0" g="0" b="0"/>
+          </a:fillRef>
+          <a:effectRef idx="0">
+            <a:scrgbClr r="0" g="0" b="0"/>
+          </a:effectRef>
+          <a:fontRef idx="minor">
+            <a:schemeClr val="dk1"/>
+          </a:fontRef>
+        </p:style>
+        <p:txBody>
+          <a:bodyPr rtlCol="0" anchor="ctr"/>
+          <a:lstStyle/>
+          <a:p>
+            <a:pPr algn="ctr"/>
+            <a:endParaRPr lang="en-US"/>
+          </a:p>
+        </p:txBody>
+      </p:sp>
+      <p:cxnSp>
+        <p:nvCxnSpPr>
+          <p:cNvPr id="8" name="Straight Connector 7">
+            <a:extLst>
+              <a:ext uri="{FF2B5EF4-FFF2-40B4-BE49-F238E27FC236}">
+                <a16:creationId xmlns:a16="http://schemas.microsoft.com/office/drawing/2014/main" id="{4CECA3F1-CD5E-9F6D-B2A3-C1BCFE054872}"/>
+              </a:ext>
+            </a:extLst>
+          </p:cNvPr>
+          <p:cNvCxnSpPr>
+            <a:cxnSpLocks/>
+          </p:cNvCxnSpPr>
+          <p:nvPr/>
+        </p:nvCxnSpPr>
+        <p:spPr>
+          <a:xfrm flipH="1" flipV="1">
+            <a:off x="3104455" y="3356718"/>
+            <a:ext cx="1372832" cy="204362"/>
+          </a:xfrm>
+          <a:prstGeom prst="line">
+            <a:avLst/>
+          </a:prstGeom>
+          <a:ln w="19050"/>
+        </p:spPr>
+        <p:style>
+          <a:lnRef idx="1">
+            <a:schemeClr val="dk1"/>
+          </a:lnRef>
+          <a:fillRef idx="0">
+            <a:schemeClr val="dk1"/>
+          </a:fillRef>
+          <a:effectRef idx="0">
+            <a:schemeClr val="dk1"/>
+          </a:effectRef>
+          <a:fontRef idx="minor">
+            <a:schemeClr val="tx1"/>
+          </a:fontRef>
+        </p:style>
+      </p:cxnSp>
+      <p:cxnSp>
+        <p:nvCxnSpPr>
+          <p:cNvPr id="9" name="Straight Connector 8">
+            <a:extLst>
+              <a:ext uri="{FF2B5EF4-FFF2-40B4-BE49-F238E27FC236}">
+                <a16:creationId xmlns:a16="http://schemas.microsoft.com/office/drawing/2014/main" id="{D08787D6-A9AA-4593-19DC-CE77A27D466E}"/>
+              </a:ext>
+            </a:extLst>
+          </p:cNvPr>
+          <p:cNvCxnSpPr>
+            <a:cxnSpLocks/>
+          </p:cNvCxnSpPr>
+          <p:nvPr/>
+        </p:nvCxnSpPr>
+        <p:spPr>
+          <a:xfrm flipV="1">
+            <a:off x="3104455" y="4357212"/>
+            <a:ext cx="1372832" cy="1062036"/>
+          </a:xfrm>
+          <a:prstGeom prst="line">
+            <a:avLst/>
+          </a:prstGeom>
+          <a:ln w="19050"/>
+        </p:spPr>
+        <p:style>
+          <a:lnRef idx="1">
+            <a:schemeClr val="dk1"/>
+          </a:lnRef>
+          <a:fillRef idx="0">
+            <a:schemeClr val="dk1"/>
+          </a:fillRef>
+          <a:effectRef idx="0">
+            <a:schemeClr val="dk1"/>
+          </a:effectRef>
+          <a:fontRef idx="minor">
+            <a:schemeClr val="tx1"/>
+          </a:fontRef>
+        </p:style>
+      </p:cxnSp>
+      <p:sp>
+        <p:nvSpPr>
+          <p:cNvPr id="5" name="TextBox 4">
+            <a:extLst>
+              <a:ext uri="{FF2B5EF4-FFF2-40B4-BE49-F238E27FC236}">
+                <a16:creationId xmlns:a16="http://schemas.microsoft.com/office/drawing/2014/main" id="{F59D7369-B7FF-4E1D-482B-DC96BF863418}"/>
+              </a:ext>
+            </a:extLst>
+          </p:cNvPr>
+          <p:cNvSpPr txBox="1"/>
+          <p:nvPr/>
+        </p:nvSpPr>
+        <p:spPr>
+          <a:xfrm>
+            <a:off x="730261" y="570230"/>
+            <a:ext cx="6121220" cy="369332"/>
+          </a:xfrm>
+          <a:prstGeom prst="rect">
+            <a:avLst/>
+          </a:prstGeom>
+          <a:noFill/>
+        </p:spPr>
+        <p:txBody>
+          <a:bodyPr wrap="square" rtlCol="0">
+            <a:spAutoFit/>
+          </a:bodyPr>
+          <a:lstStyle/>
+          <a:p>
+            <a:r>
+              <a:rPr lang="en-US" dirty="0"/>
+              <a:t>Average over 10 random </a:t>
+            </a:r>
+            <a:r>
+              <a:rPr lang="en-US" dirty="0" err="1"/>
+              <a:t>Ising</a:t>
+            </a:r>
+            <a:r>
+              <a:rPr lang="en-US" dirty="0"/>
+              <a:t> instances: h</a:t>
+            </a:r>
+            <a:r>
+              <a:rPr lang="en-US" baseline="-25000" dirty="0"/>
+              <a:t>i</a:t>
+            </a:r>
+            <a:r>
+              <a:rPr lang="en-US" dirty="0"/>
+              <a:t>,</a:t>
+            </a:r>
+            <a:r>
+              <a:rPr lang="en-US" baseline="-25000" dirty="0"/>
+              <a:t> </a:t>
+            </a:r>
+            <a:r>
+              <a:rPr lang="en-US" dirty="0" err="1"/>
+              <a:t>J</a:t>
+            </a:r>
+            <a:r>
+              <a:rPr lang="en-US" baseline="-25000" dirty="0" err="1"/>
+              <a:t>ij</a:t>
+            </a:r>
+            <a:r>
+              <a:rPr lang="en-US" dirty="0"/>
+              <a:t> ~ N(0,1) </a:t>
+            </a:r>
+          </a:p>
+        </p:txBody>
+      </p:sp>
+    </p:spTree>
+    <p:extLst>
+      <p:ext uri="{BB962C8B-B14F-4D97-AF65-F5344CB8AC3E}">
+        <p14:creationId xmlns:p14="http://schemas.microsoft.com/office/powerpoint/2010/main" val="2302320189"/>
+      </p:ext>
+    </p:extLst>
+  </p:cSld>
+  <p:clrMapOvr>
+    <a:masterClrMapping/>
+  </p:clrMapOvr>
+</p:sld>
+</file>
+
+<file path=ppt/slides/slide12.xml><?xml version="1.0" encoding="utf-8"?>
+<p:sld xmlns:a="http://schemas.openxmlformats.org/drawingml/2006/main" xmlns:r="http://schemas.openxmlformats.org/officeDocument/2006/relationships" xmlns:p="http://schemas.openxmlformats.org/presentationml/2006/main">
+  <p:cSld>
+    <p:spTree>
+      <p:nvGrpSpPr>
+        <p:cNvPr id="1" name=""/>
+        <p:cNvGrpSpPr/>
+        <p:nvPr/>
+      </p:nvGrpSpPr>
+      <p:grpSpPr>
+        <a:xfrm>
+          <a:off x="0" y="0"/>
+          <a:ext cx="0" cy="0"/>
+          <a:chOff x="0" y="0"/>
+          <a:chExt cx="0" cy="0"/>
+        </a:xfrm>
+      </p:grpSpPr>
+      <p:pic>
+        <p:nvPicPr>
+          <p:cNvPr id="13" name="Picture 12">
+            <a:extLst>
+              <a:ext uri="{FF2B5EF4-FFF2-40B4-BE49-F238E27FC236}">
+                <a16:creationId xmlns:a16="http://schemas.microsoft.com/office/drawing/2014/main" id="{99ADFCDA-834B-B8C0-D76C-DF43D6A16693}"/>
+              </a:ext>
+            </a:extLst>
+          </p:cNvPr>
+          <p:cNvPicPr>
+            <a:picLocks noChangeAspect="1"/>
+          </p:cNvPicPr>
+          <p:nvPr/>
+        </p:nvPicPr>
+        <p:blipFill rotWithShape="1">
+          <a:blip r:embed="rId2"/>
+          <a:srcRect t="11010" r="48076"/>
+          <a:stretch/>
+        </p:blipFill>
+        <p:spPr>
+          <a:xfrm>
+            <a:off x="775028" y="3145076"/>
+            <a:ext cx="3106746" cy="2668984"/>
+          </a:xfrm>
+          <a:prstGeom prst="rect">
+            <a:avLst/>
+          </a:prstGeom>
+        </p:spPr>
+      </p:pic>
+      <p:sp>
+        <p:nvSpPr>
+          <p:cNvPr id="2" name="Date Placeholder 1">
+            <a:extLst>
+              <a:ext uri="{FF2B5EF4-FFF2-40B4-BE49-F238E27FC236}">
+                <a16:creationId xmlns:a16="http://schemas.microsoft.com/office/drawing/2014/main" id="{F5D34EA1-6933-65D2-66D0-41FCE9EBE559}"/>
+              </a:ext>
+            </a:extLst>
+          </p:cNvPr>
+          <p:cNvSpPr>
+            <a:spLocks noGrp="1"/>
+          </p:cNvSpPr>
+          <p:nvPr>
+            <p:ph type="dt" sz="half" idx="10"/>
+          </p:nvPr>
+        </p:nvSpPr>
+        <p:spPr/>
+        <p:txBody>
+          <a:bodyPr/>
+          <a:lstStyle/>
+          <a:p>
+            <a:fld id="{93488A89-FB29-4065-BFA1-D3292247443E}" type="datetime1">
+              <a:rPr lang="en-US" smtClean="0"/>
+              <a:t>4/10/2024</a:t>
+            </a:fld>
+            <a:endParaRPr lang="en-US"/>
+          </a:p>
+        </p:txBody>
+      </p:sp>
+      <p:sp>
+        <p:nvSpPr>
+          <p:cNvPr id="3" name="Footer Placeholder 2">
+            <a:extLst>
+              <a:ext uri="{FF2B5EF4-FFF2-40B4-BE49-F238E27FC236}">
+                <a16:creationId xmlns:a16="http://schemas.microsoft.com/office/drawing/2014/main" id="{A2C7FFF7-418A-8AB1-FD04-6170494925C8}"/>
+              </a:ext>
+            </a:extLst>
+          </p:cNvPr>
+          <p:cNvSpPr>
+            <a:spLocks noGrp="1"/>
+          </p:cNvSpPr>
+          <p:nvPr>
+            <p:ph type="ftr" sz="quarter" idx="11"/>
+          </p:nvPr>
+        </p:nvSpPr>
+        <p:spPr/>
+        <p:txBody>
+          <a:bodyPr/>
+          <a:lstStyle/>
+          <a:p>
+            <a:r>
+              <a:rPr lang="en-US"/>
+              <a:t>Quantum MCMC Semester Project</a:t>
+            </a:r>
+          </a:p>
+        </p:txBody>
+      </p:sp>
+      <p:sp>
+        <p:nvSpPr>
+          <p:cNvPr id="4" name="Slide Number Placeholder 3">
+            <a:extLst>
+              <a:ext uri="{FF2B5EF4-FFF2-40B4-BE49-F238E27FC236}">
+                <a16:creationId xmlns:a16="http://schemas.microsoft.com/office/drawing/2014/main" id="{466DCE20-69A0-40B4-C208-2BED55C5FDCF}"/>
+              </a:ext>
+            </a:extLst>
+          </p:cNvPr>
+          <p:cNvSpPr>
+            <a:spLocks noGrp="1"/>
+          </p:cNvSpPr>
+          <p:nvPr>
+            <p:ph type="sldNum" sz="quarter" idx="12"/>
+          </p:nvPr>
+        </p:nvSpPr>
+        <p:spPr/>
+        <p:txBody>
+          <a:bodyPr/>
+          <a:lstStyle/>
+          <a:p>
+            <a:fld id="{A7317B02-F301-4794-AD40-E8EE819BB4A2}" type="slidenum">
+              <a:rPr lang="en-US" smtClean="0"/>
+              <a:t>12</a:t>
+            </a:fld>
+            <a:endParaRPr lang="en-US"/>
+          </a:p>
+        </p:txBody>
+      </p:sp>
+      <p:pic>
+        <p:nvPicPr>
+          <p:cNvPr id="8" name="Picture 7">
+            <a:extLst>
+              <a:ext uri="{FF2B5EF4-FFF2-40B4-BE49-F238E27FC236}">
+                <a16:creationId xmlns:a16="http://schemas.microsoft.com/office/drawing/2014/main" id="{31EEDDE7-EE5D-E5B5-F93F-4F0DC84B4414}"/>
+              </a:ext>
+            </a:extLst>
+          </p:cNvPr>
+          <p:cNvPicPr>
+            <a:picLocks noChangeAspect="1"/>
+          </p:cNvPicPr>
+          <p:nvPr/>
+        </p:nvPicPr>
+        <p:blipFill>
+          <a:blip r:embed="rId3"/>
+          <a:stretch>
+            <a:fillRect/>
+          </a:stretch>
+        </p:blipFill>
+        <p:spPr>
+          <a:xfrm>
+            <a:off x="3957320" y="1106170"/>
+            <a:ext cx="7515225" cy="3771900"/>
+          </a:xfrm>
+          <a:prstGeom prst="rect">
+            <a:avLst/>
+          </a:prstGeom>
+        </p:spPr>
+      </p:pic>
+      <p:sp>
+        <p:nvSpPr>
+          <p:cNvPr id="9" name="Rectangle 8">
+            <a:extLst>
+              <a:ext uri="{FF2B5EF4-FFF2-40B4-BE49-F238E27FC236}">
+                <a16:creationId xmlns:a16="http://schemas.microsoft.com/office/drawing/2014/main" id="{2DE25B1D-10FE-CBD2-D365-35CAC6EB5713}"/>
+              </a:ext>
+            </a:extLst>
+          </p:cNvPr>
+          <p:cNvSpPr/>
+          <p:nvPr/>
+        </p:nvSpPr>
+        <p:spPr>
+          <a:xfrm>
+            <a:off x="4603096" y="3550920"/>
+            <a:ext cx="721322" cy="796132"/>
+          </a:xfrm>
+          <a:prstGeom prst="rect">
+            <a:avLst/>
+          </a:prstGeom>
+          <a:noFill/>
+          <a:ln w="19050" cap="flat" cmpd="sng" algn="ctr">
+            <a:solidFill>
+              <a:schemeClr val="dk1"/>
+            </a:solidFill>
+            <a:prstDash val="solid"/>
+            <a:round/>
+            <a:headEnd type="none" w="med" len="med"/>
+            <a:tailEnd type="none" w="med" len="med"/>
+          </a:ln>
+        </p:spPr>
+        <p:style>
+          <a:lnRef idx="0">
+            <a:scrgbClr r="0" g="0" b="0"/>
+          </a:lnRef>
+          <a:fillRef idx="0">
+            <a:scrgbClr r="0" g="0" b="0"/>
+          </a:fillRef>
+          <a:effectRef idx="0">
+            <a:scrgbClr r="0" g="0" b="0"/>
+          </a:effectRef>
+          <a:fontRef idx="minor">
+            <a:schemeClr val="dk1"/>
+          </a:fontRef>
+        </p:style>
+        <p:txBody>
+          <a:bodyPr rtlCol="0" anchor="ctr"/>
+          <a:lstStyle/>
+          <a:p>
+            <a:pPr algn="ctr"/>
+            <a:endParaRPr lang="en-US"/>
+          </a:p>
+        </p:txBody>
+      </p:sp>
+      <p:cxnSp>
+        <p:nvCxnSpPr>
+          <p:cNvPr id="10" name="Straight Connector 9">
+            <a:extLst>
+              <a:ext uri="{FF2B5EF4-FFF2-40B4-BE49-F238E27FC236}">
+                <a16:creationId xmlns:a16="http://schemas.microsoft.com/office/drawing/2014/main" id="{8E904AE6-1E19-2BA3-CF09-CD812B0D2E4A}"/>
+              </a:ext>
+            </a:extLst>
+          </p:cNvPr>
+          <p:cNvCxnSpPr>
+            <a:cxnSpLocks/>
+          </p:cNvCxnSpPr>
+          <p:nvPr/>
+        </p:nvCxnSpPr>
+        <p:spPr>
+          <a:xfrm flipH="1" flipV="1">
+            <a:off x="3230264" y="3346558"/>
+            <a:ext cx="1372832" cy="204362"/>
+          </a:xfrm>
+          <a:prstGeom prst="line">
+            <a:avLst/>
+          </a:prstGeom>
+          <a:ln w="19050"/>
+        </p:spPr>
+        <p:style>
+          <a:lnRef idx="1">
+            <a:schemeClr val="dk1"/>
+          </a:lnRef>
+          <a:fillRef idx="0">
+            <a:schemeClr val="dk1"/>
+          </a:fillRef>
+          <a:effectRef idx="0">
+            <a:schemeClr val="dk1"/>
+          </a:effectRef>
+          <a:fontRef idx="minor">
+            <a:schemeClr val="tx1"/>
+          </a:fontRef>
+        </p:style>
+      </p:cxnSp>
+      <p:cxnSp>
+        <p:nvCxnSpPr>
+          <p:cNvPr id="11" name="Straight Connector 10">
+            <a:extLst>
+              <a:ext uri="{FF2B5EF4-FFF2-40B4-BE49-F238E27FC236}">
+                <a16:creationId xmlns:a16="http://schemas.microsoft.com/office/drawing/2014/main" id="{57E1A13B-6432-DA4D-A2E9-A0C89906EC55}"/>
+              </a:ext>
+            </a:extLst>
+          </p:cNvPr>
+          <p:cNvCxnSpPr>
+            <a:cxnSpLocks/>
+          </p:cNvCxnSpPr>
+          <p:nvPr/>
+        </p:nvCxnSpPr>
+        <p:spPr>
+          <a:xfrm flipV="1">
+            <a:off x="3230264" y="4347052"/>
+            <a:ext cx="1372832" cy="1062036"/>
+          </a:xfrm>
+          <a:prstGeom prst="line">
+            <a:avLst/>
+          </a:prstGeom>
+          <a:ln w="19050"/>
+        </p:spPr>
+        <p:style>
+          <a:lnRef idx="1">
+            <a:schemeClr val="dk1"/>
+          </a:lnRef>
+          <a:fillRef idx="0">
+            <a:schemeClr val="dk1"/>
+          </a:fillRef>
+          <a:effectRef idx="0">
+            <a:schemeClr val="dk1"/>
+          </a:effectRef>
+          <a:fontRef idx="minor">
+            <a:schemeClr val="tx1"/>
+          </a:fontRef>
+        </p:style>
+      </p:cxnSp>
+      <p:sp>
+        <p:nvSpPr>
+          <p:cNvPr id="5" name="TextBox 4">
+            <a:extLst>
+              <a:ext uri="{FF2B5EF4-FFF2-40B4-BE49-F238E27FC236}">
+                <a16:creationId xmlns:a16="http://schemas.microsoft.com/office/drawing/2014/main" id="{03F91B8B-ECAE-9F52-1DD8-D9120B048B05}"/>
+              </a:ext>
+            </a:extLst>
+          </p:cNvPr>
+          <p:cNvSpPr txBox="1"/>
+          <p:nvPr/>
+        </p:nvSpPr>
+        <p:spPr>
+          <a:xfrm>
+            <a:off x="651418" y="465693"/>
+            <a:ext cx="6121220" cy="369332"/>
+          </a:xfrm>
+          <a:prstGeom prst="rect">
+            <a:avLst/>
+          </a:prstGeom>
+          <a:noFill/>
+        </p:spPr>
+        <p:txBody>
+          <a:bodyPr wrap="square" rtlCol="0">
+            <a:spAutoFit/>
+          </a:bodyPr>
+          <a:lstStyle/>
+          <a:p>
+            <a:r>
+              <a:rPr lang="en-US" dirty="0"/>
+              <a:t>Average over 10 random </a:t>
+            </a:r>
+            <a:r>
+              <a:rPr lang="en-US" dirty="0" err="1"/>
+              <a:t>Ising</a:t>
+            </a:r>
+            <a:r>
+              <a:rPr lang="en-US" dirty="0"/>
+              <a:t> instances: h</a:t>
+            </a:r>
+            <a:r>
+              <a:rPr lang="en-US" baseline="-25000" dirty="0"/>
+              <a:t>i</a:t>
+            </a:r>
+            <a:r>
+              <a:rPr lang="en-US" dirty="0"/>
+              <a:t>,</a:t>
+            </a:r>
+            <a:r>
+              <a:rPr lang="en-US" baseline="-25000" dirty="0"/>
+              <a:t> </a:t>
+            </a:r>
+            <a:r>
+              <a:rPr lang="en-US" dirty="0" err="1"/>
+              <a:t>J</a:t>
+            </a:r>
+            <a:r>
+              <a:rPr lang="en-US" baseline="-25000" dirty="0" err="1"/>
+              <a:t>ij</a:t>
+            </a:r>
+            <a:r>
+              <a:rPr lang="en-US" dirty="0"/>
+              <a:t> ~ N(0,1) </a:t>
+            </a:r>
+          </a:p>
+        </p:txBody>
+      </p:sp>
+    </p:spTree>
+    <p:extLst>
+      <p:ext uri="{BB962C8B-B14F-4D97-AF65-F5344CB8AC3E}">
+        <p14:creationId xmlns:p14="http://schemas.microsoft.com/office/powerpoint/2010/main" val="199442513"/>
+      </p:ext>
+    </p:extLst>
+  </p:cSld>
+  <p:clrMapOvr>
+    <a:masterClrMapping/>
+  </p:clrMapOvr>
+</p:sld>
+</file>
+
+<file path=ppt/slides/slide13.xml><?xml version="1.0" encoding="utf-8"?>
+<p:sld xmlns:a="http://schemas.openxmlformats.org/drawingml/2006/main" xmlns:r="http://schemas.openxmlformats.org/officeDocument/2006/relationships" xmlns:p="http://schemas.openxmlformats.org/presentationml/2006/main">
+  <p:cSld>
+    <p:spTree>
+      <p:nvGrpSpPr>
+        <p:cNvPr id="1" name=""/>
+        <p:cNvGrpSpPr/>
+        <p:nvPr/>
+      </p:nvGrpSpPr>
+      <p:grpSpPr>
+        <a:xfrm>
+          <a:off x="0" y="0"/>
+          <a:ext cx="0" cy="0"/>
+          <a:chOff x="0" y="0"/>
+          <a:chExt cx="0" cy="0"/>
+        </a:xfrm>
+      </p:grpSpPr>
+      <p:sp>
+        <p:nvSpPr>
+          <p:cNvPr id="2" name="Title 1">
+            <a:extLst>
+              <a:ext uri="{FF2B5EF4-FFF2-40B4-BE49-F238E27FC236}">
+                <a16:creationId xmlns:a16="http://schemas.microsoft.com/office/drawing/2014/main" id="{DA3E76D8-3134-D54A-8082-3445F7D9AE5A}"/>
+              </a:ext>
+            </a:extLst>
+          </p:cNvPr>
+          <p:cNvSpPr>
+            <a:spLocks noGrp="1"/>
+          </p:cNvSpPr>
+          <p:nvPr>
+            <p:ph type="title"/>
+          </p:nvPr>
+        </p:nvSpPr>
+        <p:spPr/>
+        <p:txBody>
+          <a:bodyPr/>
+          <a:lstStyle/>
+          <a:p>
+            <a:r>
+              <a:rPr lang="en-US" dirty="0"/>
+              <a:t>Phase diagram of </a:t>
+            </a:r>
+            <a:r>
+              <a:rPr lang="en-US" i="1" dirty="0"/>
+              <a:t>H(</a:t>
+            </a:r>
+            <a:r>
+              <a:rPr lang="el-GR" b="1" i="1" dirty="0">
+                <a:solidFill>
+                  <a:srgbClr val="1F1F1F"/>
+                </a:solidFill>
+                <a:effectLst/>
+                <a:highlight>
+                  <a:srgbClr val="FFFFFF"/>
+                </a:highlight>
+                <a:latin typeface="Google Sans"/>
+              </a:rPr>
+              <a:t>γ</a:t>
+            </a:r>
+            <a:r>
+              <a:rPr lang="en-US" i="1" dirty="0"/>
+              <a:t>)</a:t>
+            </a:r>
+            <a:endParaRPr lang="en-US" dirty="0"/>
+          </a:p>
+        </p:txBody>
+      </p:sp>
+      <p:sp>
+        <p:nvSpPr>
+          <p:cNvPr id="3" name="Date Placeholder 2">
+            <a:extLst>
+              <a:ext uri="{FF2B5EF4-FFF2-40B4-BE49-F238E27FC236}">
+                <a16:creationId xmlns:a16="http://schemas.microsoft.com/office/drawing/2014/main" id="{DCF4B570-70A2-2155-C7BD-C457A6175A6D}"/>
+              </a:ext>
+            </a:extLst>
+          </p:cNvPr>
+          <p:cNvSpPr>
+            <a:spLocks noGrp="1"/>
+          </p:cNvSpPr>
+          <p:nvPr>
+            <p:ph type="dt" sz="half" idx="10"/>
+          </p:nvPr>
+        </p:nvSpPr>
+        <p:spPr/>
+        <p:txBody>
+          <a:bodyPr/>
+          <a:lstStyle/>
+          <a:p>
+            <a:fld id="{271525A6-AB2C-4381-9F5E-305438172ED9}" type="datetime1">
+              <a:rPr lang="en-US" smtClean="0"/>
+              <a:t>4/11/2024</a:t>
+            </a:fld>
+            <a:endParaRPr lang="en-US"/>
+          </a:p>
+        </p:txBody>
+      </p:sp>
+      <p:sp>
+        <p:nvSpPr>
+          <p:cNvPr id="4" name="Footer Placeholder 3">
+            <a:extLst>
+              <a:ext uri="{FF2B5EF4-FFF2-40B4-BE49-F238E27FC236}">
+                <a16:creationId xmlns:a16="http://schemas.microsoft.com/office/drawing/2014/main" id="{8E17574C-D71B-3080-2B79-FF3F551BF4FF}"/>
+              </a:ext>
+            </a:extLst>
+          </p:cNvPr>
+          <p:cNvSpPr>
+            <a:spLocks noGrp="1"/>
+          </p:cNvSpPr>
+          <p:nvPr>
+            <p:ph type="ftr" sz="quarter" idx="11"/>
+          </p:nvPr>
+        </p:nvSpPr>
+        <p:spPr/>
+        <p:txBody>
+          <a:bodyPr/>
+          <a:lstStyle/>
+          <a:p>
+            <a:r>
+              <a:rPr lang="en-US"/>
+              <a:t>Quantum MCMC Semester Project</a:t>
+            </a:r>
+          </a:p>
+        </p:txBody>
+      </p:sp>
+      <p:sp>
+        <p:nvSpPr>
+          <p:cNvPr id="5" name="Slide Number Placeholder 4">
+            <a:extLst>
+              <a:ext uri="{FF2B5EF4-FFF2-40B4-BE49-F238E27FC236}">
+                <a16:creationId xmlns:a16="http://schemas.microsoft.com/office/drawing/2014/main" id="{EBA33870-4BA0-BC82-0E94-DB6EFC37ADEB}"/>
+              </a:ext>
+            </a:extLst>
+          </p:cNvPr>
+          <p:cNvSpPr>
+            <a:spLocks noGrp="1"/>
+          </p:cNvSpPr>
+          <p:nvPr>
+            <p:ph type="sldNum" sz="quarter" idx="12"/>
+          </p:nvPr>
+        </p:nvSpPr>
+        <p:spPr/>
+        <p:txBody>
+          <a:bodyPr/>
+          <a:lstStyle/>
+          <a:p>
+            <a:fld id="{A7317B02-F301-4794-AD40-E8EE819BB4A2}" type="slidenum">
+              <a:rPr lang="en-US" smtClean="0"/>
+              <a:t>13</a:t>
+            </a:fld>
+            <a:endParaRPr lang="en-US"/>
+          </a:p>
+        </p:txBody>
+      </p:sp>
+    </p:spTree>
+    <p:extLst>
+      <p:ext uri="{BB962C8B-B14F-4D97-AF65-F5344CB8AC3E}">
+        <p14:creationId xmlns:p14="http://schemas.microsoft.com/office/powerpoint/2010/main" val="3169237726"/>
+      </p:ext>
+    </p:extLst>
+  </p:cSld>
+  <p:clrMapOvr>
+    <a:masterClrMapping/>
+  </p:clrMapOvr>
+</p:sld>
+</file>
+
+<file path=ppt/slides/slide14.xml><?xml version="1.0" encoding="utf-8"?>
+<p:sld xmlns:a="http://schemas.openxmlformats.org/drawingml/2006/main" xmlns:r="http://schemas.openxmlformats.org/officeDocument/2006/relationships" xmlns:p="http://schemas.openxmlformats.org/presentationml/2006/main">
+  <p:cSld>
+    <p:spTree>
+      <p:nvGrpSpPr>
+        <p:cNvPr id="1" name=""/>
+        <p:cNvGrpSpPr/>
+        <p:nvPr/>
+      </p:nvGrpSpPr>
+      <p:grpSpPr>
+        <a:xfrm>
+          <a:off x="0" y="0"/>
+          <a:ext cx="0" cy="0"/>
+          <a:chOff x="0" y="0"/>
+          <a:chExt cx="0" cy="0"/>
+        </a:xfrm>
+      </p:grpSpPr>
+      <p:sp>
+        <p:nvSpPr>
+          <p:cNvPr id="2" name="Date Placeholder 1">
+            <a:extLst>
+              <a:ext uri="{FF2B5EF4-FFF2-40B4-BE49-F238E27FC236}">
+                <a16:creationId xmlns:a16="http://schemas.microsoft.com/office/drawing/2014/main" id="{E315A818-78A9-DFC6-2F08-F0B88FF8EE6A}"/>
+              </a:ext>
+            </a:extLst>
+          </p:cNvPr>
+          <p:cNvSpPr>
+            <a:spLocks noGrp="1"/>
+          </p:cNvSpPr>
+          <p:nvPr>
+            <p:ph type="dt" sz="half" idx="10"/>
+          </p:nvPr>
+        </p:nvSpPr>
+        <p:spPr/>
+        <p:txBody>
+          <a:bodyPr/>
+          <a:lstStyle/>
+          <a:p>
+            <a:fld id="{93488A89-FB29-4065-BFA1-D3292247443E}" type="datetime1">
+              <a:rPr lang="en-US" smtClean="0"/>
+              <a:t>4/11/2024</a:t>
+            </a:fld>
+            <a:endParaRPr lang="en-US"/>
+          </a:p>
+        </p:txBody>
+      </p:sp>
+      <p:sp>
+        <p:nvSpPr>
+          <p:cNvPr id="3" name="Footer Placeholder 2">
+            <a:extLst>
+              <a:ext uri="{FF2B5EF4-FFF2-40B4-BE49-F238E27FC236}">
+                <a16:creationId xmlns:a16="http://schemas.microsoft.com/office/drawing/2014/main" id="{52B9B4E1-2C99-190A-808B-3660233C385B}"/>
+              </a:ext>
+            </a:extLst>
+          </p:cNvPr>
+          <p:cNvSpPr>
+            <a:spLocks noGrp="1"/>
+          </p:cNvSpPr>
+          <p:nvPr>
+            <p:ph type="ftr" sz="quarter" idx="11"/>
+          </p:nvPr>
+        </p:nvSpPr>
+        <p:spPr/>
+        <p:txBody>
+          <a:bodyPr/>
+          <a:lstStyle/>
+          <a:p>
+            <a:r>
+              <a:rPr lang="en-US"/>
+              <a:t>Quantum MCMC Semester Project</a:t>
+            </a:r>
+          </a:p>
+        </p:txBody>
+      </p:sp>
+      <p:sp>
+        <p:nvSpPr>
+          <p:cNvPr id="4" name="Slide Number Placeholder 3">
+            <a:extLst>
+              <a:ext uri="{FF2B5EF4-FFF2-40B4-BE49-F238E27FC236}">
+                <a16:creationId xmlns:a16="http://schemas.microsoft.com/office/drawing/2014/main" id="{B063F9A3-DEF3-D85D-D746-2E5F4316B289}"/>
+              </a:ext>
+            </a:extLst>
+          </p:cNvPr>
+          <p:cNvSpPr>
+            <a:spLocks noGrp="1"/>
+          </p:cNvSpPr>
+          <p:nvPr>
+            <p:ph type="sldNum" sz="quarter" idx="12"/>
+          </p:nvPr>
+        </p:nvSpPr>
+        <p:spPr/>
+        <p:txBody>
+          <a:bodyPr/>
+          <a:lstStyle/>
+          <a:p>
+            <a:fld id="{A7317B02-F301-4794-AD40-E8EE819BB4A2}" type="slidenum">
+              <a:rPr lang="en-US" smtClean="0"/>
+              <a:t>14</a:t>
+            </a:fld>
+            <a:endParaRPr lang="en-US"/>
+          </a:p>
+        </p:txBody>
+      </p:sp>
+      <p:pic>
+        <p:nvPicPr>
+          <p:cNvPr id="8" name="Picture 7">
+            <a:extLst>
+              <a:ext uri="{FF2B5EF4-FFF2-40B4-BE49-F238E27FC236}">
+                <a16:creationId xmlns:a16="http://schemas.microsoft.com/office/drawing/2014/main" id="{0E29CBC6-5340-7537-0EEE-E71D1453F1B2}"/>
+              </a:ext>
+            </a:extLst>
+          </p:cNvPr>
+          <p:cNvPicPr>
+            <a:picLocks noChangeAspect="1"/>
+          </p:cNvPicPr>
+          <p:nvPr/>
+        </p:nvPicPr>
+        <p:blipFill>
+          <a:blip r:embed="rId2"/>
+          <a:stretch>
+            <a:fillRect/>
+          </a:stretch>
+        </p:blipFill>
+        <p:spPr>
+          <a:xfrm>
+            <a:off x="2333625" y="1543050"/>
+            <a:ext cx="7524750" cy="3771900"/>
+          </a:xfrm>
+          <a:prstGeom prst="rect">
+            <a:avLst/>
+          </a:prstGeom>
+        </p:spPr>
+      </p:pic>
+    </p:spTree>
+    <p:extLst>
+      <p:ext uri="{BB962C8B-B14F-4D97-AF65-F5344CB8AC3E}">
+        <p14:creationId xmlns:p14="http://schemas.microsoft.com/office/powerpoint/2010/main" val="2659981778"/>
+      </p:ext>
+    </p:extLst>
+  </p:cSld>
+  <p:clrMapOvr>
+    <a:masterClrMapping/>
+  </p:clrMapOvr>
+</p:sld>
+</file>
+
+<file path=ppt/slides/slide15.xml><?xml version="1.0" encoding="utf-8"?>
+<p:sld xmlns:a="http://schemas.openxmlformats.org/drawingml/2006/main" xmlns:r="http://schemas.openxmlformats.org/officeDocument/2006/relationships" xmlns:p="http://schemas.openxmlformats.org/presentationml/2006/main">
+  <p:cSld>
+    <p:spTree>
+      <p:nvGrpSpPr>
+        <p:cNvPr id="1" name=""/>
+        <p:cNvGrpSpPr/>
+        <p:nvPr/>
+      </p:nvGrpSpPr>
+      <p:grpSpPr>
+        <a:xfrm>
+          <a:off x="0" y="0"/>
+          <a:ext cx="0" cy="0"/>
+          <a:chOff x="0" y="0"/>
+          <a:chExt cx="0" cy="0"/>
+        </a:xfrm>
+      </p:grpSpPr>
+      <p:sp>
+        <p:nvSpPr>
+          <p:cNvPr id="2" name="Title 1">
+            <a:extLst>
+              <a:ext uri="{FF2B5EF4-FFF2-40B4-BE49-F238E27FC236}">
+                <a16:creationId xmlns:a16="http://schemas.microsoft.com/office/drawing/2014/main" id="{7365D0D9-67EB-9F99-FAEB-B85BB1C65933}"/>
+              </a:ext>
+            </a:extLst>
+          </p:cNvPr>
+          <p:cNvSpPr>
+            <a:spLocks noGrp="1"/>
+          </p:cNvSpPr>
+          <p:nvPr>
+            <p:ph type="title"/>
+          </p:nvPr>
+        </p:nvSpPr>
+        <p:spPr/>
+        <p:txBody>
+          <a:bodyPr/>
+          <a:lstStyle/>
+          <a:p>
+            <a:r>
+              <a:rPr lang="en-US" dirty="0"/>
+              <a:t>Comparison of quantum vs mismatched</a:t>
+            </a:r>
+          </a:p>
+        </p:txBody>
+      </p:sp>
+      <p:sp>
+        <p:nvSpPr>
+          <p:cNvPr id="3" name="Date Placeholder 2">
+            <a:extLst>
+              <a:ext uri="{FF2B5EF4-FFF2-40B4-BE49-F238E27FC236}">
+                <a16:creationId xmlns:a16="http://schemas.microsoft.com/office/drawing/2014/main" id="{BF14BCBC-EC08-EFCD-8384-FA278D7C4EF4}"/>
+              </a:ext>
+            </a:extLst>
+          </p:cNvPr>
+          <p:cNvSpPr>
+            <a:spLocks noGrp="1"/>
+          </p:cNvSpPr>
+          <p:nvPr>
+            <p:ph type="dt" sz="half" idx="10"/>
+          </p:nvPr>
+        </p:nvSpPr>
+        <p:spPr/>
+        <p:txBody>
+          <a:bodyPr/>
+          <a:lstStyle/>
+          <a:p>
+            <a:fld id="{271525A6-AB2C-4381-9F5E-305438172ED9}" type="datetime1">
+              <a:rPr lang="en-US" smtClean="0"/>
+              <a:t>4/10/2024</a:t>
+            </a:fld>
+            <a:endParaRPr lang="en-US"/>
+          </a:p>
+        </p:txBody>
+      </p:sp>
+      <p:sp>
+        <p:nvSpPr>
+          <p:cNvPr id="4" name="Footer Placeholder 3">
+            <a:extLst>
+              <a:ext uri="{FF2B5EF4-FFF2-40B4-BE49-F238E27FC236}">
+                <a16:creationId xmlns:a16="http://schemas.microsoft.com/office/drawing/2014/main" id="{704E9A2E-57E3-3E55-6E2F-B44541083A15}"/>
+              </a:ext>
+            </a:extLst>
+          </p:cNvPr>
+          <p:cNvSpPr>
+            <a:spLocks noGrp="1"/>
+          </p:cNvSpPr>
+          <p:nvPr>
+            <p:ph type="ftr" sz="quarter" idx="11"/>
+          </p:nvPr>
+        </p:nvSpPr>
+        <p:spPr/>
+        <p:txBody>
+          <a:bodyPr/>
+          <a:lstStyle/>
+          <a:p>
+            <a:r>
+              <a:rPr lang="en-US"/>
+              <a:t>Quantum MCMC Semester Project</a:t>
+            </a:r>
+          </a:p>
+        </p:txBody>
+      </p:sp>
+      <p:sp>
+        <p:nvSpPr>
+          <p:cNvPr id="5" name="Slide Number Placeholder 4">
+            <a:extLst>
+              <a:ext uri="{FF2B5EF4-FFF2-40B4-BE49-F238E27FC236}">
+                <a16:creationId xmlns:a16="http://schemas.microsoft.com/office/drawing/2014/main" id="{2C39A759-F58E-7CFD-B6AA-22DA3B1DD67B}"/>
+              </a:ext>
+            </a:extLst>
+          </p:cNvPr>
+          <p:cNvSpPr>
+            <a:spLocks noGrp="1"/>
+          </p:cNvSpPr>
+          <p:nvPr>
+            <p:ph type="sldNum" sz="quarter" idx="12"/>
+          </p:nvPr>
+        </p:nvSpPr>
+        <p:spPr/>
+        <p:txBody>
+          <a:bodyPr/>
+          <a:lstStyle/>
+          <a:p>
+            <a:fld id="{A7317B02-F301-4794-AD40-E8EE819BB4A2}" type="slidenum">
+              <a:rPr lang="en-US" smtClean="0"/>
+              <a:t>15</a:t>
+            </a:fld>
+            <a:endParaRPr lang="en-US"/>
+          </a:p>
+        </p:txBody>
+      </p:sp>
+    </p:spTree>
+    <p:extLst>
+      <p:ext uri="{BB962C8B-B14F-4D97-AF65-F5344CB8AC3E}">
+        <p14:creationId xmlns:p14="http://schemas.microsoft.com/office/powerpoint/2010/main" val="1723626813"/>
+      </p:ext>
+    </p:extLst>
+  </p:cSld>
+  <p:clrMapOvr>
+    <a:masterClrMapping/>
+  </p:clrMapOvr>
+</p:sld>
+</file>
+
+<file path=ppt/slides/slide16.xml><?xml version="1.0" encoding="utf-8"?>
+<p:sld xmlns:a="http://schemas.openxmlformats.org/drawingml/2006/main" xmlns:r="http://schemas.openxmlformats.org/officeDocument/2006/relationships" xmlns:p="http://schemas.openxmlformats.org/presentationml/2006/main">
+  <p:cSld>
+    <p:spTree>
+      <p:nvGrpSpPr>
+        <p:cNvPr id="1" name=""/>
+        <p:cNvGrpSpPr/>
+        <p:nvPr/>
+      </p:nvGrpSpPr>
+      <p:grpSpPr>
+        <a:xfrm>
+          <a:off x="0" y="0"/>
+          <a:ext cx="0" cy="0"/>
+          <a:chOff x="0" y="0"/>
+          <a:chExt cx="0" cy="0"/>
+        </a:xfrm>
+      </p:grpSpPr>
+      <p:sp>
+        <p:nvSpPr>
+          <p:cNvPr id="3" name="Date Placeholder 2">
+            <a:extLst>
+              <a:ext uri="{FF2B5EF4-FFF2-40B4-BE49-F238E27FC236}">
+                <a16:creationId xmlns:a16="http://schemas.microsoft.com/office/drawing/2014/main" id="{A910AB5C-B433-3086-191E-3B0BE15CD789}"/>
+              </a:ext>
+            </a:extLst>
+          </p:cNvPr>
+          <p:cNvSpPr>
+            <a:spLocks noGrp="1"/>
+          </p:cNvSpPr>
+          <p:nvPr>
+            <p:ph type="dt" sz="half" idx="10"/>
+          </p:nvPr>
+        </p:nvSpPr>
+        <p:spPr/>
+        <p:txBody>
+          <a:bodyPr/>
+          <a:lstStyle/>
+          <a:p>
+            <a:fld id="{271525A6-AB2C-4381-9F5E-305438172ED9}" type="datetime1">
+              <a:rPr lang="en-US" smtClean="0"/>
+              <a:t>4/10/2024</a:t>
+            </a:fld>
+            <a:endParaRPr lang="en-US"/>
+          </a:p>
+        </p:txBody>
+      </p:sp>
+      <p:sp>
+        <p:nvSpPr>
+          <p:cNvPr id="4" name="Footer Placeholder 3">
+            <a:extLst>
+              <a:ext uri="{FF2B5EF4-FFF2-40B4-BE49-F238E27FC236}">
+                <a16:creationId xmlns:a16="http://schemas.microsoft.com/office/drawing/2014/main" id="{9B00D6ED-5784-C43E-3B7A-15D17D08EBD5}"/>
+              </a:ext>
+            </a:extLst>
+          </p:cNvPr>
+          <p:cNvSpPr>
+            <a:spLocks noGrp="1"/>
+          </p:cNvSpPr>
+          <p:nvPr>
+            <p:ph type="ftr" sz="quarter" idx="11"/>
+          </p:nvPr>
+        </p:nvSpPr>
+        <p:spPr/>
+        <p:txBody>
+          <a:bodyPr/>
+          <a:lstStyle/>
+          <a:p>
+            <a:r>
+              <a:rPr lang="en-US"/>
+              <a:t>Quantum MCMC Semester Project</a:t>
+            </a:r>
+          </a:p>
+        </p:txBody>
+      </p:sp>
+      <p:sp>
+        <p:nvSpPr>
+          <p:cNvPr id="5" name="Slide Number Placeholder 4">
+            <a:extLst>
+              <a:ext uri="{FF2B5EF4-FFF2-40B4-BE49-F238E27FC236}">
+                <a16:creationId xmlns:a16="http://schemas.microsoft.com/office/drawing/2014/main" id="{D86E7164-146F-C9F4-8A20-80B2CA7E61EA}"/>
+              </a:ext>
+            </a:extLst>
+          </p:cNvPr>
+          <p:cNvSpPr>
+            <a:spLocks noGrp="1"/>
+          </p:cNvSpPr>
+          <p:nvPr>
+            <p:ph type="sldNum" sz="quarter" idx="12"/>
+          </p:nvPr>
+        </p:nvSpPr>
+        <p:spPr/>
+        <p:txBody>
+          <a:bodyPr/>
+          <a:lstStyle/>
+          <a:p>
+            <a:fld id="{A7317B02-F301-4794-AD40-E8EE819BB4A2}" type="slidenum">
+              <a:rPr lang="en-US" smtClean="0"/>
+              <a:t>16</a:t>
+            </a:fld>
+            <a:endParaRPr lang="en-US"/>
+          </a:p>
+        </p:txBody>
+      </p:sp>
+      <p:pic>
+        <p:nvPicPr>
+          <p:cNvPr id="11" name="Picture 10">
+            <a:extLst>
+              <a:ext uri="{FF2B5EF4-FFF2-40B4-BE49-F238E27FC236}">
+                <a16:creationId xmlns:a16="http://schemas.microsoft.com/office/drawing/2014/main" id="{60F658C7-88CA-A14F-AB8A-ABA8FBAB204E}"/>
+              </a:ext>
+            </a:extLst>
+          </p:cNvPr>
+          <p:cNvPicPr>
+            <a:picLocks noChangeAspect="1"/>
+          </p:cNvPicPr>
+          <p:nvPr/>
+        </p:nvPicPr>
+        <p:blipFill>
+          <a:blip r:embed="rId2"/>
+          <a:stretch>
+            <a:fillRect/>
+          </a:stretch>
+        </p:blipFill>
+        <p:spPr>
+          <a:xfrm>
+            <a:off x="3121565" y="136525"/>
+            <a:ext cx="5795412" cy="2905042"/>
+          </a:xfrm>
+          <a:prstGeom prst="rect">
+            <a:avLst/>
+          </a:prstGeom>
+        </p:spPr>
+      </p:pic>
+      <p:pic>
+        <p:nvPicPr>
+          <p:cNvPr id="13" name="Picture 12">
+            <a:extLst>
+              <a:ext uri="{FF2B5EF4-FFF2-40B4-BE49-F238E27FC236}">
+                <a16:creationId xmlns:a16="http://schemas.microsoft.com/office/drawing/2014/main" id="{5CBF9424-31E2-6163-3959-85329719C4DE}"/>
+              </a:ext>
+            </a:extLst>
+          </p:cNvPr>
+          <p:cNvPicPr>
+            <a:picLocks noChangeAspect="1"/>
+          </p:cNvPicPr>
+          <p:nvPr/>
+        </p:nvPicPr>
+        <p:blipFill>
+          <a:blip r:embed="rId3"/>
+          <a:stretch>
+            <a:fillRect/>
+          </a:stretch>
+        </p:blipFill>
+        <p:spPr>
+          <a:xfrm>
+            <a:off x="2526030" y="2987171"/>
+            <a:ext cx="7412552" cy="2995276"/>
+          </a:xfrm>
+          <a:prstGeom prst="rect">
+            <a:avLst/>
+          </a:prstGeom>
+        </p:spPr>
+      </p:pic>
+    </p:spTree>
+    <p:extLst>
+      <p:ext uri="{BB962C8B-B14F-4D97-AF65-F5344CB8AC3E}">
+        <p14:creationId xmlns:p14="http://schemas.microsoft.com/office/powerpoint/2010/main" val="739344708"/>
+      </p:ext>
+    </p:extLst>
+  </p:cSld>
+  <p:clrMapOvr>
+    <a:masterClrMapping/>
+  </p:clrMapOvr>
+</p:sld>
+</file>
+
+<file path=ppt/slides/slide17.xml><?xml version="1.0" encoding="utf-8"?>
+<p:sld xmlns:a="http://schemas.openxmlformats.org/drawingml/2006/main" xmlns:r="http://schemas.openxmlformats.org/officeDocument/2006/relationships" xmlns:p="http://schemas.openxmlformats.org/presentationml/2006/main">
+  <p:cSld>
+    <p:spTree>
+      <p:nvGrpSpPr>
+        <p:cNvPr id="1" name=""/>
+        <p:cNvGrpSpPr/>
+        <p:nvPr/>
+      </p:nvGrpSpPr>
+      <p:grpSpPr>
+        <a:xfrm>
+          <a:off x="0" y="0"/>
+          <a:ext cx="0" cy="0"/>
+          <a:chOff x="0" y="0"/>
+          <a:chExt cx="0" cy="0"/>
+        </a:xfrm>
+      </p:grpSpPr>
+      <p:sp>
+        <p:nvSpPr>
+          <p:cNvPr id="3" name="Date Placeholder 2">
+            <a:extLst>
+              <a:ext uri="{FF2B5EF4-FFF2-40B4-BE49-F238E27FC236}">
+                <a16:creationId xmlns:a16="http://schemas.microsoft.com/office/drawing/2014/main" id="{AC8ADA9C-5F1B-2E1C-9DA6-F64D0AD3EDCF}"/>
+              </a:ext>
+            </a:extLst>
+          </p:cNvPr>
+          <p:cNvSpPr>
+            <a:spLocks noGrp="1"/>
+          </p:cNvSpPr>
+          <p:nvPr>
+            <p:ph type="dt" sz="half" idx="10"/>
+          </p:nvPr>
+        </p:nvSpPr>
+        <p:spPr/>
+        <p:txBody>
+          <a:bodyPr/>
+          <a:lstStyle/>
+          <a:p>
+            <a:fld id="{271525A6-AB2C-4381-9F5E-305438172ED9}" type="datetime1">
+              <a:rPr lang="en-US" smtClean="0"/>
+              <a:t>4/10/2024</a:t>
+            </a:fld>
+            <a:endParaRPr lang="en-US"/>
+          </a:p>
+        </p:txBody>
+      </p:sp>
+      <p:sp>
+        <p:nvSpPr>
+          <p:cNvPr id="4" name="Footer Placeholder 3">
+            <a:extLst>
+              <a:ext uri="{FF2B5EF4-FFF2-40B4-BE49-F238E27FC236}">
+                <a16:creationId xmlns:a16="http://schemas.microsoft.com/office/drawing/2014/main" id="{A46171BC-7A62-CBA7-7A2F-422D075AA963}"/>
+              </a:ext>
+            </a:extLst>
+          </p:cNvPr>
+          <p:cNvSpPr>
+            <a:spLocks noGrp="1"/>
+          </p:cNvSpPr>
+          <p:nvPr>
+            <p:ph type="ftr" sz="quarter" idx="11"/>
+          </p:nvPr>
+        </p:nvSpPr>
+        <p:spPr/>
+        <p:txBody>
+          <a:bodyPr/>
+          <a:lstStyle/>
+          <a:p>
+            <a:r>
+              <a:rPr lang="en-US"/>
+              <a:t>Quantum MCMC Semester Project</a:t>
+            </a:r>
+          </a:p>
+        </p:txBody>
+      </p:sp>
+      <p:sp>
+        <p:nvSpPr>
+          <p:cNvPr id="5" name="Slide Number Placeholder 4">
+            <a:extLst>
+              <a:ext uri="{FF2B5EF4-FFF2-40B4-BE49-F238E27FC236}">
+                <a16:creationId xmlns:a16="http://schemas.microsoft.com/office/drawing/2014/main" id="{291C8625-05B2-5F08-E2BB-E207077C84D5}"/>
+              </a:ext>
+            </a:extLst>
+          </p:cNvPr>
+          <p:cNvSpPr>
+            <a:spLocks noGrp="1"/>
+          </p:cNvSpPr>
+          <p:nvPr>
+            <p:ph type="sldNum" sz="quarter" idx="12"/>
+          </p:nvPr>
+        </p:nvSpPr>
+        <p:spPr/>
+        <p:txBody>
+          <a:bodyPr/>
+          <a:lstStyle/>
+          <a:p>
+            <a:fld id="{A7317B02-F301-4794-AD40-E8EE819BB4A2}" type="slidenum">
+              <a:rPr lang="en-US" smtClean="0"/>
+              <a:t>17</a:t>
             </a:fld>
             <a:endParaRPr lang="en-US"/>
           </a:p>
@@ -4119,7 +5916,7 @@
 </p:sld>
 </file>
 
-<file path=ppt/slides/slide11.xml><?xml version="1.0" encoding="utf-8"?>
+<file path=ppt/slides/slide18.xml><?xml version="1.0" encoding="utf-8"?>
 <p:sld xmlns:a="http://schemas.openxmlformats.org/drawingml/2006/main" xmlns:r="http://schemas.openxmlformats.org/officeDocument/2006/relationships" xmlns:p="http://schemas.openxmlformats.org/presentationml/2006/main">
   <p:cSld>
     <p:spTree>
@@ -4159,7 +5956,7 @@
           <a:p>
             <a:fld id="{271525A6-AB2C-4381-9F5E-305438172ED9}" type="datetime1">
               <a:rPr lang="en-US" smtClean="0"/>
-              <a:t>3/30/2024</a:t>
+              <a:t>4/10/2024</a:t>
             </a:fld>
             <a:endParaRPr lang="en-US"/>
           </a:p>
@@ -4216,7 +6013,7 @@
           <a:p>
             <a:fld id="{A7317B02-F301-4794-AD40-E8EE819BB4A2}" type="slidenum">
               <a:rPr lang="en-US" smtClean="0"/>
-              <a:t>11</a:t>
+              <a:t>18</a:t>
             </a:fld>
             <a:endParaRPr lang="en-US"/>
           </a:p>
@@ -4295,7 +6092,7 @@
 </p:sld>
 </file>
 
-<file path=ppt/slides/slide12.xml><?xml version="1.0" encoding="utf-8"?>
+<file path=ppt/slides/slide19.xml><?xml version="1.0" encoding="utf-8"?>
 <p:sld xmlns:a="http://schemas.openxmlformats.org/drawingml/2006/main" xmlns:r="http://schemas.openxmlformats.org/officeDocument/2006/relationships" xmlns:p="http://schemas.openxmlformats.org/presentationml/2006/main">
   <p:cSld>
     <p:spTree>
@@ -4335,7 +6132,7 @@
           <a:p>
             <a:fld id="{93488A89-FB29-4065-BFA1-D3292247443E}" type="datetime1">
               <a:rPr lang="en-US" smtClean="0"/>
-              <a:t>3/30/2024</a:t>
+              <a:t>4/10/2024</a:t>
             </a:fld>
             <a:endParaRPr lang="en-US"/>
           </a:p>
@@ -4392,7 +6189,7 @@
           <a:p>
             <a:fld id="{A7317B02-F301-4794-AD40-E8EE819BB4A2}" type="slidenum">
               <a:rPr lang="en-US" smtClean="0"/>
-              <a:t>12</a:t>
+              <a:t>19</a:t>
             </a:fld>
             <a:endParaRPr lang="en-US"/>
           </a:p>
@@ -4471,7 +6268,7 @@
 </p:sld>
 </file>
 
-<file path=ppt/slides/slide13.xml><?xml version="1.0" encoding="utf-8"?>
+<file path=ppt/slides/slide2.xml><?xml version="1.0" encoding="utf-8"?>
 <p:sld xmlns:a="http://schemas.openxmlformats.org/drawingml/2006/main" xmlns:r="http://schemas.openxmlformats.org/officeDocument/2006/relationships" xmlns:p="http://schemas.openxmlformats.org/presentationml/2006/main">
   <p:cSld>
     <p:spTree>
@@ -4490,6 +6287,150 @@
       </p:grpSpPr>
       <p:sp>
         <p:nvSpPr>
+          <p:cNvPr id="2" name="Title 1">
+            <a:extLst>
+              <a:ext uri="{FF2B5EF4-FFF2-40B4-BE49-F238E27FC236}">
+                <a16:creationId xmlns:a16="http://schemas.microsoft.com/office/drawing/2014/main" id="{E6EDBCC2-0A9C-89A5-C7E3-6371E30E1CB5}"/>
+              </a:ext>
+            </a:extLst>
+          </p:cNvPr>
+          <p:cNvSpPr>
+            <a:spLocks noGrp="1"/>
+          </p:cNvSpPr>
+          <p:nvPr>
+            <p:ph type="title"/>
+          </p:nvPr>
+        </p:nvSpPr>
+        <p:spPr/>
+        <p:txBody>
+          <a:bodyPr/>
+          <a:lstStyle/>
+          <a:p>
+            <a:r>
+              <a:rPr lang="en-US" dirty="0"/>
+              <a:t>Temperature sweep</a:t>
+            </a:r>
+          </a:p>
+        </p:txBody>
+      </p:sp>
+      <p:sp>
+        <p:nvSpPr>
+          <p:cNvPr id="3" name="Date Placeholder 2">
+            <a:extLst>
+              <a:ext uri="{FF2B5EF4-FFF2-40B4-BE49-F238E27FC236}">
+                <a16:creationId xmlns:a16="http://schemas.microsoft.com/office/drawing/2014/main" id="{3238E935-317F-2217-3F7D-D2A12244E12C}"/>
+              </a:ext>
+            </a:extLst>
+          </p:cNvPr>
+          <p:cNvSpPr>
+            <a:spLocks noGrp="1"/>
+          </p:cNvSpPr>
+          <p:nvPr>
+            <p:ph type="dt" sz="half" idx="10"/>
+          </p:nvPr>
+        </p:nvSpPr>
+        <p:spPr/>
+        <p:txBody>
+          <a:bodyPr/>
+          <a:lstStyle/>
+          <a:p>
+            <a:fld id="{271525A6-AB2C-4381-9F5E-305438172ED9}" type="datetime1">
+              <a:rPr lang="en-US" smtClean="0"/>
+              <a:t>4/10/2024</a:t>
+            </a:fld>
+            <a:endParaRPr lang="en-US"/>
+          </a:p>
+        </p:txBody>
+      </p:sp>
+      <p:sp>
+        <p:nvSpPr>
+          <p:cNvPr id="4" name="Footer Placeholder 3">
+            <a:extLst>
+              <a:ext uri="{FF2B5EF4-FFF2-40B4-BE49-F238E27FC236}">
+                <a16:creationId xmlns:a16="http://schemas.microsoft.com/office/drawing/2014/main" id="{FD12FC2E-F5EF-0138-A33B-FFFFF83DE63F}"/>
+              </a:ext>
+            </a:extLst>
+          </p:cNvPr>
+          <p:cNvSpPr>
+            <a:spLocks noGrp="1"/>
+          </p:cNvSpPr>
+          <p:nvPr>
+            <p:ph type="ftr" sz="quarter" idx="11"/>
+          </p:nvPr>
+        </p:nvSpPr>
+        <p:spPr/>
+        <p:txBody>
+          <a:bodyPr/>
+          <a:lstStyle/>
+          <a:p>
+            <a:r>
+              <a:rPr lang="en-US"/>
+              <a:t>Quantum MCMC Semester Project</a:t>
+            </a:r>
+          </a:p>
+        </p:txBody>
+      </p:sp>
+      <p:sp>
+        <p:nvSpPr>
+          <p:cNvPr id="5" name="Slide Number Placeholder 4">
+            <a:extLst>
+              <a:ext uri="{FF2B5EF4-FFF2-40B4-BE49-F238E27FC236}">
+                <a16:creationId xmlns:a16="http://schemas.microsoft.com/office/drawing/2014/main" id="{BBEB1770-756B-B60E-B81E-E2177D1A9014}"/>
+              </a:ext>
+            </a:extLst>
+          </p:cNvPr>
+          <p:cNvSpPr>
+            <a:spLocks noGrp="1"/>
+          </p:cNvSpPr>
+          <p:nvPr>
+            <p:ph type="sldNum" sz="quarter" idx="12"/>
+          </p:nvPr>
+        </p:nvSpPr>
+        <p:spPr/>
+        <p:txBody>
+          <a:bodyPr/>
+          <a:lstStyle/>
+          <a:p>
+            <a:fld id="{A7317B02-F301-4794-AD40-E8EE819BB4A2}" type="slidenum">
+              <a:rPr lang="en-US" smtClean="0"/>
+              <a:t>2</a:t>
+            </a:fld>
+            <a:endParaRPr lang="en-US"/>
+          </a:p>
+        </p:txBody>
+      </p:sp>
+    </p:spTree>
+    <p:extLst>
+      <p:ext uri="{BB962C8B-B14F-4D97-AF65-F5344CB8AC3E}">
+        <p14:creationId xmlns:p14="http://schemas.microsoft.com/office/powerpoint/2010/main" val="440016095"/>
+      </p:ext>
+    </p:extLst>
+  </p:cSld>
+  <p:clrMapOvr>
+    <a:masterClrMapping/>
+  </p:clrMapOvr>
+</p:sld>
+</file>
+
+<file path=ppt/slides/slide20.xml><?xml version="1.0" encoding="utf-8"?>
+<p:sld xmlns:a="http://schemas.openxmlformats.org/drawingml/2006/main" xmlns:r="http://schemas.openxmlformats.org/officeDocument/2006/relationships" xmlns:p="http://schemas.openxmlformats.org/presentationml/2006/main">
+  <p:cSld>
+    <p:spTree>
+      <p:nvGrpSpPr>
+        <p:cNvPr id="1" name=""/>
+        <p:cNvGrpSpPr/>
+        <p:nvPr/>
+      </p:nvGrpSpPr>
+      <p:grpSpPr>
+        <a:xfrm>
+          <a:off x="0" y="0"/>
+          <a:ext cx="0" cy="0"/>
+          <a:chOff x="0" y="0"/>
+          <a:chExt cx="0" cy="0"/>
+        </a:xfrm>
+      </p:grpSpPr>
+      <p:sp>
+        <p:nvSpPr>
           <p:cNvPr id="2" name="Date Placeholder 1">
             <a:extLst>
               <a:ext uri="{FF2B5EF4-FFF2-40B4-BE49-F238E27FC236}">
@@ -4511,7 +6452,7 @@
           <a:p>
             <a:fld id="{93488A89-FB29-4065-BFA1-D3292247443E}" type="datetime1">
               <a:rPr lang="en-US" smtClean="0"/>
-              <a:t>3/30/2024</a:t>
+              <a:t>4/10/2024</a:t>
             </a:fld>
             <a:endParaRPr lang="en-US"/>
           </a:p>
@@ -4568,7 +6509,7 @@
           <a:p>
             <a:fld id="{A7317B02-F301-4794-AD40-E8EE819BB4A2}" type="slidenum">
               <a:rPr lang="en-US" smtClean="0"/>
-              <a:t>13</a:t>
+              <a:t>20</a:t>
             </a:fld>
             <a:endParaRPr lang="en-US"/>
           </a:p>
@@ -4647,7 +6588,7 @@
 </p:sld>
 </file>
 
-<file path=ppt/slides/slide14.xml><?xml version="1.0" encoding="utf-8"?>
+<file path=ppt/slides/slide21.xml><?xml version="1.0" encoding="utf-8"?>
 <p:sld xmlns:a="http://schemas.openxmlformats.org/drawingml/2006/main" xmlns:r="http://schemas.openxmlformats.org/officeDocument/2006/relationships" xmlns:p="http://schemas.openxmlformats.org/presentationml/2006/main">
   <p:cSld>
     <p:spTree>
@@ -4687,7 +6628,7 @@
           <a:p>
             <a:fld id="{93488A89-FB29-4065-BFA1-D3292247443E}" type="datetime1">
               <a:rPr lang="en-US" smtClean="0"/>
-              <a:t>3/31/2024</a:t>
+              <a:t>4/10/2024</a:t>
             </a:fld>
             <a:endParaRPr lang="en-US"/>
           </a:p>
@@ -4744,7 +6685,7 @@
           <a:p>
             <a:fld id="{A7317B02-F301-4794-AD40-E8EE819BB4A2}" type="slidenum">
               <a:rPr lang="en-US" smtClean="0"/>
-              <a:t>14</a:t>
+              <a:t>21</a:t>
             </a:fld>
             <a:endParaRPr lang="en-US"/>
           </a:p>
@@ -4823,7 +6764,7 @@
 </p:sld>
 </file>
 
-<file path=ppt/slides/slide2.xml><?xml version="1.0" encoding="utf-8"?>
+<file path=ppt/slides/slide3.xml><?xml version="1.0" encoding="utf-8"?>
 <p:sld xmlns:a="http://schemas.openxmlformats.org/drawingml/2006/main" xmlns:r="http://schemas.openxmlformats.org/officeDocument/2006/relationships" xmlns:p="http://schemas.openxmlformats.org/presentationml/2006/main">
   <p:cSld>
     <p:spTree>
@@ -4842,34 +6783,6 @@
       </p:grpSpPr>
       <p:sp>
         <p:nvSpPr>
-          <p:cNvPr id="2" name="Title 1">
-            <a:extLst>
-              <a:ext uri="{FF2B5EF4-FFF2-40B4-BE49-F238E27FC236}">
-                <a16:creationId xmlns:a16="http://schemas.microsoft.com/office/drawing/2014/main" id="{37FE156E-53FA-6306-F162-5A40D3306907}"/>
-              </a:ext>
-            </a:extLst>
-          </p:cNvPr>
-          <p:cNvSpPr>
-            <a:spLocks noGrp="1"/>
-          </p:cNvSpPr>
-          <p:nvPr>
-            <p:ph type="title"/>
-          </p:nvPr>
-        </p:nvSpPr>
-        <p:spPr/>
-        <p:txBody>
-          <a:bodyPr/>
-          <a:lstStyle/>
-          <a:p>
-            <a:r>
-              <a:rPr lang="en-US" dirty="0"/>
-              <a:t>Temperature sweep</a:t>
-            </a:r>
-          </a:p>
-        </p:txBody>
-      </p:sp>
-      <p:sp>
-        <p:nvSpPr>
           <p:cNvPr id="3" name="Date Placeholder 2">
             <a:extLst>
               <a:ext uri="{FF2B5EF4-FFF2-40B4-BE49-F238E27FC236}">
@@ -4891,7 +6804,7 @@
           <a:p>
             <a:fld id="{271525A6-AB2C-4381-9F5E-305438172ED9}" type="datetime1">
               <a:rPr lang="en-US" smtClean="0"/>
-              <a:t>3/30/2024</a:t>
+              <a:t>4/10/2024</a:t>
             </a:fld>
             <a:endParaRPr lang="en-US"/>
           </a:p>
@@ -4948,7 +6861,7 @@
           <a:p>
             <a:fld id="{A7317B02-F301-4794-AD40-E8EE819BB4A2}" type="slidenum">
               <a:rPr lang="en-US" smtClean="0"/>
-              <a:t>2</a:t>
+              <a:t>3</a:t>
             </a:fld>
             <a:endParaRPr lang="en-US"/>
           </a:p>
@@ -4968,8 +6881,8 @@
         </p:nvSpPr>
         <p:spPr>
           <a:xfrm>
-            <a:off x="5873423" y="835833"/>
-            <a:ext cx="6992126" cy="369332"/>
+            <a:off x="1184650" y="2104416"/>
+            <a:ext cx="2968302" cy="646331"/>
           </a:xfrm>
           <a:prstGeom prst="rect">
             <a:avLst/>
@@ -5043,8 +6956,8 @@
         </p:blipFill>
         <p:spPr>
           <a:xfrm>
-            <a:off x="4440957" y="3871167"/>
-            <a:ext cx="2801337" cy="2165740"/>
+            <a:off x="7752571" y="3727345"/>
+            <a:ext cx="2968302" cy="2294822"/>
           </a:xfrm>
           <a:prstGeom prst="rect">
             <a:avLst/>
@@ -5053,10 +6966,10 @@
       </p:pic>
       <p:pic>
         <p:nvPicPr>
-          <p:cNvPr id="12" name="Picture 11">
-            <a:extLst>
-              <a:ext uri="{FF2B5EF4-FFF2-40B4-BE49-F238E27FC236}">
-                <a16:creationId xmlns:a16="http://schemas.microsoft.com/office/drawing/2014/main" id="{67E38547-FFC8-656B-6847-F90C52409CA9}"/>
+          <p:cNvPr id="13" name="Picture 12">
+            <a:extLst>
+              <a:ext uri="{FF2B5EF4-FFF2-40B4-BE49-F238E27FC236}">
+                <a16:creationId xmlns:a16="http://schemas.microsoft.com/office/drawing/2014/main" id="{119B74A7-F9D0-6C95-8B0A-167F453F2EEA}"/>
               </a:ext>
             </a:extLst>
           </p:cNvPr>
@@ -5073,8 +6986,8 @@
         </p:blipFill>
         <p:spPr>
           <a:xfrm>
-            <a:off x="7463015" y="3856428"/>
-            <a:ext cx="2801337" cy="2165739"/>
+            <a:off x="4730513" y="3742084"/>
+            <a:ext cx="2968302" cy="2294822"/>
           </a:xfrm>
           <a:prstGeom prst="rect">
             <a:avLst/>
@@ -5083,10 +6996,10 @@
       </p:pic>
       <p:pic>
         <p:nvPicPr>
-          <p:cNvPr id="13" name="Picture 12">
-            <a:extLst>
-              <a:ext uri="{FF2B5EF4-FFF2-40B4-BE49-F238E27FC236}">
-                <a16:creationId xmlns:a16="http://schemas.microsoft.com/office/drawing/2014/main" id="{119B74A7-F9D0-6C95-8B0A-167F453F2EEA}"/>
+          <p:cNvPr id="14" name="Picture 13">
+            <a:extLst>
+              <a:ext uri="{FF2B5EF4-FFF2-40B4-BE49-F238E27FC236}">
+                <a16:creationId xmlns:a16="http://schemas.microsoft.com/office/drawing/2014/main" id="{10412C5A-9AD4-C06C-47B1-CCEF8E866254}"/>
               </a:ext>
             </a:extLst>
           </p:cNvPr>
@@ -5103,8 +7016,8 @@
         </p:blipFill>
         <p:spPr>
           <a:xfrm>
-            <a:off x="1418899" y="3871167"/>
-            <a:ext cx="2801337" cy="2165740"/>
+            <a:off x="7751953" y="1432523"/>
+            <a:ext cx="2968302" cy="2294822"/>
           </a:xfrm>
           <a:prstGeom prst="rect">
             <a:avLst/>
@@ -5113,10 +7026,10 @@
       </p:pic>
       <p:pic>
         <p:nvPicPr>
-          <p:cNvPr id="14" name="Picture 13">
-            <a:extLst>
-              <a:ext uri="{FF2B5EF4-FFF2-40B4-BE49-F238E27FC236}">
-                <a16:creationId xmlns:a16="http://schemas.microsoft.com/office/drawing/2014/main" id="{10412C5A-9AD4-C06C-47B1-CCEF8E866254}"/>
+          <p:cNvPr id="15" name="Picture 14">
+            <a:extLst>
+              <a:ext uri="{FF2B5EF4-FFF2-40B4-BE49-F238E27FC236}">
+                <a16:creationId xmlns:a16="http://schemas.microsoft.com/office/drawing/2014/main" id="{1999FB60-D1C9-D303-C949-AEBB9A835E98}"/>
               </a:ext>
             </a:extLst>
           </p:cNvPr>
@@ -5133,8 +7046,8 @@
         </p:blipFill>
         <p:spPr>
           <a:xfrm>
-            <a:off x="7461777" y="1705427"/>
-            <a:ext cx="2801337" cy="2165740"/>
+            <a:off x="1709073" y="3742084"/>
+            <a:ext cx="2968302" cy="2294822"/>
           </a:xfrm>
           <a:prstGeom prst="rect">
             <a:avLst/>
@@ -5143,10 +7056,10 @@
       </p:pic>
       <p:pic>
         <p:nvPicPr>
-          <p:cNvPr id="15" name="Picture 14">
-            <a:extLst>
-              <a:ext uri="{FF2B5EF4-FFF2-40B4-BE49-F238E27FC236}">
-                <a16:creationId xmlns:a16="http://schemas.microsoft.com/office/drawing/2014/main" id="{1999FB60-D1C9-D303-C949-AEBB9A835E98}"/>
+          <p:cNvPr id="9" name="Picture 8">
+            <a:extLst>
+              <a:ext uri="{FF2B5EF4-FFF2-40B4-BE49-F238E27FC236}">
+                <a16:creationId xmlns:a16="http://schemas.microsoft.com/office/drawing/2014/main" id="{E443945A-8B0F-3E38-2740-B31430DD5B9A}"/>
               </a:ext>
             </a:extLst>
           </p:cNvPr>
@@ -5163,38 +7076,8 @@
         </p:blipFill>
         <p:spPr>
           <a:xfrm>
-            <a:off x="4440338" y="1690688"/>
-            <a:ext cx="2801337" cy="2165740"/>
-          </a:xfrm>
-          <a:prstGeom prst="rect">
-            <a:avLst/>
-          </a:prstGeom>
-        </p:spPr>
-      </p:pic>
-      <p:pic>
-        <p:nvPicPr>
-          <p:cNvPr id="9" name="Picture 8">
-            <a:extLst>
-              <a:ext uri="{FF2B5EF4-FFF2-40B4-BE49-F238E27FC236}">
-                <a16:creationId xmlns:a16="http://schemas.microsoft.com/office/drawing/2014/main" id="{E443945A-8B0F-3E38-2740-B31430DD5B9A}"/>
-              </a:ext>
-            </a:extLst>
-          </p:cNvPr>
-          <p:cNvPicPr>
-            <a:picLocks noChangeAspect="1"/>
-          </p:cNvPicPr>
-          <p:nvPr/>
-        </p:nvPicPr>
-        <p:blipFill>
-          <a:blip r:embed="rId7"/>
-          <a:stretch>
-            <a:fillRect/>
-          </a:stretch>
-        </p:blipFill>
-        <p:spPr>
-          <a:xfrm>
-            <a:off x="1418898" y="1705427"/>
-            <a:ext cx="2801338" cy="2165740"/>
+            <a:off x="4730513" y="1432523"/>
+            <a:ext cx="2968303" cy="2294822"/>
           </a:xfrm>
           <a:prstGeom prst="rect">
             <a:avLst/>
@@ -5214,7 +7097,613 @@
 </p:sld>
 </file>
 
-<file path=ppt/slides/slide3.xml><?xml version="1.0" encoding="utf-8"?>
+<file path=ppt/slides/slide4.xml><?xml version="1.0" encoding="utf-8"?>
+<p:sld xmlns:a="http://schemas.openxmlformats.org/drawingml/2006/main" xmlns:r="http://schemas.openxmlformats.org/officeDocument/2006/relationships" xmlns:p="http://schemas.openxmlformats.org/presentationml/2006/main">
+  <p:cSld>
+    <p:spTree>
+      <p:nvGrpSpPr>
+        <p:cNvPr id="1" name=""/>
+        <p:cNvGrpSpPr/>
+        <p:nvPr/>
+      </p:nvGrpSpPr>
+      <p:grpSpPr>
+        <a:xfrm>
+          <a:off x="0" y="0"/>
+          <a:ext cx="0" cy="0"/>
+          <a:chOff x="0" y="0"/>
+          <a:chExt cx="0" cy="0"/>
+        </a:xfrm>
+      </p:grpSpPr>
+      <p:sp>
+        <p:nvSpPr>
+          <p:cNvPr id="2" name="Date Placeholder 1">
+            <a:extLst>
+              <a:ext uri="{FF2B5EF4-FFF2-40B4-BE49-F238E27FC236}">
+                <a16:creationId xmlns:a16="http://schemas.microsoft.com/office/drawing/2014/main" id="{FFE2B89A-CDBC-513B-3BF2-B8A56E88E50C}"/>
+              </a:ext>
+            </a:extLst>
+          </p:cNvPr>
+          <p:cNvSpPr>
+            <a:spLocks noGrp="1"/>
+          </p:cNvSpPr>
+          <p:nvPr>
+            <p:ph type="dt" sz="half" idx="10"/>
+          </p:nvPr>
+        </p:nvSpPr>
+        <p:spPr/>
+        <p:txBody>
+          <a:bodyPr/>
+          <a:lstStyle/>
+          <a:p>
+            <a:fld id="{93488A89-FB29-4065-BFA1-D3292247443E}" type="datetime1">
+              <a:rPr lang="en-US" smtClean="0"/>
+              <a:t>4/10/2024</a:t>
+            </a:fld>
+            <a:endParaRPr lang="en-US"/>
+          </a:p>
+        </p:txBody>
+      </p:sp>
+      <p:sp>
+        <p:nvSpPr>
+          <p:cNvPr id="3" name="Footer Placeholder 2">
+            <a:extLst>
+              <a:ext uri="{FF2B5EF4-FFF2-40B4-BE49-F238E27FC236}">
+                <a16:creationId xmlns:a16="http://schemas.microsoft.com/office/drawing/2014/main" id="{568B22CE-C8DD-D3B2-C45E-24D8DF5ACDF7}"/>
+              </a:ext>
+            </a:extLst>
+          </p:cNvPr>
+          <p:cNvSpPr>
+            <a:spLocks noGrp="1"/>
+          </p:cNvSpPr>
+          <p:nvPr>
+            <p:ph type="ftr" sz="quarter" idx="11"/>
+          </p:nvPr>
+        </p:nvSpPr>
+        <p:spPr/>
+        <p:txBody>
+          <a:bodyPr/>
+          <a:lstStyle/>
+          <a:p>
+            <a:r>
+              <a:rPr lang="en-US"/>
+              <a:t>Quantum MCMC Semester Project</a:t>
+            </a:r>
+          </a:p>
+        </p:txBody>
+      </p:sp>
+      <p:sp>
+        <p:nvSpPr>
+          <p:cNvPr id="4" name="Slide Number Placeholder 3">
+            <a:extLst>
+              <a:ext uri="{FF2B5EF4-FFF2-40B4-BE49-F238E27FC236}">
+                <a16:creationId xmlns:a16="http://schemas.microsoft.com/office/drawing/2014/main" id="{5C0F182C-9A68-ED11-7B79-B56A46F21885}"/>
+              </a:ext>
+            </a:extLst>
+          </p:cNvPr>
+          <p:cNvSpPr>
+            <a:spLocks noGrp="1"/>
+          </p:cNvSpPr>
+          <p:nvPr>
+            <p:ph type="sldNum" sz="quarter" idx="12"/>
+          </p:nvPr>
+        </p:nvSpPr>
+        <p:spPr/>
+        <p:txBody>
+          <a:bodyPr/>
+          <a:lstStyle/>
+          <a:p>
+            <a:fld id="{A7317B02-F301-4794-AD40-E8EE819BB4A2}" type="slidenum">
+              <a:rPr lang="en-US" smtClean="0"/>
+              <a:t>4</a:t>
+            </a:fld>
+            <a:endParaRPr lang="en-US"/>
+          </a:p>
+        </p:txBody>
+      </p:sp>
+      <p:pic>
+        <p:nvPicPr>
+          <p:cNvPr id="6" name="Picture 5">
+            <a:extLst>
+              <a:ext uri="{FF2B5EF4-FFF2-40B4-BE49-F238E27FC236}">
+                <a16:creationId xmlns:a16="http://schemas.microsoft.com/office/drawing/2014/main" id="{872A5F81-AD0E-4AD6-AFEA-03B79AA5719E}"/>
+              </a:ext>
+            </a:extLst>
+          </p:cNvPr>
+          <p:cNvPicPr>
+            <a:picLocks noChangeAspect="1"/>
+          </p:cNvPicPr>
+          <p:nvPr/>
+        </p:nvPicPr>
+        <p:blipFill>
+          <a:blip r:embed="rId2"/>
+          <a:stretch>
+            <a:fillRect/>
+          </a:stretch>
+        </p:blipFill>
+        <p:spPr>
+          <a:xfrm>
+            <a:off x="1262710" y="1382860"/>
+            <a:ext cx="9884118" cy="4582812"/>
+          </a:xfrm>
+          <a:prstGeom prst="rect">
+            <a:avLst/>
+          </a:prstGeom>
+        </p:spPr>
+      </p:pic>
+    </p:spTree>
+    <p:extLst>
+      <p:ext uri="{BB962C8B-B14F-4D97-AF65-F5344CB8AC3E}">
+        <p14:creationId xmlns:p14="http://schemas.microsoft.com/office/powerpoint/2010/main" val="2854803973"/>
+      </p:ext>
+    </p:extLst>
+  </p:cSld>
+  <p:clrMapOvr>
+    <a:masterClrMapping/>
+  </p:clrMapOvr>
+</p:sld>
+</file>
+
+<file path=ppt/slides/slide5.xml><?xml version="1.0" encoding="utf-8"?>
+<p:sld xmlns:a="http://schemas.openxmlformats.org/drawingml/2006/main" xmlns:r="http://schemas.openxmlformats.org/officeDocument/2006/relationships" xmlns:p="http://schemas.openxmlformats.org/presentationml/2006/main">
+  <p:cSld>
+    <p:spTree>
+      <p:nvGrpSpPr>
+        <p:cNvPr id="1" name=""/>
+        <p:cNvGrpSpPr/>
+        <p:nvPr/>
+      </p:nvGrpSpPr>
+      <p:grpSpPr>
+        <a:xfrm>
+          <a:off x="0" y="0"/>
+          <a:ext cx="0" cy="0"/>
+          <a:chOff x="0" y="0"/>
+          <a:chExt cx="0" cy="0"/>
+        </a:xfrm>
+      </p:grpSpPr>
+      <p:sp>
+        <p:nvSpPr>
+          <p:cNvPr id="3" name="Date Placeholder 2">
+            <a:extLst>
+              <a:ext uri="{FF2B5EF4-FFF2-40B4-BE49-F238E27FC236}">
+                <a16:creationId xmlns:a16="http://schemas.microsoft.com/office/drawing/2014/main" id="{44430965-378C-85C6-7AF3-79BECAADC075}"/>
+              </a:ext>
+            </a:extLst>
+          </p:cNvPr>
+          <p:cNvSpPr>
+            <a:spLocks noGrp="1"/>
+          </p:cNvSpPr>
+          <p:nvPr>
+            <p:ph type="dt" sz="half" idx="10"/>
+          </p:nvPr>
+        </p:nvSpPr>
+        <p:spPr/>
+        <p:txBody>
+          <a:bodyPr/>
+          <a:lstStyle/>
+          <a:p>
+            <a:fld id="{271525A6-AB2C-4381-9F5E-305438172ED9}" type="datetime1">
+              <a:rPr lang="en-US" smtClean="0"/>
+              <a:t>4/10/2024</a:t>
+            </a:fld>
+            <a:endParaRPr lang="en-US"/>
+          </a:p>
+        </p:txBody>
+      </p:sp>
+      <p:sp>
+        <p:nvSpPr>
+          <p:cNvPr id="4" name="Footer Placeholder 3">
+            <a:extLst>
+              <a:ext uri="{FF2B5EF4-FFF2-40B4-BE49-F238E27FC236}">
+                <a16:creationId xmlns:a16="http://schemas.microsoft.com/office/drawing/2014/main" id="{139F6E11-922C-D1D0-B159-ADC943F3BB8E}"/>
+              </a:ext>
+            </a:extLst>
+          </p:cNvPr>
+          <p:cNvSpPr>
+            <a:spLocks noGrp="1"/>
+          </p:cNvSpPr>
+          <p:nvPr>
+            <p:ph type="ftr" sz="quarter" idx="11"/>
+          </p:nvPr>
+        </p:nvSpPr>
+        <p:spPr/>
+        <p:txBody>
+          <a:bodyPr/>
+          <a:lstStyle/>
+          <a:p>
+            <a:r>
+              <a:rPr lang="en-US"/>
+              <a:t>Quantum MCMC Semester Project</a:t>
+            </a:r>
+          </a:p>
+        </p:txBody>
+      </p:sp>
+      <p:sp>
+        <p:nvSpPr>
+          <p:cNvPr id="5" name="Slide Number Placeholder 4">
+            <a:extLst>
+              <a:ext uri="{FF2B5EF4-FFF2-40B4-BE49-F238E27FC236}">
+                <a16:creationId xmlns:a16="http://schemas.microsoft.com/office/drawing/2014/main" id="{46688A41-D68E-ABA3-320A-F8CE59938CF2}"/>
+              </a:ext>
+            </a:extLst>
+          </p:cNvPr>
+          <p:cNvSpPr>
+            <a:spLocks noGrp="1"/>
+          </p:cNvSpPr>
+          <p:nvPr>
+            <p:ph type="sldNum" sz="quarter" idx="12"/>
+          </p:nvPr>
+        </p:nvSpPr>
+        <p:spPr/>
+        <p:txBody>
+          <a:bodyPr/>
+          <a:lstStyle/>
+          <a:p>
+            <a:fld id="{A7317B02-F301-4794-AD40-E8EE819BB4A2}" type="slidenum">
+              <a:rPr lang="en-US" smtClean="0"/>
+              <a:t>5</a:t>
+            </a:fld>
+            <a:endParaRPr lang="en-US"/>
+          </a:p>
+        </p:txBody>
+      </p:sp>
+      <p:sp>
+        <p:nvSpPr>
+          <p:cNvPr id="10" name="Title 1">
+            <a:extLst>
+              <a:ext uri="{FF2B5EF4-FFF2-40B4-BE49-F238E27FC236}">
+                <a16:creationId xmlns:a16="http://schemas.microsoft.com/office/drawing/2014/main" id="{B1624B35-1369-FF42-52B5-25B6EC9BFE86}"/>
+              </a:ext>
+            </a:extLst>
+          </p:cNvPr>
+          <p:cNvSpPr>
+            <a:spLocks noGrp="1"/>
+          </p:cNvSpPr>
+          <p:nvPr>
+            <p:ph type="title"/>
+          </p:nvPr>
+        </p:nvSpPr>
+        <p:spPr>
+          <a:xfrm>
+            <a:off x="838200" y="402447"/>
+            <a:ext cx="10515600" cy="1325563"/>
+          </a:xfrm>
+        </p:spPr>
+        <p:txBody>
+          <a:bodyPr/>
+          <a:lstStyle/>
+          <a:p>
+            <a:r>
+              <a:rPr lang="en-US" dirty="0"/>
+              <a:t>Grid search over </a:t>
+            </a:r>
+            <a:r>
+              <a:rPr lang="el-GR" i="1" dirty="0">
+                <a:solidFill>
+                  <a:srgbClr val="1F1F1F"/>
+                </a:solidFill>
+                <a:effectLst/>
+                <a:highlight>
+                  <a:srgbClr val="FFFFFF"/>
+                </a:highlight>
+                <a:latin typeface="Google Sans"/>
+              </a:rPr>
+              <a:t>γ</a:t>
+            </a:r>
+            <a:r>
+              <a:rPr lang="en-US" dirty="0"/>
+              <a:t> and </a:t>
+            </a:r>
+            <a:r>
+              <a:rPr lang="en-US" b="1" i="1" dirty="0"/>
+              <a:t>t</a:t>
+            </a:r>
+          </a:p>
+        </p:txBody>
+      </p:sp>
+    </p:spTree>
+    <p:extLst>
+      <p:ext uri="{BB962C8B-B14F-4D97-AF65-F5344CB8AC3E}">
+        <p14:creationId xmlns:p14="http://schemas.microsoft.com/office/powerpoint/2010/main" val="2825988044"/>
+      </p:ext>
+    </p:extLst>
+  </p:cSld>
+  <p:clrMapOvr>
+    <a:masterClrMapping/>
+  </p:clrMapOvr>
+</p:sld>
+</file>
+
+<file path=ppt/slides/slide6.xml><?xml version="1.0" encoding="utf-8"?>
+<p:sld xmlns:a="http://schemas.openxmlformats.org/drawingml/2006/main" xmlns:r="http://schemas.openxmlformats.org/officeDocument/2006/relationships" xmlns:p="http://schemas.openxmlformats.org/presentationml/2006/main">
+  <p:cSld>
+    <p:spTree>
+      <p:nvGrpSpPr>
+        <p:cNvPr id="1" name=""/>
+        <p:cNvGrpSpPr/>
+        <p:nvPr/>
+      </p:nvGrpSpPr>
+      <p:grpSpPr>
+        <a:xfrm>
+          <a:off x="0" y="0"/>
+          <a:ext cx="0" cy="0"/>
+          <a:chOff x="0" y="0"/>
+          <a:chExt cx="0" cy="0"/>
+        </a:xfrm>
+      </p:grpSpPr>
+      <p:pic>
+        <p:nvPicPr>
+          <p:cNvPr id="21" name="Picture 20">
+            <a:extLst>
+              <a:ext uri="{FF2B5EF4-FFF2-40B4-BE49-F238E27FC236}">
+                <a16:creationId xmlns:a16="http://schemas.microsoft.com/office/drawing/2014/main" id="{E6EB620E-5154-08E2-26AC-32C0CB711ABC}"/>
+              </a:ext>
+            </a:extLst>
+          </p:cNvPr>
+          <p:cNvPicPr>
+            <a:picLocks noChangeAspect="1"/>
+          </p:cNvPicPr>
+          <p:nvPr/>
+        </p:nvPicPr>
+        <p:blipFill>
+          <a:blip r:embed="rId2"/>
+          <a:stretch>
+            <a:fillRect/>
+          </a:stretch>
+        </p:blipFill>
+        <p:spPr>
+          <a:xfrm>
+            <a:off x="3074370" y="4101709"/>
+            <a:ext cx="4731978" cy="2142910"/>
+          </a:xfrm>
+          <a:prstGeom prst="rect">
+            <a:avLst/>
+          </a:prstGeom>
+        </p:spPr>
+      </p:pic>
+      <p:sp>
+        <p:nvSpPr>
+          <p:cNvPr id="2" name="Date Placeholder 1">
+            <a:extLst>
+              <a:ext uri="{FF2B5EF4-FFF2-40B4-BE49-F238E27FC236}">
+                <a16:creationId xmlns:a16="http://schemas.microsoft.com/office/drawing/2014/main" id="{9BAC6E56-4D29-FEEE-3E31-36F9DB9EF1E3}"/>
+              </a:ext>
+            </a:extLst>
+          </p:cNvPr>
+          <p:cNvSpPr>
+            <a:spLocks noGrp="1"/>
+          </p:cNvSpPr>
+          <p:nvPr>
+            <p:ph type="dt" sz="half" idx="10"/>
+          </p:nvPr>
+        </p:nvSpPr>
+        <p:spPr/>
+        <p:txBody>
+          <a:bodyPr/>
+          <a:lstStyle/>
+          <a:p>
+            <a:fld id="{93488A89-FB29-4065-BFA1-D3292247443E}" type="datetime1">
+              <a:rPr lang="en-US" smtClean="0"/>
+              <a:t>4/10/2024</a:t>
+            </a:fld>
+            <a:endParaRPr lang="en-US"/>
+          </a:p>
+        </p:txBody>
+      </p:sp>
+      <p:sp>
+        <p:nvSpPr>
+          <p:cNvPr id="3" name="Footer Placeholder 2">
+            <a:extLst>
+              <a:ext uri="{FF2B5EF4-FFF2-40B4-BE49-F238E27FC236}">
+                <a16:creationId xmlns:a16="http://schemas.microsoft.com/office/drawing/2014/main" id="{E0790C0C-95A4-5DDA-47CF-3941D4F2A2A9}"/>
+              </a:ext>
+            </a:extLst>
+          </p:cNvPr>
+          <p:cNvSpPr>
+            <a:spLocks noGrp="1"/>
+          </p:cNvSpPr>
+          <p:nvPr>
+            <p:ph type="ftr" sz="quarter" idx="11"/>
+          </p:nvPr>
+        </p:nvSpPr>
+        <p:spPr/>
+        <p:txBody>
+          <a:bodyPr/>
+          <a:lstStyle/>
+          <a:p>
+            <a:r>
+              <a:rPr lang="en-US"/>
+              <a:t>Quantum MCMC Semester Project</a:t>
+            </a:r>
+          </a:p>
+        </p:txBody>
+      </p:sp>
+      <p:sp>
+        <p:nvSpPr>
+          <p:cNvPr id="4" name="Slide Number Placeholder 3">
+            <a:extLst>
+              <a:ext uri="{FF2B5EF4-FFF2-40B4-BE49-F238E27FC236}">
+                <a16:creationId xmlns:a16="http://schemas.microsoft.com/office/drawing/2014/main" id="{ACBBA8CF-C192-8A70-B6B8-A8E931D3BC85}"/>
+              </a:ext>
+            </a:extLst>
+          </p:cNvPr>
+          <p:cNvSpPr>
+            <a:spLocks noGrp="1"/>
+          </p:cNvSpPr>
+          <p:nvPr>
+            <p:ph type="sldNum" sz="quarter" idx="12"/>
+          </p:nvPr>
+        </p:nvSpPr>
+        <p:spPr/>
+        <p:txBody>
+          <a:bodyPr/>
+          <a:lstStyle/>
+          <a:p>
+            <a:fld id="{A7317B02-F301-4794-AD40-E8EE819BB4A2}" type="slidenum">
+              <a:rPr lang="en-US" smtClean="0"/>
+              <a:t>6</a:t>
+            </a:fld>
+            <a:endParaRPr lang="en-US"/>
+          </a:p>
+        </p:txBody>
+      </p:sp>
+      <p:pic>
+        <p:nvPicPr>
+          <p:cNvPr id="6" name="Picture 5">
+            <a:extLst>
+              <a:ext uri="{FF2B5EF4-FFF2-40B4-BE49-F238E27FC236}">
+                <a16:creationId xmlns:a16="http://schemas.microsoft.com/office/drawing/2014/main" id="{646ABE63-A617-AFF9-0E5D-63379AC5BE06}"/>
+              </a:ext>
+            </a:extLst>
+          </p:cNvPr>
+          <p:cNvPicPr>
+            <a:picLocks noChangeAspect="1"/>
+          </p:cNvPicPr>
+          <p:nvPr/>
+        </p:nvPicPr>
+        <p:blipFill>
+          <a:blip r:embed="rId3"/>
+          <a:stretch>
+            <a:fillRect/>
+          </a:stretch>
+        </p:blipFill>
+        <p:spPr>
+          <a:xfrm>
+            <a:off x="3074370" y="1206865"/>
+            <a:ext cx="5767758" cy="2894844"/>
+          </a:xfrm>
+          <a:prstGeom prst="rect">
+            <a:avLst/>
+          </a:prstGeom>
+        </p:spPr>
+      </p:pic>
+      <p:sp>
+        <p:nvSpPr>
+          <p:cNvPr id="7" name="TextBox 6">
+            <a:extLst>
+              <a:ext uri="{FF2B5EF4-FFF2-40B4-BE49-F238E27FC236}">
+                <a16:creationId xmlns:a16="http://schemas.microsoft.com/office/drawing/2014/main" id="{4051E3FD-1B79-C81B-30ED-A16BD25EE1A3}"/>
+              </a:ext>
+            </a:extLst>
+          </p:cNvPr>
+          <p:cNvSpPr txBox="1"/>
+          <p:nvPr/>
+        </p:nvSpPr>
+        <p:spPr>
+          <a:xfrm>
+            <a:off x="707402" y="459092"/>
+            <a:ext cx="6121220" cy="369332"/>
+          </a:xfrm>
+          <a:prstGeom prst="rect">
+            <a:avLst/>
+          </a:prstGeom>
+          <a:noFill/>
+        </p:spPr>
+        <p:txBody>
+          <a:bodyPr wrap="square" rtlCol="0">
+            <a:spAutoFit/>
+          </a:bodyPr>
+          <a:lstStyle/>
+          <a:p>
+            <a:r>
+              <a:rPr lang="en-US" dirty="0"/>
+              <a:t>Single random </a:t>
+            </a:r>
+            <a:r>
+              <a:rPr lang="en-US" dirty="0" err="1"/>
+              <a:t>Ising</a:t>
+            </a:r>
+            <a:r>
+              <a:rPr lang="en-US" dirty="0"/>
+              <a:t> instances: h</a:t>
+            </a:r>
+            <a:r>
+              <a:rPr lang="en-US" baseline="-25000" dirty="0"/>
+              <a:t>i</a:t>
+            </a:r>
+            <a:r>
+              <a:rPr lang="en-US" dirty="0"/>
+              <a:t>,</a:t>
+            </a:r>
+            <a:r>
+              <a:rPr lang="en-US" baseline="-25000" dirty="0"/>
+              <a:t> </a:t>
+            </a:r>
+            <a:r>
+              <a:rPr lang="en-US" dirty="0" err="1"/>
+              <a:t>J</a:t>
+            </a:r>
+            <a:r>
+              <a:rPr lang="en-US" baseline="-25000" dirty="0" err="1"/>
+              <a:t>ij</a:t>
+            </a:r>
+            <a:r>
+              <a:rPr lang="en-US" dirty="0"/>
+              <a:t> ~ N(0,1) </a:t>
+            </a:r>
+          </a:p>
+        </p:txBody>
+      </p:sp>
+      <p:cxnSp>
+        <p:nvCxnSpPr>
+          <p:cNvPr id="11" name="Straight Connector 10">
+            <a:extLst>
+              <a:ext uri="{FF2B5EF4-FFF2-40B4-BE49-F238E27FC236}">
+                <a16:creationId xmlns:a16="http://schemas.microsoft.com/office/drawing/2014/main" id="{E28248D3-0A62-47EC-90FB-37C244F3362A}"/>
+              </a:ext>
+            </a:extLst>
+          </p:cNvPr>
+          <p:cNvCxnSpPr>
+            <a:cxnSpLocks/>
+          </p:cNvCxnSpPr>
+          <p:nvPr/>
+        </p:nvCxnSpPr>
+        <p:spPr>
+          <a:xfrm>
+            <a:off x="3890617" y="1594416"/>
+            <a:ext cx="0" cy="2713664"/>
+          </a:xfrm>
+          <a:prstGeom prst="line">
+            <a:avLst/>
+          </a:prstGeom>
+          <a:ln w="38100" cap="flat" cmpd="sng" algn="ctr">
+            <a:solidFill>
+              <a:srgbClr val="FF0000"/>
+            </a:solidFill>
+            <a:prstDash val="solid"/>
+            <a:round/>
+            <a:headEnd type="none" w="med" len="med"/>
+            <a:tailEnd type="arrow" w="med" len="med"/>
+          </a:ln>
+        </p:spPr>
+        <p:style>
+          <a:lnRef idx="0">
+            <a:scrgbClr r="0" g="0" b="0"/>
+          </a:lnRef>
+          <a:fillRef idx="0">
+            <a:scrgbClr r="0" g="0" b="0"/>
+          </a:fillRef>
+          <a:effectRef idx="0">
+            <a:scrgbClr r="0" g="0" b="0"/>
+          </a:effectRef>
+          <a:fontRef idx="minor">
+            <a:schemeClr val="tx1"/>
+          </a:fontRef>
+        </p:style>
+      </p:cxnSp>
+    </p:spTree>
+    <p:extLst>
+      <p:ext uri="{BB962C8B-B14F-4D97-AF65-F5344CB8AC3E}">
+        <p14:creationId xmlns:p14="http://schemas.microsoft.com/office/powerpoint/2010/main" val="3967906940"/>
+      </p:ext>
+    </p:extLst>
+  </p:cSld>
+  <p:clrMapOvr>
+    <a:masterClrMapping/>
+  </p:clrMapOvr>
+</p:sld>
+</file>
+
+<file path=ppt/slides/slide7.xml><?xml version="1.0" encoding="utf-8"?>
 <p:sld xmlns:a="http://schemas.openxmlformats.org/drawingml/2006/main" xmlns:r="http://schemas.openxmlformats.org/officeDocument/2006/relationships" xmlns:p="http://schemas.openxmlformats.org/presentationml/2006/main">
   <p:cSld>
     <p:spTree>
@@ -5252,7 +7741,7 @@
         </p:blipFill>
         <p:spPr>
           <a:xfrm>
-            <a:off x="1036804" y="3293815"/>
+            <a:off x="1036804" y="3013895"/>
             <a:ext cx="3244407" cy="2689304"/>
           </a:xfrm>
           <a:prstGeom prst="rect">
@@ -5282,7 +7771,7 @@
         </p:blipFill>
         <p:spPr>
           <a:xfrm>
-            <a:off x="4449335" y="1595028"/>
+            <a:off x="4449335" y="1315108"/>
             <a:ext cx="6769408" cy="3397574"/>
           </a:xfrm>
           <a:prstGeom prst="rect">
@@ -5292,55 +7781,6 @@
       </p:pic>
       <p:sp>
         <p:nvSpPr>
-          <p:cNvPr id="2" name="Title 1">
-            <a:extLst>
-              <a:ext uri="{FF2B5EF4-FFF2-40B4-BE49-F238E27FC236}">
-                <a16:creationId xmlns:a16="http://schemas.microsoft.com/office/drawing/2014/main" id="{64E03D4E-CB53-C38C-24B8-B3385DDEFA82}"/>
-              </a:ext>
-            </a:extLst>
-          </p:cNvPr>
-          <p:cNvSpPr>
-            <a:spLocks noGrp="1"/>
-          </p:cNvSpPr>
-          <p:nvPr>
-            <p:ph type="title"/>
-          </p:nvPr>
-        </p:nvSpPr>
-        <p:spPr/>
-        <p:txBody>
-          <a:bodyPr/>
-          <a:lstStyle/>
-          <a:p>
-            <a:r>
-              <a:rPr lang="en-US" dirty="0"/>
-              <a:t>Grid search over </a:t>
-            </a:r>
-            <a:r>
-              <a:rPr lang="el-GR" i="1" dirty="0">
-                <a:solidFill>
-                  <a:srgbClr val="1F1F1F"/>
-                </a:solidFill>
-                <a:effectLst/>
-                <a:highlight>
-                  <a:srgbClr val="FFFFFF"/>
-                </a:highlight>
-                <a:latin typeface="Google Sans"/>
-              </a:rPr>
-              <a:t>γ</a:t>
-            </a:r>
-            <a:r>
-              <a:rPr lang="en-US" dirty="0"/>
-              <a:t> and </a:t>
-            </a:r>
-            <a:r>
-              <a:rPr lang="en-US" b="1" i="1" dirty="0"/>
-              <a:t>t</a:t>
-            </a:r>
-          </a:p>
-        </p:txBody>
-      </p:sp>
-      <p:sp>
-        <p:nvSpPr>
           <p:cNvPr id="3" name="Date Placeholder 2">
             <a:extLst>
               <a:ext uri="{FF2B5EF4-FFF2-40B4-BE49-F238E27FC236}">
@@ -5362,7 +7802,7 @@
           <a:p>
             <a:fld id="{271525A6-AB2C-4381-9F5E-305438172ED9}" type="datetime1">
               <a:rPr lang="en-US" smtClean="0"/>
-              <a:t>3/30/2024</a:t>
+              <a:t>4/10/2024</a:t>
             </a:fld>
             <a:endParaRPr lang="en-US"/>
           </a:p>
@@ -5419,7 +7859,7 @@
           <a:p>
             <a:fld id="{A7317B02-F301-4794-AD40-E8EE819BB4A2}" type="slidenum">
               <a:rPr lang="en-US" smtClean="0"/>
-              <a:t>3</a:t>
+              <a:t>7</a:t>
             </a:fld>
             <a:endParaRPr lang="en-US"/>
           </a:p>
@@ -5439,7 +7879,7 @@
         </p:nvSpPr>
         <p:spPr>
           <a:xfrm>
-            <a:off x="5029200" y="4054891"/>
+            <a:off x="5029200" y="3774971"/>
             <a:ext cx="633774" cy="477615"/>
           </a:xfrm>
           <a:prstGeom prst="rect">
@@ -5495,7 +7935,7 @@
         </p:nvCxnSpPr>
         <p:spPr>
           <a:xfrm flipH="1" flipV="1">
-            <a:off x="3581400" y="3461693"/>
+            <a:off x="3581400" y="3181773"/>
             <a:ext cx="1447800" cy="593198"/>
           </a:xfrm>
           <a:prstGeom prst="line">
@@ -5534,7 +7974,7 @@
         </p:nvCxnSpPr>
         <p:spPr>
           <a:xfrm flipV="1">
-            <a:off x="3581400" y="4532506"/>
+            <a:off x="3581400" y="4252586"/>
             <a:ext cx="1447800" cy="1053294"/>
           </a:xfrm>
           <a:prstGeom prst="line">
@@ -5557,6 +7997,73 @@
           </a:fontRef>
         </p:style>
       </p:cxnSp>
+      <p:sp>
+        <p:nvSpPr>
+          <p:cNvPr id="11" name="TextBox 10">
+            <a:extLst>
+              <a:ext uri="{FF2B5EF4-FFF2-40B4-BE49-F238E27FC236}">
+                <a16:creationId xmlns:a16="http://schemas.microsoft.com/office/drawing/2014/main" id="{28B53013-AE3C-ABF7-4E32-CC0549A5D707}"/>
+              </a:ext>
+            </a:extLst>
+          </p:cNvPr>
+          <p:cNvSpPr txBox="1"/>
+          <p:nvPr/>
+        </p:nvSpPr>
+        <p:spPr>
+          <a:xfrm>
+            <a:off x="1220601" y="605207"/>
+            <a:ext cx="6121220" cy="369332"/>
+          </a:xfrm>
+          <a:prstGeom prst="rect">
+            <a:avLst/>
+          </a:prstGeom>
+          <a:noFill/>
+        </p:spPr>
+        <p:txBody>
+          <a:bodyPr wrap="square" rtlCol="0">
+            <a:spAutoFit/>
+          </a:bodyPr>
+          <a:lstStyle/>
+          <a:p>
+            <a:r>
+              <a:rPr lang="en-US" dirty="0"/>
+              <a:t>Average over 10 random </a:t>
+            </a:r>
+            <a:r>
+              <a:rPr lang="en-US" dirty="0" err="1"/>
+              <a:t>Ising</a:t>
+            </a:r>
+            <a:r>
+              <a:rPr lang="en-US" dirty="0"/>
+              <a:t> instances: h</a:t>
+            </a:r>
+            <a:r>
+              <a:rPr lang="en-US" baseline="-25000" dirty="0"/>
+              <a:t>i</a:t>
+            </a:r>
+            <a:r>
+              <a:rPr lang="en-US" dirty="0"/>
+              <a:t>,</a:t>
+            </a:r>
+            <a:r>
+              <a:rPr lang="en-US" baseline="-25000" dirty="0"/>
+              <a:t> </a:t>
+            </a:r>
+            <a:r>
+              <a:rPr lang="en-US" dirty="0" err="1"/>
+              <a:t>J</a:t>
+            </a:r>
+            <a:r>
+              <a:rPr lang="en-US" baseline="-25000" dirty="0" err="1"/>
+              <a:t>ij</a:t>
+            </a:r>
+            <a:r>
+              <a:rPr lang="en-US" dirty="0"/>
+              <a:t> ~ N(0,1) </a:t>
+            </a:r>
+          </a:p>
+        </p:txBody>
+      </p:sp>
     </p:spTree>
     <p:extLst>
       <p:ext uri="{BB962C8B-B14F-4D97-AF65-F5344CB8AC3E}">
@@ -5570,7 +8077,7 @@
 </p:sld>
 </file>
 
-<file path=ppt/slides/slide4.xml><?xml version="1.0" encoding="utf-8"?>
+<file path=ppt/slides/slide8.xml><?xml version="1.0" encoding="utf-8"?>
 <p:sld xmlns:a="http://schemas.openxmlformats.org/drawingml/2006/main" xmlns:r="http://schemas.openxmlformats.org/officeDocument/2006/relationships" xmlns:p="http://schemas.openxmlformats.org/presentationml/2006/main">
   <p:cSld>
     <p:spTree>
@@ -5669,7 +8176,7 @@
           <a:p>
             <a:fld id="{271525A6-AB2C-4381-9F5E-305438172ED9}" type="datetime1">
               <a:rPr lang="en-US" smtClean="0"/>
-              <a:t>3/30/2024</a:t>
+              <a:t>4/10/2024</a:t>
             </a:fld>
             <a:endParaRPr lang="en-US"/>
           </a:p>
@@ -5726,7 +8233,7 @@
           <a:p>
             <a:fld id="{A7317B02-F301-4794-AD40-E8EE819BB4A2}" type="slidenum">
               <a:rPr lang="en-US" smtClean="0"/>
-              <a:t>4</a:t>
+              <a:t>8</a:t>
             </a:fld>
             <a:endParaRPr lang="en-US"/>
           </a:p>
@@ -5864,6 +8371,73 @@
           </a:fontRef>
         </p:style>
       </p:cxnSp>
+      <p:sp>
+        <p:nvSpPr>
+          <p:cNvPr id="2" name="TextBox 1">
+            <a:extLst>
+              <a:ext uri="{FF2B5EF4-FFF2-40B4-BE49-F238E27FC236}">
+                <a16:creationId xmlns:a16="http://schemas.microsoft.com/office/drawing/2014/main" id="{76A17CEF-B363-E2FF-01BA-55E8EACF91C4}"/>
+              </a:ext>
+            </a:extLst>
+          </p:cNvPr>
+          <p:cNvSpPr txBox="1"/>
+          <p:nvPr/>
+        </p:nvSpPr>
+        <p:spPr>
+          <a:xfrm>
+            <a:off x="830073" y="497294"/>
+            <a:ext cx="6121220" cy="369332"/>
+          </a:xfrm>
+          <a:prstGeom prst="rect">
+            <a:avLst/>
+          </a:prstGeom>
+          <a:noFill/>
+        </p:spPr>
+        <p:txBody>
+          <a:bodyPr wrap="square" rtlCol="0">
+            <a:spAutoFit/>
+          </a:bodyPr>
+          <a:lstStyle/>
+          <a:p>
+            <a:r>
+              <a:rPr lang="en-US" dirty="0"/>
+              <a:t>Average over 10 random </a:t>
+            </a:r>
+            <a:r>
+              <a:rPr lang="en-US" dirty="0" err="1"/>
+              <a:t>Ising</a:t>
+            </a:r>
+            <a:r>
+              <a:rPr lang="en-US" dirty="0"/>
+              <a:t> instances: h</a:t>
+            </a:r>
+            <a:r>
+              <a:rPr lang="en-US" baseline="-25000" dirty="0"/>
+              <a:t>i</a:t>
+            </a:r>
+            <a:r>
+              <a:rPr lang="en-US" dirty="0"/>
+              <a:t>,</a:t>
+            </a:r>
+            <a:r>
+              <a:rPr lang="en-US" baseline="-25000" dirty="0"/>
+              <a:t> </a:t>
+            </a:r>
+            <a:r>
+              <a:rPr lang="en-US" dirty="0" err="1"/>
+              <a:t>J</a:t>
+            </a:r>
+            <a:r>
+              <a:rPr lang="en-US" baseline="-25000" dirty="0" err="1"/>
+              <a:t>ij</a:t>
+            </a:r>
+            <a:r>
+              <a:rPr lang="en-US" dirty="0"/>
+              <a:t> ~ N(0,1) </a:t>
+            </a:r>
+          </a:p>
+        </p:txBody>
+      </p:sp>
     </p:spTree>
     <p:extLst>
       <p:ext uri="{BB962C8B-B14F-4D97-AF65-F5344CB8AC3E}">
@@ -5877,7 +8451,7 @@
 </p:sld>
 </file>
 
-<file path=ppt/slides/slide5.xml><?xml version="1.0" encoding="utf-8"?>
+<file path=ppt/slides/slide9.xml><?xml version="1.0" encoding="utf-8"?>
 <p:sld xmlns:a="http://schemas.openxmlformats.org/drawingml/2006/main" xmlns:r="http://schemas.openxmlformats.org/officeDocument/2006/relationships" xmlns:p="http://schemas.openxmlformats.org/presentationml/2006/main">
   <p:cSld>
     <p:spTree>
@@ -5946,7 +8520,7 @@
           <a:p>
             <a:fld id="{93488A89-FB29-4065-BFA1-D3292247443E}" type="datetime1">
               <a:rPr lang="en-US" smtClean="0"/>
-              <a:t>3/30/2024</a:t>
+              <a:t>4/10/2024</a:t>
             </a:fld>
             <a:endParaRPr lang="en-US"/>
           </a:p>
@@ -6003,7 +8577,7 @@
           <a:p>
             <a:fld id="{A7317B02-F301-4794-AD40-E8EE819BB4A2}" type="slidenum">
               <a:rPr lang="en-US" smtClean="0"/>
-              <a:t>5</a:t>
+              <a:t>9</a:t>
             </a:fld>
             <a:endParaRPr lang="en-US"/>
           </a:p>
@@ -6171,1107 +8745,77 @@
           </a:fontRef>
         </p:style>
       </p:cxnSp>
-    </p:spTree>
-    <p:extLst>
-      <p:ext uri="{BB962C8B-B14F-4D97-AF65-F5344CB8AC3E}">
-        <p14:creationId xmlns:p14="http://schemas.microsoft.com/office/powerpoint/2010/main" val="1385955453"/>
-      </p:ext>
-    </p:extLst>
-  </p:cSld>
-  <p:clrMapOvr>
-    <a:masterClrMapping/>
-  </p:clrMapOvr>
-</p:sld>
-</file>
-
-<file path=ppt/slides/slide6.xml><?xml version="1.0" encoding="utf-8"?>
-<p:sld xmlns:a="http://schemas.openxmlformats.org/drawingml/2006/main" xmlns:r="http://schemas.openxmlformats.org/officeDocument/2006/relationships" xmlns:p="http://schemas.openxmlformats.org/presentationml/2006/main">
-  <p:cSld>
-    <p:spTree>
-      <p:nvGrpSpPr>
-        <p:cNvPr id="1" name=""/>
-        <p:cNvGrpSpPr/>
-        <p:nvPr/>
-      </p:nvGrpSpPr>
-      <p:grpSpPr>
-        <a:xfrm>
-          <a:off x="0" y="0"/>
-          <a:ext cx="0" cy="0"/>
-          <a:chOff x="0" y="0"/>
-          <a:chExt cx="0" cy="0"/>
-        </a:xfrm>
-      </p:grpSpPr>
-      <p:pic>
-        <p:nvPicPr>
-          <p:cNvPr id="11" name="Picture 10">
-            <a:extLst>
-              <a:ext uri="{FF2B5EF4-FFF2-40B4-BE49-F238E27FC236}">
-                <a16:creationId xmlns:a16="http://schemas.microsoft.com/office/drawing/2014/main" id="{DE6B6658-13F6-F98B-AA19-688B4E50A94A}"/>
-              </a:ext>
-            </a:extLst>
-          </p:cNvPr>
-          <p:cNvPicPr>
-            <a:picLocks noChangeAspect="1"/>
-          </p:cNvPicPr>
+      <p:sp>
+        <p:nvSpPr>
+          <p:cNvPr id="5" name="TextBox 4">
+            <a:extLst>
+              <a:ext uri="{FF2B5EF4-FFF2-40B4-BE49-F238E27FC236}">
+                <a16:creationId xmlns:a16="http://schemas.microsoft.com/office/drawing/2014/main" id="{3395D8CA-EC91-B9F0-2D88-78E25BE0F7B2}"/>
+              </a:ext>
+            </a:extLst>
+          </p:cNvPr>
+          <p:cNvSpPr txBox="1"/>
           <p:nvPr/>
-        </p:nvPicPr>
-        <p:blipFill rotWithShape="1">
-          <a:blip r:embed="rId2"/>
-          <a:srcRect t="11078" r="46354"/>
-          <a:stretch/>
-        </p:blipFill>
+        </p:nvSpPr>
         <p:spPr>
           <a:xfrm>
-            <a:off x="647358" y="3118706"/>
-            <a:ext cx="3340617" cy="2775702"/>
-          </a:xfrm>
-          <a:prstGeom prst="rect">
-            <a:avLst/>
-          </a:prstGeom>
-        </p:spPr>
-      </p:pic>
-      <p:sp>
-        <p:nvSpPr>
-          <p:cNvPr id="2" name="Date Placeholder 1">
-            <a:extLst>
-              <a:ext uri="{FF2B5EF4-FFF2-40B4-BE49-F238E27FC236}">
-                <a16:creationId xmlns:a16="http://schemas.microsoft.com/office/drawing/2014/main" id="{04983750-A8D9-24FD-4591-9EFA11A770A7}"/>
-              </a:ext>
-            </a:extLst>
-          </p:cNvPr>
-          <p:cNvSpPr>
-            <a:spLocks noGrp="1"/>
-          </p:cNvSpPr>
-          <p:nvPr>
-            <p:ph type="dt" sz="half" idx="10"/>
-          </p:nvPr>
-        </p:nvSpPr>
-        <p:spPr/>
-        <p:txBody>
-          <a:bodyPr/>
-          <a:lstStyle/>
-          <a:p>
-            <a:fld id="{93488A89-FB29-4065-BFA1-D3292247443E}" type="datetime1">
-              <a:rPr lang="en-US" smtClean="0"/>
-              <a:t>3/30/2024</a:t>
-            </a:fld>
-            <a:endParaRPr lang="en-US"/>
-          </a:p>
-        </p:txBody>
-      </p:sp>
-      <p:sp>
-        <p:nvSpPr>
-          <p:cNvPr id="3" name="Footer Placeholder 2">
-            <a:extLst>
-              <a:ext uri="{FF2B5EF4-FFF2-40B4-BE49-F238E27FC236}">
-                <a16:creationId xmlns:a16="http://schemas.microsoft.com/office/drawing/2014/main" id="{54858F7F-B53F-C26A-D0F6-E013ABCE0852}"/>
-              </a:ext>
-            </a:extLst>
-          </p:cNvPr>
-          <p:cNvSpPr>
-            <a:spLocks noGrp="1"/>
-          </p:cNvSpPr>
-          <p:nvPr>
-            <p:ph type="ftr" sz="quarter" idx="11"/>
-          </p:nvPr>
-        </p:nvSpPr>
-        <p:spPr/>
-        <p:txBody>
-          <a:bodyPr/>
-          <a:lstStyle/>
-          <a:p>
-            <a:r>
-              <a:rPr lang="en-US"/>
-              <a:t>Quantum MCMC Semester Project</a:t>
-            </a:r>
-          </a:p>
-        </p:txBody>
-      </p:sp>
-      <p:sp>
-        <p:nvSpPr>
-          <p:cNvPr id="4" name="Slide Number Placeholder 3">
-            <a:extLst>
-              <a:ext uri="{FF2B5EF4-FFF2-40B4-BE49-F238E27FC236}">
-                <a16:creationId xmlns:a16="http://schemas.microsoft.com/office/drawing/2014/main" id="{E8A9D5D0-9F40-8467-5D82-9DFE33B023B4}"/>
-              </a:ext>
-            </a:extLst>
-          </p:cNvPr>
-          <p:cNvSpPr>
-            <a:spLocks noGrp="1"/>
-          </p:cNvSpPr>
-          <p:nvPr>
-            <p:ph type="sldNum" sz="quarter" idx="12"/>
-          </p:nvPr>
-        </p:nvSpPr>
-        <p:spPr/>
-        <p:txBody>
-          <a:bodyPr/>
-          <a:lstStyle/>
-          <a:p>
-            <a:fld id="{A7317B02-F301-4794-AD40-E8EE819BB4A2}" type="slidenum">
-              <a:rPr lang="en-US" smtClean="0"/>
-              <a:t>6</a:t>
-            </a:fld>
-            <a:endParaRPr lang="en-US"/>
-          </a:p>
-        </p:txBody>
-      </p:sp>
-      <p:pic>
-        <p:nvPicPr>
-          <p:cNvPr id="6" name="Picture 5">
-            <a:extLst>
-              <a:ext uri="{FF2B5EF4-FFF2-40B4-BE49-F238E27FC236}">
-                <a16:creationId xmlns:a16="http://schemas.microsoft.com/office/drawing/2014/main" id="{3E312566-FA9E-1AC3-8F04-06CCE576A69B}"/>
-              </a:ext>
-            </a:extLst>
-          </p:cNvPr>
-          <p:cNvPicPr>
-            <a:picLocks noChangeAspect="1"/>
-          </p:cNvPicPr>
-          <p:nvPr/>
-        </p:nvPicPr>
-        <p:blipFill>
-          <a:blip r:embed="rId3"/>
-          <a:stretch>
-            <a:fillRect/>
-          </a:stretch>
-        </p:blipFill>
-        <p:spPr>
-          <a:xfrm>
-            <a:off x="4038600" y="1129548"/>
-            <a:ext cx="7515225" cy="3771900"/>
-          </a:xfrm>
-          <a:prstGeom prst="rect">
-            <a:avLst/>
-          </a:prstGeom>
-        </p:spPr>
-      </p:pic>
-      <p:sp>
-        <p:nvSpPr>
-          <p:cNvPr id="7" name="Rectangle 6">
-            <a:extLst>
-              <a:ext uri="{FF2B5EF4-FFF2-40B4-BE49-F238E27FC236}">
-                <a16:creationId xmlns:a16="http://schemas.microsoft.com/office/drawing/2014/main" id="{EEC24F5A-2009-A3A7-F354-9CF8C9EA48E9}"/>
-              </a:ext>
-            </a:extLst>
-          </p:cNvPr>
-          <p:cNvSpPr/>
-          <p:nvPr/>
-        </p:nvSpPr>
-        <p:spPr>
-          <a:xfrm>
-            <a:off x="4674391" y="3853698"/>
-            <a:ext cx="721322" cy="516732"/>
+            <a:off x="802114" y="455572"/>
+            <a:ext cx="6121220" cy="369332"/>
           </a:xfrm>
           <a:prstGeom prst="rect">
             <a:avLst/>
           </a:prstGeom>
           <a:noFill/>
-          <a:ln w="19050" cap="flat" cmpd="sng" algn="ctr">
-            <a:solidFill>
-              <a:schemeClr val="dk1"/>
-            </a:solidFill>
-            <a:prstDash val="solid"/>
-            <a:round/>
-            <a:headEnd type="none" w="med" len="med"/>
-            <a:tailEnd type="none" w="med" len="med"/>
-          </a:ln>
         </p:spPr>
-        <p:style>
-          <a:lnRef idx="0">
-            <a:scrgbClr r="0" g="0" b="0"/>
-          </a:lnRef>
-          <a:fillRef idx="0">
-            <a:scrgbClr r="0" g="0" b="0"/>
-          </a:fillRef>
-          <a:effectRef idx="0">
-            <a:scrgbClr r="0" g="0" b="0"/>
-          </a:effectRef>
-          <a:fontRef idx="minor">
-            <a:schemeClr val="dk1"/>
-          </a:fontRef>
-        </p:style>
-        <p:txBody>
-          <a:bodyPr rtlCol="0" anchor="ctr"/>
-          <a:lstStyle/>
-          <a:p>
-            <a:pPr algn="ctr"/>
-            <a:endParaRPr lang="en-US"/>
-          </a:p>
-        </p:txBody>
-      </p:sp>
-      <p:cxnSp>
-        <p:nvCxnSpPr>
-          <p:cNvPr id="8" name="Straight Connector 7">
-            <a:extLst>
-              <a:ext uri="{FF2B5EF4-FFF2-40B4-BE49-F238E27FC236}">
-                <a16:creationId xmlns:a16="http://schemas.microsoft.com/office/drawing/2014/main" id="{01C2B246-DCEB-1CCF-C1B1-28CA85D1008A}"/>
-              </a:ext>
-            </a:extLst>
-          </p:cNvPr>
-          <p:cNvCxnSpPr>
-            <a:cxnSpLocks/>
-          </p:cNvCxnSpPr>
-          <p:nvPr/>
-        </p:nvCxnSpPr>
-        <p:spPr>
-          <a:xfrm flipH="1" flipV="1">
-            <a:off x="3301559" y="3369936"/>
-            <a:ext cx="1372832" cy="483762"/>
-          </a:xfrm>
-          <a:prstGeom prst="line">
-            <a:avLst/>
-          </a:prstGeom>
-          <a:ln w="19050"/>
-        </p:spPr>
-        <p:style>
-          <a:lnRef idx="1">
-            <a:schemeClr val="dk1"/>
-          </a:lnRef>
-          <a:fillRef idx="0">
-            <a:schemeClr val="dk1"/>
-          </a:fillRef>
-          <a:effectRef idx="0">
-            <a:schemeClr val="dk1"/>
-          </a:effectRef>
-          <a:fontRef idx="minor">
-            <a:schemeClr val="tx1"/>
-          </a:fontRef>
-        </p:style>
-      </p:cxnSp>
-      <p:cxnSp>
-        <p:nvCxnSpPr>
-          <p:cNvPr id="9" name="Straight Connector 8">
-            <a:extLst>
-              <a:ext uri="{FF2B5EF4-FFF2-40B4-BE49-F238E27FC236}">
-                <a16:creationId xmlns:a16="http://schemas.microsoft.com/office/drawing/2014/main" id="{B556D693-360D-3A69-F47C-6571395C54D1}"/>
-              </a:ext>
-            </a:extLst>
-          </p:cNvPr>
-          <p:cNvCxnSpPr>
-            <a:cxnSpLocks/>
-          </p:cNvCxnSpPr>
-          <p:nvPr/>
-        </p:nvCxnSpPr>
-        <p:spPr>
-          <a:xfrm flipV="1">
-            <a:off x="3301559" y="4370430"/>
-            <a:ext cx="1372832" cy="1062036"/>
-          </a:xfrm>
-          <a:prstGeom prst="line">
-            <a:avLst/>
-          </a:prstGeom>
-          <a:ln w="19050"/>
-        </p:spPr>
-        <p:style>
-          <a:lnRef idx="1">
-            <a:schemeClr val="dk1"/>
-          </a:lnRef>
-          <a:fillRef idx="0">
-            <a:schemeClr val="dk1"/>
-          </a:fillRef>
-          <a:effectRef idx="0">
-            <a:schemeClr val="dk1"/>
-          </a:effectRef>
-          <a:fontRef idx="minor">
-            <a:schemeClr val="tx1"/>
-          </a:fontRef>
-        </p:style>
-      </p:cxnSp>
+        <p:txBody>
+          <a:bodyPr wrap="square" rtlCol="0">
+            <a:spAutoFit/>
+          </a:bodyPr>
+          <a:lstStyle/>
+          <a:p>
+            <a:r>
+              <a:rPr lang="en-US" dirty="0"/>
+              <a:t>Average over 10 random </a:t>
+            </a:r>
+            <a:r>
+              <a:rPr lang="en-US" dirty="0" err="1"/>
+              <a:t>Ising</a:t>
+            </a:r>
+            <a:r>
+              <a:rPr lang="en-US" dirty="0"/>
+              <a:t> instances: h</a:t>
+            </a:r>
+            <a:r>
+              <a:rPr lang="en-US" baseline="-25000" dirty="0"/>
+              <a:t>i</a:t>
+            </a:r>
+            <a:r>
+              <a:rPr lang="en-US" dirty="0"/>
+              <a:t>,</a:t>
+            </a:r>
+            <a:r>
+              <a:rPr lang="en-US" baseline="-25000" dirty="0"/>
+              <a:t> </a:t>
+            </a:r>
+            <a:r>
+              <a:rPr lang="en-US" dirty="0" err="1"/>
+              <a:t>J</a:t>
+            </a:r>
+            <a:r>
+              <a:rPr lang="en-US" baseline="-25000" dirty="0" err="1"/>
+              <a:t>ij</a:t>
+            </a:r>
+            <a:r>
+              <a:rPr lang="en-US" dirty="0"/>
+              <a:t> ~ N(0,1) </a:t>
+            </a:r>
+          </a:p>
+        </p:txBody>
+      </p:sp>
     </p:spTree>
     <p:extLst>
       <p:ext uri="{BB962C8B-B14F-4D97-AF65-F5344CB8AC3E}">
-        <p14:creationId xmlns:p14="http://schemas.microsoft.com/office/powerpoint/2010/main" val="2585838474"/>
-      </p:ext>
-    </p:extLst>
-  </p:cSld>
-  <p:clrMapOvr>
-    <a:masterClrMapping/>
-  </p:clrMapOvr>
-</p:sld>
-</file>
-
-<file path=ppt/slides/slide7.xml><?xml version="1.0" encoding="utf-8"?>
-<p:sld xmlns:a="http://schemas.openxmlformats.org/drawingml/2006/main" xmlns:r="http://schemas.openxmlformats.org/officeDocument/2006/relationships" xmlns:p="http://schemas.openxmlformats.org/presentationml/2006/main">
-  <p:cSld>
-    <p:spTree>
-      <p:nvGrpSpPr>
-        <p:cNvPr id="1" name=""/>
-        <p:cNvGrpSpPr/>
-        <p:nvPr/>
-      </p:nvGrpSpPr>
-      <p:grpSpPr>
-        <a:xfrm>
-          <a:off x="0" y="0"/>
-          <a:ext cx="0" cy="0"/>
-          <a:chOff x="0" y="0"/>
-          <a:chExt cx="0" cy="0"/>
-        </a:xfrm>
-      </p:grpSpPr>
-      <p:pic>
-        <p:nvPicPr>
-          <p:cNvPr id="12" name="Picture 11">
-            <a:extLst>
-              <a:ext uri="{FF2B5EF4-FFF2-40B4-BE49-F238E27FC236}">
-                <a16:creationId xmlns:a16="http://schemas.microsoft.com/office/drawing/2014/main" id="{DC4408D6-911A-1CDD-5FB9-54CB8F7E65A3}"/>
-              </a:ext>
-            </a:extLst>
-          </p:cNvPr>
-          <p:cNvPicPr>
-            <a:picLocks noChangeAspect="1"/>
-          </p:cNvPicPr>
-          <p:nvPr/>
-        </p:nvPicPr>
-        <p:blipFill rotWithShape="1">
-          <a:blip r:embed="rId2"/>
-          <a:srcRect t="9802" r="47313"/>
-          <a:stretch/>
-        </p:blipFill>
-        <p:spPr>
-          <a:xfrm>
-            <a:off x="681109" y="3141603"/>
-            <a:ext cx="3109762" cy="2668647"/>
-          </a:xfrm>
-          <a:prstGeom prst="rect">
-            <a:avLst/>
-          </a:prstGeom>
-        </p:spPr>
-      </p:pic>
-      <p:sp>
-        <p:nvSpPr>
-          <p:cNvPr id="2" name="Date Placeholder 1">
-            <a:extLst>
-              <a:ext uri="{FF2B5EF4-FFF2-40B4-BE49-F238E27FC236}">
-                <a16:creationId xmlns:a16="http://schemas.microsoft.com/office/drawing/2014/main" id="{CF2FBB24-6B22-4137-7D13-F4B6E5BD9A99}"/>
-              </a:ext>
-            </a:extLst>
-          </p:cNvPr>
-          <p:cNvSpPr>
-            <a:spLocks noGrp="1"/>
-          </p:cNvSpPr>
-          <p:nvPr>
-            <p:ph type="dt" sz="half" idx="10"/>
-          </p:nvPr>
-        </p:nvSpPr>
-        <p:spPr/>
-        <p:txBody>
-          <a:bodyPr/>
-          <a:lstStyle/>
-          <a:p>
-            <a:fld id="{93488A89-FB29-4065-BFA1-D3292247443E}" type="datetime1">
-              <a:rPr lang="en-US" smtClean="0"/>
-              <a:t>3/30/2024</a:t>
-            </a:fld>
-            <a:endParaRPr lang="en-US"/>
-          </a:p>
-        </p:txBody>
-      </p:sp>
-      <p:sp>
-        <p:nvSpPr>
-          <p:cNvPr id="3" name="Footer Placeholder 2">
-            <a:extLst>
-              <a:ext uri="{FF2B5EF4-FFF2-40B4-BE49-F238E27FC236}">
-                <a16:creationId xmlns:a16="http://schemas.microsoft.com/office/drawing/2014/main" id="{4519EB8E-983A-96C9-7070-272509C07B84}"/>
-              </a:ext>
-            </a:extLst>
-          </p:cNvPr>
-          <p:cNvSpPr>
-            <a:spLocks noGrp="1"/>
-          </p:cNvSpPr>
-          <p:nvPr>
-            <p:ph type="ftr" sz="quarter" idx="11"/>
-          </p:nvPr>
-        </p:nvSpPr>
-        <p:spPr/>
-        <p:txBody>
-          <a:bodyPr/>
-          <a:lstStyle/>
-          <a:p>
-            <a:r>
-              <a:rPr lang="en-US"/>
-              <a:t>Quantum MCMC Semester Project</a:t>
-            </a:r>
-          </a:p>
-        </p:txBody>
-      </p:sp>
-      <p:sp>
-        <p:nvSpPr>
-          <p:cNvPr id="4" name="Slide Number Placeholder 3">
-            <a:extLst>
-              <a:ext uri="{FF2B5EF4-FFF2-40B4-BE49-F238E27FC236}">
-                <a16:creationId xmlns:a16="http://schemas.microsoft.com/office/drawing/2014/main" id="{51AC6EF7-2C01-6E1D-2B28-A59534A1FA87}"/>
-              </a:ext>
-            </a:extLst>
-          </p:cNvPr>
-          <p:cNvSpPr>
-            <a:spLocks noGrp="1"/>
-          </p:cNvSpPr>
-          <p:nvPr>
-            <p:ph type="sldNum" sz="quarter" idx="12"/>
-          </p:nvPr>
-        </p:nvSpPr>
-        <p:spPr/>
-        <p:txBody>
-          <a:bodyPr/>
-          <a:lstStyle/>
-          <a:p>
-            <a:fld id="{A7317B02-F301-4794-AD40-E8EE819BB4A2}" type="slidenum">
-              <a:rPr lang="en-US" smtClean="0"/>
-              <a:t>7</a:t>
-            </a:fld>
-            <a:endParaRPr lang="en-US"/>
-          </a:p>
-        </p:txBody>
-      </p:sp>
-      <p:pic>
-        <p:nvPicPr>
-          <p:cNvPr id="6" name="Picture 5">
-            <a:extLst>
-              <a:ext uri="{FF2B5EF4-FFF2-40B4-BE49-F238E27FC236}">
-                <a16:creationId xmlns:a16="http://schemas.microsoft.com/office/drawing/2014/main" id="{C189D480-2321-54AC-9F21-06F680A46729}"/>
-              </a:ext>
-            </a:extLst>
-          </p:cNvPr>
-          <p:cNvPicPr>
-            <a:picLocks noChangeAspect="1"/>
-          </p:cNvPicPr>
-          <p:nvPr/>
-        </p:nvPicPr>
-        <p:blipFill>
-          <a:blip r:embed="rId3"/>
-          <a:stretch>
-            <a:fillRect/>
-          </a:stretch>
-        </p:blipFill>
-        <p:spPr>
-          <a:xfrm>
-            <a:off x="3838575" y="1116330"/>
-            <a:ext cx="7515225" cy="3771900"/>
-          </a:xfrm>
-          <a:prstGeom prst="rect">
-            <a:avLst/>
-          </a:prstGeom>
-        </p:spPr>
-      </p:pic>
-      <p:sp>
-        <p:nvSpPr>
-          <p:cNvPr id="7" name="Rectangle 6">
-            <a:extLst>
-              <a:ext uri="{FF2B5EF4-FFF2-40B4-BE49-F238E27FC236}">
-                <a16:creationId xmlns:a16="http://schemas.microsoft.com/office/drawing/2014/main" id="{224F0858-1CDF-AB58-3A9C-18F0473A2394}"/>
-              </a:ext>
-            </a:extLst>
-          </p:cNvPr>
-          <p:cNvSpPr/>
-          <p:nvPr/>
-        </p:nvSpPr>
-        <p:spPr>
-          <a:xfrm>
-            <a:off x="4477287" y="3561080"/>
-            <a:ext cx="721322" cy="796132"/>
-          </a:xfrm>
-          <a:prstGeom prst="rect">
-            <a:avLst/>
-          </a:prstGeom>
-          <a:noFill/>
-          <a:ln w="19050" cap="flat" cmpd="sng" algn="ctr">
-            <a:solidFill>
-              <a:schemeClr val="dk1"/>
-            </a:solidFill>
-            <a:prstDash val="solid"/>
-            <a:round/>
-            <a:headEnd type="none" w="med" len="med"/>
-            <a:tailEnd type="none" w="med" len="med"/>
-          </a:ln>
-        </p:spPr>
-        <p:style>
-          <a:lnRef idx="0">
-            <a:scrgbClr r="0" g="0" b="0"/>
-          </a:lnRef>
-          <a:fillRef idx="0">
-            <a:scrgbClr r="0" g="0" b="0"/>
-          </a:fillRef>
-          <a:effectRef idx="0">
-            <a:scrgbClr r="0" g="0" b="0"/>
-          </a:effectRef>
-          <a:fontRef idx="minor">
-            <a:schemeClr val="dk1"/>
-          </a:fontRef>
-        </p:style>
-        <p:txBody>
-          <a:bodyPr rtlCol="0" anchor="ctr"/>
-          <a:lstStyle/>
-          <a:p>
-            <a:pPr algn="ctr"/>
-            <a:endParaRPr lang="en-US"/>
-          </a:p>
-        </p:txBody>
-      </p:sp>
-      <p:cxnSp>
-        <p:nvCxnSpPr>
-          <p:cNvPr id="8" name="Straight Connector 7">
-            <a:extLst>
-              <a:ext uri="{FF2B5EF4-FFF2-40B4-BE49-F238E27FC236}">
-                <a16:creationId xmlns:a16="http://schemas.microsoft.com/office/drawing/2014/main" id="{4CECA3F1-CD5E-9F6D-B2A3-C1BCFE054872}"/>
-              </a:ext>
-            </a:extLst>
-          </p:cNvPr>
-          <p:cNvCxnSpPr>
-            <a:cxnSpLocks/>
-          </p:cNvCxnSpPr>
-          <p:nvPr/>
-        </p:nvCxnSpPr>
-        <p:spPr>
-          <a:xfrm flipH="1" flipV="1">
-            <a:off x="3104455" y="3356718"/>
-            <a:ext cx="1372832" cy="204362"/>
-          </a:xfrm>
-          <a:prstGeom prst="line">
-            <a:avLst/>
-          </a:prstGeom>
-          <a:ln w="19050"/>
-        </p:spPr>
-        <p:style>
-          <a:lnRef idx="1">
-            <a:schemeClr val="dk1"/>
-          </a:lnRef>
-          <a:fillRef idx="0">
-            <a:schemeClr val="dk1"/>
-          </a:fillRef>
-          <a:effectRef idx="0">
-            <a:schemeClr val="dk1"/>
-          </a:effectRef>
-          <a:fontRef idx="minor">
-            <a:schemeClr val="tx1"/>
-          </a:fontRef>
-        </p:style>
-      </p:cxnSp>
-      <p:cxnSp>
-        <p:nvCxnSpPr>
-          <p:cNvPr id="9" name="Straight Connector 8">
-            <a:extLst>
-              <a:ext uri="{FF2B5EF4-FFF2-40B4-BE49-F238E27FC236}">
-                <a16:creationId xmlns:a16="http://schemas.microsoft.com/office/drawing/2014/main" id="{D08787D6-A9AA-4593-19DC-CE77A27D466E}"/>
-              </a:ext>
-            </a:extLst>
-          </p:cNvPr>
-          <p:cNvCxnSpPr>
-            <a:cxnSpLocks/>
-          </p:cNvCxnSpPr>
-          <p:nvPr/>
-        </p:nvCxnSpPr>
-        <p:spPr>
-          <a:xfrm flipV="1">
-            <a:off x="3104455" y="4357212"/>
-            <a:ext cx="1372832" cy="1062036"/>
-          </a:xfrm>
-          <a:prstGeom prst="line">
-            <a:avLst/>
-          </a:prstGeom>
-          <a:ln w="19050"/>
-        </p:spPr>
-        <p:style>
-          <a:lnRef idx="1">
-            <a:schemeClr val="dk1"/>
-          </a:lnRef>
-          <a:fillRef idx="0">
-            <a:schemeClr val="dk1"/>
-          </a:fillRef>
-          <a:effectRef idx="0">
-            <a:schemeClr val="dk1"/>
-          </a:effectRef>
-          <a:fontRef idx="minor">
-            <a:schemeClr val="tx1"/>
-          </a:fontRef>
-        </p:style>
-      </p:cxnSp>
-    </p:spTree>
-    <p:extLst>
-      <p:ext uri="{BB962C8B-B14F-4D97-AF65-F5344CB8AC3E}">
-        <p14:creationId xmlns:p14="http://schemas.microsoft.com/office/powerpoint/2010/main" val="2302320189"/>
-      </p:ext>
-    </p:extLst>
-  </p:cSld>
-  <p:clrMapOvr>
-    <a:masterClrMapping/>
-  </p:clrMapOvr>
-</p:sld>
-</file>
-
-<file path=ppt/slides/slide8.xml><?xml version="1.0" encoding="utf-8"?>
-<p:sld xmlns:a="http://schemas.openxmlformats.org/drawingml/2006/main" xmlns:r="http://schemas.openxmlformats.org/officeDocument/2006/relationships" xmlns:p="http://schemas.openxmlformats.org/presentationml/2006/main">
-  <p:cSld>
-    <p:spTree>
-      <p:nvGrpSpPr>
-        <p:cNvPr id="1" name=""/>
-        <p:cNvGrpSpPr/>
-        <p:nvPr/>
-      </p:nvGrpSpPr>
-      <p:grpSpPr>
-        <a:xfrm>
-          <a:off x="0" y="0"/>
-          <a:ext cx="0" cy="0"/>
-          <a:chOff x="0" y="0"/>
-          <a:chExt cx="0" cy="0"/>
-        </a:xfrm>
-      </p:grpSpPr>
-      <p:pic>
-        <p:nvPicPr>
-          <p:cNvPr id="13" name="Picture 12">
-            <a:extLst>
-              <a:ext uri="{FF2B5EF4-FFF2-40B4-BE49-F238E27FC236}">
-                <a16:creationId xmlns:a16="http://schemas.microsoft.com/office/drawing/2014/main" id="{99ADFCDA-834B-B8C0-D76C-DF43D6A16693}"/>
-              </a:ext>
-            </a:extLst>
-          </p:cNvPr>
-          <p:cNvPicPr>
-            <a:picLocks noChangeAspect="1"/>
-          </p:cNvPicPr>
-          <p:nvPr/>
-        </p:nvPicPr>
-        <p:blipFill rotWithShape="1">
-          <a:blip r:embed="rId2"/>
-          <a:srcRect t="11010" r="48076"/>
-          <a:stretch/>
-        </p:blipFill>
-        <p:spPr>
-          <a:xfrm>
-            <a:off x="775028" y="3145076"/>
-            <a:ext cx="3106746" cy="2668984"/>
-          </a:xfrm>
-          <a:prstGeom prst="rect">
-            <a:avLst/>
-          </a:prstGeom>
-        </p:spPr>
-      </p:pic>
-      <p:sp>
-        <p:nvSpPr>
-          <p:cNvPr id="2" name="Date Placeholder 1">
-            <a:extLst>
-              <a:ext uri="{FF2B5EF4-FFF2-40B4-BE49-F238E27FC236}">
-                <a16:creationId xmlns:a16="http://schemas.microsoft.com/office/drawing/2014/main" id="{F5D34EA1-6933-65D2-66D0-41FCE9EBE559}"/>
-              </a:ext>
-            </a:extLst>
-          </p:cNvPr>
-          <p:cNvSpPr>
-            <a:spLocks noGrp="1"/>
-          </p:cNvSpPr>
-          <p:nvPr>
-            <p:ph type="dt" sz="half" idx="10"/>
-          </p:nvPr>
-        </p:nvSpPr>
-        <p:spPr/>
-        <p:txBody>
-          <a:bodyPr/>
-          <a:lstStyle/>
-          <a:p>
-            <a:fld id="{93488A89-FB29-4065-BFA1-D3292247443E}" type="datetime1">
-              <a:rPr lang="en-US" smtClean="0"/>
-              <a:t>3/31/2024</a:t>
-            </a:fld>
-            <a:endParaRPr lang="en-US"/>
-          </a:p>
-        </p:txBody>
-      </p:sp>
-      <p:sp>
-        <p:nvSpPr>
-          <p:cNvPr id="3" name="Footer Placeholder 2">
-            <a:extLst>
-              <a:ext uri="{FF2B5EF4-FFF2-40B4-BE49-F238E27FC236}">
-                <a16:creationId xmlns:a16="http://schemas.microsoft.com/office/drawing/2014/main" id="{A2C7FFF7-418A-8AB1-FD04-6170494925C8}"/>
-              </a:ext>
-            </a:extLst>
-          </p:cNvPr>
-          <p:cNvSpPr>
-            <a:spLocks noGrp="1"/>
-          </p:cNvSpPr>
-          <p:nvPr>
-            <p:ph type="ftr" sz="quarter" idx="11"/>
-          </p:nvPr>
-        </p:nvSpPr>
-        <p:spPr/>
-        <p:txBody>
-          <a:bodyPr/>
-          <a:lstStyle/>
-          <a:p>
-            <a:r>
-              <a:rPr lang="en-US"/>
-              <a:t>Quantum MCMC Semester Project</a:t>
-            </a:r>
-          </a:p>
-        </p:txBody>
-      </p:sp>
-      <p:sp>
-        <p:nvSpPr>
-          <p:cNvPr id="4" name="Slide Number Placeholder 3">
-            <a:extLst>
-              <a:ext uri="{FF2B5EF4-FFF2-40B4-BE49-F238E27FC236}">
-                <a16:creationId xmlns:a16="http://schemas.microsoft.com/office/drawing/2014/main" id="{466DCE20-69A0-40B4-C208-2BED55C5FDCF}"/>
-              </a:ext>
-            </a:extLst>
-          </p:cNvPr>
-          <p:cNvSpPr>
-            <a:spLocks noGrp="1"/>
-          </p:cNvSpPr>
-          <p:nvPr>
-            <p:ph type="sldNum" sz="quarter" idx="12"/>
-          </p:nvPr>
-        </p:nvSpPr>
-        <p:spPr/>
-        <p:txBody>
-          <a:bodyPr/>
-          <a:lstStyle/>
-          <a:p>
-            <a:fld id="{A7317B02-F301-4794-AD40-E8EE819BB4A2}" type="slidenum">
-              <a:rPr lang="en-US" smtClean="0"/>
-              <a:t>8</a:t>
-            </a:fld>
-            <a:endParaRPr lang="en-US"/>
-          </a:p>
-        </p:txBody>
-      </p:sp>
-      <p:pic>
-        <p:nvPicPr>
-          <p:cNvPr id="8" name="Picture 7">
-            <a:extLst>
-              <a:ext uri="{FF2B5EF4-FFF2-40B4-BE49-F238E27FC236}">
-                <a16:creationId xmlns:a16="http://schemas.microsoft.com/office/drawing/2014/main" id="{31EEDDE7-EE5D-E5B5-F93F-4F0DC84B4414}"/>
-              </a:ext>
-            </a:extLst>
-          </p:cNvPr>
-          <p:cNvPicPr>
-            <a:picLocks noChangeAspect="1"/>
-          </p:cNvPicPr>
-          <p:nvPr/>
-        </p:nvPicPr>
-        <p:blipFill>
-          <a:blip r:embed="rId3"/>
-          <a:stretch>
-            <a:fillRect/>
-          </a:stretch>
-        </p:blipFill>
-        <p:spPr>
-          <a:xfrm>
-            <a:off x="3957320" y="1106170"/>
-            <a:ext cx="7515225" cy="3771900"/>
-          </a:xfrm>
-          <a:prstGeom prst="rect">
-            <a:avLst/>
-          </a:prstGeom>
-        </p:spPr>
-      </p:pic>
-      <p:sp>
-        <p:nvSpPr>
-          <p:cNvPr id="9" name="Rectangle 8">
-            <a:extLst>
-              <a:ext uri="{FF2B5EF4-FFF2-40B4-BE49-F238E27FC236}">
-                <a16:creationId xmlns:a16="http://schemas.microsoft.com/office/drawing/2014/main" id="{2DE25B1D-10FE-CBD2-D365-35CAC6EB5713}"/>
-              </a:ext>
-            </a:extLst>
-          </p:cNvPr>
-          <p:cNvSpPr/>
-          <p:nvPr/>
-        </p:nvSpPr>
-        <p:spPr>
-          <a:xfrm>
-            <a:off x="4603096" y="3550920"/>
-            <a:ext cx="721322" cy="796132"/>
-          </a:xfrm>
-          <a:prstGeom prst="rect">
-            <a:avLst/>
-          </a:prstGeom>
-          <a:noFill/>
-          <a:ln w="19050" cap="flat" cmpd="sng" algn="ctr">
-            <a:solidFill>
-              <a:schemeClr val="dk1"/>
-            </a:solidFill>
-            <a:prstDash val="solid"/>
-            <a:round/>
-            <a:headEnd type="none" w="med" len="med"/>
-            <a:tailEnd type="none" w="med" len="med"/>
-          </a:ln>
-        </p:spPr>
-        <p:style>
-          <a:lnRef idx="0">
-            <a:scrgbClr r="0" g="0" b="0"/>
-          </a:lnRef>
-          <a:fillRef idx="0">
-            <a:scrgbClr r="0" g="0" b="0"/>
-          </a:fillRef>
-          <a:effectRef idx="0">
-            <a:scrgbClr r="0" g="0" b="0"/>
-          </a:effectRef>
-          <a:fontRef idx="minor">
-            <a:schemeClr val="dk1"/>
-          </a:fontRef>
-        </p:style>
-        <p:txBody>
-          <a:bodyPr rtlCol="0" anchor="ctr"/>
-          <a:lstStyle/>
-          <a:p>
-            <a:pPr algn="ctr"/>
-            <a:endParaRPr lang="en-US"/>
-          </a:p>
-        </p:txBody>
-      </p:sp>
-      <p:cxnSp>
-        <p:nvCxnSpPr>
-          <p:cNvPr id="10" name="Straight Connector 9">
-            <a:extLst>
-              <a:ext uri="{FF2B5EF4-FFF2-40B4-BE49-F238E27FC236}">
-                <a16:creationId xmlns:a16="http://schemas.microsoft.com/office/drawing/2014/main" id="{8E904AE6-1E19-2BA3-CF09-CD812B0D2E4A}"/>
-              </a:ext>
-            </a:extLst>
-          </p:cNvPr>
-          <p:cNvCxnSpPr>
-            <a:cxnSpLocks/>
-          </p:cNvCxnSpPr>
-          <p:nvPr/>
-        </p:nvCxnSpPr>
-        <p:spPr>
-          <a:xfrm flipH="1" flipV="1">
-            <a:off x="3230264" y="3346558"/>
-            <a:ext cx="1372832" cy="204362"/>
-          </a:xfrm>
-          <a:prstGeom prst="line">
-            <a:avLst/>
-          </a:prstGeom>
-          <a:ln w="19050"/>
-        </p:spPr>
-        <p:style>
-          <a:lnRef idx="1">
-            <a:schemeClr val="dk1"/>
-          </a:lnRef>
-          <a:fillRef idx="0">
-            <a:schemeClr val="dk1"/>
-          </a:fillRef>
-          <a:effectRef idx="0">
-            <a:schemeClr val="dk1"/>
-          </a:effectRef>
-          <a:fontRef idx="minor">
-            <a:schemeClr val="tx1"/>
-          </a:fontRef>
-        </p:style>
-      </p:cxnSp>
-      <p:cxnSp>
-        <p:nvCxnSpPr>
-          <p:cNvPr id="11" name="Straight Connector 10">
-            <a:extLst>
-              <a:ext uri="{FF2B5EF4-FFF2-40B4-BE49-F238E27FC236}">
-                <a16:creationId xmlns:a16="http://schemas.microsoft.com/office/drawing/2014/main" id="{57E1A13B-6432-DA4D-A2E9-A0C89906EC55}"/>
-              </a:ext>
-            </a:extLst>
-          </p:cNvPr>
-          <p:cNvCxnSpPr>
-            <a:cxnSpLocks/>
-          </p:cNvCxnSpPr>
-          <p:nvPr/>
-        </p:nvCxnSpPr>
-        <p:spPr>
-          <a:xfrm flipV="1">
-            <a:off x="3230264" y="4347052"/>
-            <a:ext cx="1372832" cy="1062036"/>
-          </a:xfrm>
-          <a:prstGeom prst="line">
-            <a:avLst/>
-          </a:prstGeom>
-          <a:ln w="19050"/>
-        </p:spPr>
-        <p:style>
-          <a:lnRef idx="1">
-            <a:schemeClr val="dk1"/>
-          </a:lnRef>
-          <a:fillRef idx="0">
-            <a:schemeClr val="dk1"/>
-          </a:fillRef>
-          <a:effectRef idx="0">
-            <a:schemeClr val="dk1"/>
-          </a:effectRef>
-          <a:fontRef idx="minor">
-            <a:schemeClr val="tx1"/>
-          </a:fontRef>
-        </p:style>
-      </p:cxnSp>
-    </p:spTree>
-    <p:extLst>
-      <p:ext uri="{BB962C8B-B14F-4D97-AF65-F5344CB8AC3E}">
-        <p14:creationId xmlns:p14="http://schemas.microsoft.com/office/powerpoint/2010/main" val="199442513"/>
-      </p:ext>
-    </p:extLst>
-  </p:cSld>
-  <p:clrMapOvr>
-    <a:masterClrMapping/>
-  </p:clrMapOvr>
-</p:sld>
-</file>
-
-<file path=ppt/slides/slide9.xml><?xml version="1.0" encoding="utf-8"?>
-<p:sld xmlns:a="http://schemas.openxmlformats.org/drawingml/2006/main" xmlns:r="http://schemas.openxmlformats.org/officeDocument/2006/relationships" xmlns:p="http://schemas.openxmlformats.org/presentationml/2006/main">
-  <p:cSld>
-    <p:spTree>
-      <p:nvGrpSpPr>
-        <p:cNvPr id="1" name=""/>
-        <p:cNvGrpSpPr/>
-        <p:nvPr/>
-      </p:nvGrpSpPr>
-      <p:grpSpPr>
-        <a:xfrm>
-          <a:off x="0" y="0"/>
-          <a:ext cx="0" cy="0"/>
-          <a:chOff x="0" y="0"/>
-          <a:chExt cx="0" cy="0"/>
-        </a:xfrm>
-      </p:grpSpPr>
-      <p:sp>
-        <p:nvSpPr>
-          <p:cNvPr id="3" name="Date Placeholder 2">
-            <a:extLst>
-              <a:ext uri="{FF2B5EF4-FFF2-40B4-BE49-F238E27FC236}">
-                <a16:creationId xmlns:a16="http://schemas.microsoft.com/office/drawing/2014/main" id="{A910AB5C-B433-3086-191E-3B0BE15CD789}"/>
-              </a:ext>
-            </a:extLst>
-          </p:cNvPr>
-          <p:cNvSpPr>
-            <a:spLocks noGrp="1"/>
-          </p:cNvSpPr>
-          <p:nvPr>
-            <p:ph type="dt" sz="half" idx="10"/>
-          </p:nvPr>
-        </p:nvSpPr>
-        <p:spPr/>
-        <p:txBody>
-          <a:bodyPr/>
-          <a:lstStyle/>
-          <a:p>
-            <a:fld id="{271525A6-AB2C-4381-9F5E-305438172ED9}" type="datetime1">
-              <a:rPr lang="en-US" smtClean="0"/>
-              <a:t>3/30/2024</a:t>
-            </a:fld>
-            <a:endParaRPr lang="en-US"/>
-          </a:p>
-        </p:txBody>
-      </p:sp>
-      <p:sp>
-        <p:nvSpPr>
-          <p:cNvPr id="4" name="Footer Placeholder 3">
-            <a:extLst>
-              <a:ext uri="{FF2B5EF4-FFF2-40B4-BE49-F238E27FC236}">
-                <a16:creationId xmlns:a16="http://schemas.microsoft.com/office/drawing/2014/main" id="{9B00D6ED-5784-C43E-3B7A-15D17D08EBD5}"/>
-              </a:ext>
-            </a:extLst>
-          </p:cNvPr>
-          <p:cNvSpPr>
-            <a:spLocks noGrp="1"/>
-          </p:cNvSpPr>
-          <p:nvPr>
-            <p:ph type="ftr" sz="quarter" idx="11"/>
-          </p:nvPr>
-        </p:nvSpPr>
-        <p:spPr/>
-        <p:txBody>
-          <a:bodyPr/>
-          <a:lstStyle/>
-          <a:p>
-            <a:r>
-              <a:rPr lang="en-US"/>
-              <a:t>Quantum MCMC Semester Project</a:t>
-            </a:r>
-          </a:p>
-        </p:txBody>
-      </p:sp>
-      <p:sp>
-        <p:nvSpPr>
-          <p:cNvPr id="5" name="Slide Number Placeholder 4">
-            <a:extLst>
-              <a:ext uri="{FF2B5EF4-FFF2-40B4-BE49-F238E27FC236}">
-                <a16:creationId xmlns:a16="http://schemas.microsoft.com/office/drawing/2014/main" id="{D86E7164-146F-C9F4-8A20-80B2CA7E61EA}"/>
-              </a:ext>
-            </a:extLst>
-          </p:cNvPr>
-          <p:cNvSpPr>
-            <a:spLocks noGrp="1"/>
-          </p:cNvSpPr>
-          <p:nvPr>
-            <p:ph type="sldNum" sz="quarter" idx="12"/>
-          </p:nvPr>
-        </p:nvSpPr>
-        <p:spPr/>
-        <p:txBody>
-          <a:bodyPr/>
-          <a:lstStyle/>
-          <a:p>
-            <a:fld id="{A7317B02-F301-4794-AD40-E8EE819BB4A2}" type="slidenum">
-              <a:rPr lang="en-US" smtClean="0"/>
-              <a:t>9</a:t>
-            </a:fld>
-            <a:endParaRPr lang="en-US"/>
-          </a:p>
-        </p:txBody>
-      </p:sp>
-      <p:pic>
-        <p:nvPicPr>
-          <p:cNvPr id="11" name="Picture 10">
-            <a:extLst>
-              <a:ext uri="{FF2B5EF4-FFF2-40B4-BE49-F238E27FC236}">
-                <a16:creationId xmlns:a16="http://schemas.microsoft.com/office/drawing/2014/main" id="{60F658C7-88CA-A14F-AB8A-ABA8FBAB204E}"/>
-              </a:ext>
-            </a:extLst>
-          </p:cNvPr>
-          <p:cNvPicPr>
-            <a:picLocks noChangeAspect="1"/>
-          </p:cNvPicPr>
-          <p:nvPr/>
-        </p:nvPicPr>
-        <p:blipFill>
-          <a:blip r:embed="rId2"/>
-          <a:stretch>
-            <a:fillRect/>
-          </a:stretch>
-        </p:blipFill>
-        <p:spPr>
-          <a:xfrm>
-            <a:off x="3121565" y="136525"/>
-            <a:ext cx="5795412" cy="2905042"/>
-          </a:xfrm>
-          <a:prstGeom prst="rect">
-            <a:avLst/>
-          </a:prstGeom>
-        </p:spPr>
-      </p:pic>
-      <p:pic>
-        <p:nvPicPr>
-          <p:cNvPr id="13" name="Picture 12">
-            <a:extLst>
-              <a:ext uri="{FF2B5EF4-FFF2-40B4-BE49-F238E27FC236}">
-                <a16:creationId xmlns:a16="http://schemas.microsoft.com/office/drawing/2014/main" id="{5CBF9424-31E2-6163-3959-85329719C4DE}"/>
-              </a:ext>
-            </a:extLst>
-          </p:cNvPr>
-          <p:cNvPicPr>
-            <a:picLocks noChangeAspect="1"/>
-          </p:cNvPicPr>
-          <p:nvPr/>
-        </p:nvPicPr>
-        <p:blipFill>
-          <a:blip r:embed="rId3"/>
-          <a:stretch>
-            <a:fillRect/>
-          </a:stretch>
-        </p:blipFill>
-        <p:spPr>
-          <a:xfrm>
-            <a:off x="2526030" y="2987171"/>
-            <a:ext cx="7412552" cy="2995276"/>
-          </a:xfrm>
-          <a:prstGeom prst="rect">
-            <a:avLst/>
-          </a:prstGeom>
-        </p:spPr>
-      </p:pic>
-    </p:spTree>
-    <p:extLst>
-      <p:ext uri="{BB962C8B-B14F-4D97-AF65-F5344CB8AC3E}">
-        <p14:creationId xmlns:p14="http://schemas.microsoft.com/office/powerpoint/2010/main" val="739344708"/>
+        <p14:creationId xmlns:p14="http://schemas.microsoft.com/office/powerpoint/2010/main" val="1385955453"/>
       </p:ext>
     </p:extLst>
   </p:cSld>
